--- a/figures/ModuleWavenet.pptx
+++ b/figures/ModuleWavenet.pptx
@@ -4,8 +4,13 @@
   <p:sldMasterIdLst>
     <p:sldMasterId id="2147483648" r:id="rId1"/>
   </p:sldMasterIdLst>
+  <p:notesMasterIdLst>
+    <p:notesMasterId r:id="rId5"/>
+  </p:notesMasterIdLst>
   <p:sldIdLst>
     <p:sldId id="256" r:id="rId2"/>
+    <p:sldId id="257" r:id="rId3"/>
+    <p:sldId id="258" r:id="rId4"/>
   </p:sldIdLst>
   <p:sldSz cx="12192000" cy="6858000"/>
   <p:notesSz cx="6858000" cy="9144000"/>
@@ -112,6 +117,440 @@
 </p:presentation>
 </file>
 
+<file path=ppt/notesMasters/notesMaster1.xml><?xml version="1.0" encoding="utf-8"?>
+<p:notesMaster xmlns:a="http://schemas.openxmlformats.org/drawingml/2006/main" xmlns:r="http://schemas.openxmlformats.org/officeDocument/2006/relationships" xmlns:p="http://schemas.openxmlformats.org/presentationml/2006/main">
+  <p:cSld>
+    <p:bg>
+      <p:bgRef idx="1001">
+        <a:schemeClr val="bg1"/>
+      </p:bgRef>
+    </p:bg>
+    <p:spTree>
+      <p:nvGrpSpPr>
+        <p:cNvPr id="1" name=""/>
+        <p:cNvGrpSpPr/>
+        <p:nvPr/>
+      </p:nvGrpSpPr>
+      <p:grpSpPr>
+        <a:xfrm>
+          <a:off x="0" y="0"/>
+          <a:ext cx="0" cy="0"/>
+          <a:chOff x="0" y="0"/>
+          <a:chExt cx="0" cy="0"/>
+        </a:xfrm>
+      </p:grpSpPr>
+      <p:sp>
+        <p:nvSpPr>
+          <p:cNvPr id="2" name="Marcador de encabezado 1"/>
+          <p:cNvSpPr>
+            <a:spLocks noGrp="1"/>
+          </p:cNvSpPr>
+          <p:nvPr>
+            <p:ph type="hdr" sz="quarter"/>
+          </p:nvPr>
+        </p:nvSpPr>
+        <p:spPr>
+          <a:xfrm>
+            <a:off x="0" y="0"/>
+            <a:ext cx="2971800" cy="458788"/>
+          </a:xfrm>
+          <a:prstGeom prst="rect">
+            <a:avLst/>
+          </a:prstGeom>
+        </p:spPr>
+        <p:txBody>
+          <a:bodyPr vert="horz" lIns="91440" tIns="45720" rIns="91440" bIns="45720" rtlCol="0"/>
+          <a:lstStyle>
+            <a:lvl1pPr algn="l">
+              <a:defRPr sz="1200"/>
+            </a:lvl1pPr>
+          </a:lstStyle>
+          <a:p>
+            <a:endParaRPr lang="es-NL"/>
+          </a:p>
+        </p:txBody>
+      </p:sp>
+      <p:sp>
+        <p:nvSpPr>
+          <p:cNvPr id="3" name="Marcador de fecha 2"/>
+          <p:cNvSpPr>
+            <a:spLocks noGrp="1"/>
+          </p:cNvSpPr>
+          <p:nvPr>
+            <p:ph type="dt" idx="1"/>
+          </p:nvPr>
+        </p:nvSpPr>
+        <p:spPr>
+          <a:xfrm>
+            <a:off x="3884613" y="0"/>
+            <a:ext cx="2971800" cy="458788"/>
+          </a:xfrm>
+          <a:prstGeom prst="rect">
+            <a:avLst/>
+          </a:prstGeom>
+        </p:spPr>
+        <p:txBody>
+          <a:bodyPr vert="horz" lIns="91440" tIns="45720" rIns="91440" bIns="45720" rtlCol="0"/>
+          <a:lstStyle>
+            <a:lvl1pPr algn="r">
+              <a:defRPr sz="1200"/>
+            </a:lvl1pPr>
+          </a:lstStyle>
+          <a:p>
+            <a:fld id="{8DA6EE67-C59E-F84B-AEA2-5C5587E50374}" type="datetimeFigureOut">
+              <a:rPr lang="es-NL" smtClean="0"/>
+              <a:t>07-07-2024</a:t>
+            </a:fld>
+            <a:endParaRPr lang="es-NL"/>
+          </a:p>
+        </p:txBody>
+      </p:sp>
+      <p:sp>
+        <p:nvSpPr>
+          <p:cNvPr id="4" name="Marcador de imagen de diapositiva 3"/>
+          <p:cNvSpPr>
+            <a:spLocks noGrp="1" noRot="1" noChangeAspect="1"/>
+          </p:cNvSpPr>
+          <p:nvPr>
+            <p:ph type="sldImg" idx="2"/>
+          </p:nvPr>
+        </p:nvSpPr>
+        <p:spPr>
+          <a:xfrm>
+            <a:off x="685800" y="1143000"/>
+            <a:ext cx="5486400" cy="3086100"/>
+          </a:xfrm>
+          <a:prstGeom prst="rect">
+            <a:avLst/>
+          </a:prstGeom>
+          <a:noFill/>
+          <a:ln w="12700">
+            <a:solidFill>
+              <a:prstClr val="black"/>
+            </a:solidFill>
+          </a:ln>
+        </p:spPr>
+        <p:txBody>
+          <a:bodyPr vert="horz" lIns="91440" tIns="45720" rIns="91440" bIns="45720" rtlCol="0" anchor="ctr"/>
+          <a:lstStyle/>
+          <a:p>
+            <a:endParaRPr lang="es-NL"/>
+          </a:p>
+        </p:txBody>
+      </p:sp>
+      <p:sp>
+        <p:nvSpPr>
+          <p:cNvPr id="5" name="Marcador de notas 4"/>
+          <p:cNvSpPr>
+            <a:spLocks noGrp="1"/>
+          </p:cNvSpPr>
+          <p:nvPr>
+            <p:ph type="body" sz="quarter" idx="3"/>
+          </p:nvPr>
+        </p:nvSpPr>
+        <p:spPr>
+          <a:xfrm>
+            <a:off x="685800" y="4400550"/>
+            <a:ext cx="5486400" cy="3600450"/>
+          </a:xfrm>
+          <a:prstGeom prst="rect">
+            <a:avLst/>
+          </a:prstGeom>
+        </p:spPr>
+        <p:txBody>
+          <a:bodyPr vert="horz" lIns="91440" tIns="45720" rIns="91440" bIns="45720" rtlCol="0"/>
+          <a:lstStyle/>
+          <a:p>
+            <a:pPr lvl="0"/>
+            <a:r>
+              <a:rPr lang="es-ES"/>
+              <a:t>Haga clic para modificar los estilos de texto del patrón</a:t>
+            </a:r>
+          </a:p>
+          <a:p>
+            <a:pPr lvl="1"/>
+            <a:r>
+              <a:rPr lang="es-ES"/>
+              <a:t>Segundo nivel</a:t>
+            </a:r>
+          </a:p>
+          <a:p>
+            <a:pPr lvl="2"/>
+            <a:r>
+              <a:rPr lang="es-ES"/>
+              <a:t>Tercer nivel</a:t>
+            </a:r>
+          </a:p>
+          <a:p>
+            <a:pPr lvl="3"/>
+            <a:r>
+              <a:rPr lang="es-ES"/>
+              <a:t>Cuarto nivel</a:t>
+            </a:r>
+          </a:p>
+          <a:p>
+            <a:pPr lvl="4"/>
+            <a:r>
+              <a:rPr lang="es-ES"/>
+              <a:t>Quinto nivel</a:t>
+            </a:r>
+            <a:endParaRPr lang="es-NL"/>
+          </a:p>
+        </p:txBody>
+      </p:sp>
+      <p:sp>
+        <p:nvSpPr>
+          <p:cNvPr id="6" name="Marcador de pie de página 5"/>
+          <p:cNvSpPr>
+            <a:spLocks noGrp="1"/>
+          </p:cNvSpPr>
+          <p:nvPr>
+            <p:ph type="ftr" sz="quarter" idx="4"/>
+          </p:nvPr>
+        </p:nvSpPr>
+        <p:spPr>
+          <a:xfrm>
+            <a:off x="0" y="8685213"/>
+            <a:ext cx="2971800" cy="458787"/>
+          </a:xfrm>
+          <a:prstGeom prst="rect">
+            <a:avLst/>
+          </a:prstGeom>
+        </p:spPr>
+        <p:txBody>
+          <a:bodyPr vert="horz" lIns="91440" tIns="45720" rIns="91440" bIns="45720" rtlCol="0" anchor="b"/>
+          <a:lstStyle>
+            <a:lvl1pPr algn="l">
+              <a:defRPr sz="1200"/>
+            </a:lvl1pPr>
+          </a:lstStyle>
+          <a:p>
+            <a:endParaRPr lang="es-NL"/>
+          </a:p>
+        </p:txBody>
+      </p:sp>
+      <p:sp>
+        <p:nvSpPr>
+          <p:cNvPr id="7" name="Marcador de número de diapositiva 6"/>
+          <p:cNvSpPr>
+            <a:spLocks noGrp="1"/>
+          </p:cNvSpPr>
+          <p:nvPr>
+            <p:ph type="sldNum" sz="quarter" idx="5"/>
+          </p:nvPr>
+        </p:nvSpPr>
+        <p:spPr>
+          <a:xfrm>
+            <a:off x="3884613" y="8685213"/>
+            <a:ext cx="2971800" cy="458787"/>
+          </a:xfrm>
+          <a:prstGeom prst="rect">
+            <a:avLst/>
+          </a:prstGeom>
+        </p:spPr>
+        <p:txBody>
+          <a:bodyPr vert="horz" lIns="91440" tIns="45720" rIns="91440" bIns="45720" rtlCol="0" anchor="b"/>
+          <a:lstStyle>
+            <a:lvl1pPr algn="r">
+              <a:defRPr sz="1200"/>
+            </a:lvl1pPr>
+          </a:lstStyle>
+          <a:p>
+            <a:fld id="{47089FE0-2E96-524A-9FBE-7DE727E004F2}" type="slidenum">
+              <a:rPr lang="es-NL" smtClean="0"/>
+              <a:t>‹Nº›</a:t>
+            </a:fld>
+            <a:endParaRPr lang="es-NL"/>
+          </a:p>
+        </p:txBody>
+      </p:sp>
+    </p:spTree>
+    <p:extLst>
+      <p:ext uri="{BB962C8B-B14F-4D97-AF65-F5344CB8AC3E}">
+        <p14:creationId xmlns:p14="http://schemas.microsoft.com/office/powerpoint/2010/main" val="3901315034"/>
+      </p:ext>
+    </p:extLst>
+  </p:cSld>
+  <p:clrMap bg1="lt1" tx1="dk1" bg2="lt2" tx2="dk2" accent1="accent1" accent2="accent2" accent3="accent3" accent4="accent4" accent5="accent5" accent6="accent6" hlink="hlink" folHlink="folHlink"/>
+  <p:notesStyle>
+    <a:lvl1pPr marL="0" algn="l" defTabSz="914400" rtl="0" eaLnBrk="1" latinLnBrk="0" hangingPunct="1">
+      <a:defRPr sz="1200" kern="1200">
+        <a:solidFill>
+          <a:schemeClr val="tx1"/>
+        </a:solidFill>
+        <a:latin typeface="+mn-lt"/>
+        <a:ea typeface="+mn-ea"/>
+        <a:cs typeface="+mn-cs"/>
+      </a:defRPr>
+    </a:lvl1pPr>
+    <a:lvl2pPr marL="457200" algn="l" defTabSz="914400" rtl="0" eaLnBrk="1" latinLnBrk="0" hangingPunct="1">
+      <a:defRPr sz="1200" kern="1200">
+        <a:solidFill>
+          <a:schemeClr val="tx1"/>
+        </a:solidFill>
+        <a:latin typeface="+mn-lt"/>
+        <a:ea typeface="+mn-ea"/>
+        <a:cs typeface="+mn-cs"/>
+      </a:defRPr>
+    </a:lvl2pPr>
+    <a:lvl3pPr marL="914400" algn="l" defTabSz="914400" rtl="0" eaLnBrk="1" latinLnBrk="0" hangingPunct="1">
+      <a:defRPr sz="1200" kern="1200">
+        <a:solidFill>
+          <a:schemeClr val="tx1"/>
+        </a:solidFill>
+        <a:latin typeface="+mn-lt"/>
+        <a:ea typeface="+mn-ea"/>
+        <a:cs typeface="+mn-cs"/>
+      </a:defRPr>
+    </a:lvl3pPr>
+    <a:lvl4pPr marL="1371600" algn="l" defTabSz="914400" rtl="0" eaLnBrk="1" latinLnBrk="0" hangingPunct="1">
+      <a:defRPr sz="1200" kern="1200">
+        <a:solidFill>
+          <a:schemeClr val="tx1"/>
+        </a:solidFill>
+        <a:latin typeface="+mn-lt"/>
+        <a:ea typeface="+mn-ea"/>
+        <a:cs typeface="+mn-cs"/>
+      </a:defRPr>
+    </a:lvl4pPr>
+    <a:lvl5pPr marL="1828800" algn="l" defTabSz="914400" rtl="0" eaLnBrk="1" latinLnBrk="0" hangingPunct="1">
+      <a:defRPr sz="1200" kern="1200">
+        <a:solidFill>
+          <a:schemeClr val="tx1"/>
+        </a:solidFill>
+        <a:latin typeface="+mn-lt"/>
+        <a:ea typeface="+mn-ea"/>
+        <a:cs typeface="+mn-cs"/>
+      </a:defRPr>
+    </a:lvl5pPr>
+    <a:lvl6pPr marL="2286000" algn="l" defTabSz="914400" rtl="0" eaLnBrk="1" latinLnBrk="0" hangingPunct="1">
+      <a:defRPr sz="1200" kern="1200">
+        <a:solidFill>
+          <a:schemeClr val="tx1"/>
+        </a:solidFill>
+        <a:latin typeface="+mn-lt"/>
+        <a:ea typeface="+mn-ea"/>
+        <a:cs typeface="+mn-cs"/>
+      </a:defRPr>
+    </a:lvl6pPr>
+    <a:lvl7pPr marL="2743200" algn="l" defTabSz="914400" rtl="0" eaLnBrk="1" latinLnBrk="0" hangingPunct="1">
+      <a:defRPr sz="1200" kern="1200">
+        <a:solidFill>
+          <a:schemeClr val="tx1"/>
+        </a:solidFill>
+        <a:latin typeface="+mn-lt"/>
+        <a:ea typeface="+mn-ea"/>
+        <a:cs typeface="+mn-cs"/>
+      </a:defRPr>
+    </a:lvl7pPr>
+    <a:lvl8pPr marL="3200400" algn="l" defTabSz="914400" rtl="0" eaLnBrk="1" latinLnBrk="0" hangingPunct="1">
+      <a:defRPr sz="1200" kern="1200">
+        <a:solidFill>
+          <a:schemeClr val="tx1"/>
+        </a:solidFill>
+        <a:latin typeface="+mn-lt"/>
+        <a:ea typeface="+mn-ea"/>
+        <a:cs typeface="+mn-cs"/>
+      </a:defRPr>
+    </a:lvl8pPr>
+    <a:lvl9pPr marL="3657600" algn="l" defTabSz="914400" rtl="0" eaLnBrk="1" latinLnBrk="0" hangingPunct="1">
+      <a:defRPr sz="1200" kern="1200">
+        <a:solidFill>
+          <a:schemeClr val="tx1"/>
+        </a:solidFill>
+        <a:latin typeface="+mn-lt"/>
+        <a:ea typeface="+mn-ea"/>
+        <a:cs typeface="+mn-cs"/>
+      </a:defRPr>
+    </a:lvl9pPr>
+  </p:notesStyle>
+</p:notesMaster>
+</file>
+
+<file path=ppt/notesSlides/notesSlide1.xml><?xml version="1.0" encoding="utf-8"?>
+<p:notes xmlns:a="http://schemas.openxmlformats.org/drawingml/2006/main" xmlns:r="http://schemas.openxmlformats.org/officeDocument/2006/relationships" xmlns:p="http://schemas.openxmlformats.org/presentationml/2006/main">
+  <p:cSld>
+    <p:spTree>
+      <p:nvGrpSpPr>
+        <p:cNvPr id="1" name=""/>
+        <p:cNvGrpSpPr/>
+        <p:nvPr/>
+      </p:nvGrpSpPr>
+      <p:grpSpPr>
+        <a:xfrm>
+          <a:off x="0" y="0"/>
+          <a:ext cx="0" cy="0"/>
+          <a:chOff x="0" y="0"/>
+          <a:chExt cx="0" cy="0"/>
+        </a:xfrm>
+      </p:grpSpPr>
+      <p:sp>
+        <p:nvSpPr>
+          <p:cNvPr id="2" name="Marcador de imagen de diapositiva 1"/>
+          <p:cNvSpPr>
+            <a:spLocks noGrp="1" noRot="1" noChangeAspect="1"/>
+          </p:cNvSpPr>
+          <p:nvPr>
+            <p:ph type="sldImg"/>
+          </p:nvPr>
+        </p:nvSpPr>
+        <p:spPr/>
+      </p:sp>
+      <p:sp>
+        <p:nvSpPr>
+          <p:cNvPr id="3" name="Marcador de notas 2"/>
+          <p:cNvSpPr>
+            <a:spLocks noGrp="1"/>
+          </p:cNvSpPr>
+          <p:nvPr>
+            <p:ph type="body" idx="1"/>
+          </p:nvPr>
+        </p:nvSpPr>
+        <p:spPr/>
+        <p:txBody>
+          <a:bodyPr/>
+          <a:lstStyle/>
+          <a:p>
+            <a:endParaRPr lang="es-NL" dirty="0"/>
+          </a:p>
+        </p:txBody>
+      </p:sp>
+      <p:sp>
+        <p:nvSpPr>
+          <p:cNvPr id="4" name="Marcador de número de diapositiva 3"/>
+          <p:cNvSpPr>
+            <a:spLocks noGrp="1"/>
+          </p:cNvSpPr>
+          <p:nvPr>
+            <p:ph type="sldNum" sz="quarter" idx="5"/>
+          </p:nvPr>
+        </p:nvSpPr>
+        <p:spPr/>
+        <p:txBody>
+          <a:bodyPr/>
+          <a:lstStyle/>
+          <a:p>
+            <a:fld id="{FE0503E2-AF12-CD43-BCAC-9E39E988DBDE}" type="slidenum">
+              <a:rPr lang="es-NL" smtClean="0"/>
+              <a:t>2</a:t>
+            </a:fld>
+            <a:endParaRPr lang="es-NL"/>
+          </a:p>
+        </p:txBody>
+      </p:sp>
+    </p:spTree>
+    <p:extLst>
+      <p:ext uri="{BB962C8B-B14F-4D97-AF65-F5344CB8AC3E}">
+        <p14:creationId xmlns:p14="http://schemas.microsoft.com/office/powerpoint/2010/main" val="1405786944"/>
+      </p:ext>
+    </p:extLst>
+  </p:cSld>
+  <p:clrMapOvr>
+    <a:masterClrMapping/>
+  </p:clrMapOvr>
+</p:notes>
+</file>
+
 <file path=ppt/slideLayouts/slideLayout1.xml><?xml version="1.0" encoding="utf-8"?>
 <p:sldLayout xmlns:a="http://schemas.openxmlformats.org/drawingml/2006/main" xmlns:r="http://schemas.openxmlformats.org/officeDocument/2006/relationships" xmlns:p="http://schemas.openxmlformats.org/presentationml/2006/main" type="title" preserve="1">
   <p:cSld name="Title Slide">
@@ -261,7 +700,7 @@
           <a:p>
             <a:fld id="{290CD9FD-56AE-451A-AF89-2ACD237B8955}" type="datetimeFigureOut">
               <a:rPr lang="en-GB" smtClean="0"/>
-              <a:t>02/05/2024</a:t>
+              <a:t>07/07/2024</a:t>
             </a:fld>
             <a:endParaRPr lang="en-GB"/>
           </a:p>
@@ -315,7 +754,7 @@
           <a:p>
             <a:fld id="{0F67DE70-E816-433C-84AD-0C39F827C22C}" type="slidenum">
               <a:rPr lang="en-GB" smtClean="0"/>
-              <a:t>‹#›</a:t>
+              <a:t>‹Nº›</a:t>
             </a:fld>
             <a:endParaRPr lang="en-GB"/>
           </a:p>
@@ -461,7 +900,7 @@
           <a:p>
             <a:fld id="{290CD9FD-56AE-451A-AF89-2ACD237B8955}" type="datetimeFigureOut">
               <a:rPr lang="en-GB" smtClean="0"/>
-              <a:t>02/05/2024</a:t>
+              <a:t>07/07/2024</a:t>
             </a:fld>
             <a:endParaRPr lang="en-GB"/>
           </a:p>
@@ -515,7 +954,7 @@
           <a:p>
             <a:fld id="{0F67DE70-E816-433C-84AD-0C39F827C22C}" type="slidenum">
               <a:rPr lang="en-GB" smtClean="0"/>
-              <a:t>‹#›</a:t>
+              <a:t>‹Nº›</a:t>
             </a:fld>
             <a:endParaRPr lang="en-GB"/>
           </a:p>
@@ -671,7 +1110,7 @@
           <a:p>
             <a:fld id="{290CD9FD-56AE-451A-AF89-2ACD237B8955}" type="datetimeFigureOut">
               <a:rPr lang="en-GB" smtClean="0"/>
-              <a:t>02/05/2024</a:t>
+              <a:t>07/07/2024</a:t>
             </a:fld>
             <a:endParaRPr lang="en-GB"/>
           </a:p>
@@ -725,7 +1164,7 @@
           <a:p>
             <a:fld id="{0F67DE70-E816-433C-84AD-0C39F827C22C}" type="slidenum">
               <a:rPr lang="en-GB" smtClean="0"/>
-              <a:t>‹#›</a:t>
+              <a:t>‹Nº›</a:t>
             </a:fld>
             <a:endParaRPr lang="en-GB"/>
           </a:p>
@@ -871,7 +1310,7 @@
           <a:p>
             <a:fld id="{290CD9FD-56AE-451A-AF89-2ACD237B8955}" type="datetimeFigureOut">
               <a:rPr lang="en-GB" smtClean="0"/>
-              <a:t>02/05/2024</a:t>
+              <a:t>07/07/2024</a:t>
             </a:fld>
             <a:endParaRPr lang="en-GB"/>
           </a:p>
@@ -925,7 +1364,7 @@
           <a:p>
             <a:fld id="{0F67DE70-E816-433C-84AD-0C39F827C22C}" type="slidenum">
               <a:rPr lang="en-GB" smtClean="0"/>
-              <a:t>‹#›</a:t>
+              <a:t>‹Nº›</a:t>
             </a:fld>
             <a:endParaRPr lang="en-GB"/>
           </a:p>
@@ -1147,7 +1586,7 @@
           <a:p>
             <a:fld id="{290CD9FD-56AE-451A-AF89-2ACD237B8955}" type="datetimeFigureOut">
               <a:rPr lang="en-GB" smtClean="0"/>
-              <a:t>02/05/2024</a:t>
+              <a:t>07/07/2024</a:t>
             </a:fld>
             <a:endParaRPr lang="en-GB"/>
           </a:p>
@@ -1201,7 +1640,7 @@
           <a:p>
             <a:fld id="{0F67DE70-E816-433C-84AD-0C39F827C22C}" type="slidenum">
               <a:rPr lang="en-GB" smtClean="0"/>
-              <a:t>‹#›</a:t>
+              <a:t>‹Nº›</a:t>
             </a:fld>
             <a:endParaRPr lang="en-GB"/>
           </a:p>
@@ -1415,7 +1854,7 @@
           <a:p>
             <a:fld id="{290CD9FD-56AE-451A-AF89-2ACD237B8955}" type="datetimeFigureOut">
               <a:rPr lang="en-GB" smtClean="0"/>
-              <a:t>02/05/2024</a:t>
+              <a:t>07/07/2024</a:t>
             </a:fld>
             <a:endParaRPr lang="en-GB"/>
           </a:p>
@@ -1469,7 +1908,7 @@
           <a:p>
             <a:fld id="{0F67DE70-E816-433C-84AD-0C39F827C22C}" type="slidenum">
               <a:rPr lang="en-GB" smtClean="0"/>
-              <a:t>‹#›</a:t>
+              <a:t>‹Nº›</a:t>
             </a:fld>
             <a:endParaRPr lang="en-GB"/>
           </a:p>
@@ -1830,7 +2269,7 @@
           <a:p>
             <a:fld id="{290CD9FD-56AE-451A-AF89-2ACD237B8955}" type="datetimeFigureOut">
               <a:rPr lang="en-GB" smtClean="0"/>
-              <a:t>02/05/2024</a:t>
+              <a:t>07/07/2024</a:t>
             </a:fld>
             <a:endParaRPr lang="en-GB"/>
           </a:p>
@@ -1884,7 +2323,7 @@
           <a:p>
             <a:fld id="{0F67DE70-E816-433C-84AD-0C39F827C22C}" type="slidenum">
               <a:rPr lang="en-GB" smtClean="0"/>
-              <a:t>‹#›</a:t>
+              <a:t>‹Nº›</a:t>
             </a:fld>
             <a:endParaRPr lang="en-GB"/>
           </a:p>
@@ -1972,7 +2411,7 @@
           <a:p>
             <a:fld id="{290CD9FD-56AE-451A-AF89-2ACD237B8955}" type="datetimeFigureOut">
               <a:rPr lang="en-GB" smtClean="0"/>
-              <a:t>02/05/2024</a:t>
+              <a:t>07/07/2024</a:t>
             </a:fld>
             <a:endParaRPr lang="en-GB"/>
           </a:p>
@@ -2026,7 +2465,7 @@
           <a:p>
             <a:fld id="{0F67DE70-E816-433C-84AD-0C39F827C22C}" type="slidenum">
               <a:rPr lang="en-GB" smtClean="0"/>
-              <a:t>‹#›</a:t>
+              <a:t>‹Nº›</a:t>
             </a:fld>
             <a:endParaRPr lang="en-GB"/>
           </a:p>
@@ -2085,7 +2524,7 @@
           <a:p>
             <a:fld id="{290CD9FD-56AE-451A-AF89-2ACD237B8955}" type="datetimeFigureOut">
               <a:rPr lang="en-GB" smtClean="0"/>
-              <a:t>02/05/2024</a:t>
+              <a:t>07/07/2024</a:t>
             </a:fld>
             <a:endParaRPr lang="en-GB"/>
           </a:p>
@@ -2139,7 +2578,7 @@
           <a:p>
             <a:fld id="{0F67DE70-E816-433C-84AD-0C39F827C22C}" type="slidenum">
               <a:rPr lang="en-GB" smtClean="0"/>
-              <a:t>‹#›</a:t>
+              <a:t>‹Nº›</a:t>
             </a:fld>
             <a:endParaRPr lang="en-GB"/>
           </a:p>
@@ -2398,7 +2837,7 @@
           <a:p>
             <a:fld id="{290CD9FD-56AE-451A-AF89-2ACD237B8955}" type="datetimeFigureOut">
               <a:rPr lang="en-GB" smtClean="0"/>
-              <a:t>02/05/2024</a:t>
+              <a:t>07/07/2024</a:t>
             </a:fld>
             <a:endParaRPr lang="en-GB"/>
           </a:p>
@@ -2452,7 +2891,7 @@
           <a:p>
             <a:fld id="{0F67DE70-E816-433C-84AD-0C39F827C22C}" type="slidenum">
               <a:rPr lang="en-GB" smtClean="0"/>
-              <a:t>‹#›</a:t>
+              <a:t>‹Nº›</a:t>
             </a:fld>
             <a:endParaRPr lang="en-GB"/>
           </a:p>
@@ -2687,7 +3126,7 @@
           <a:p>
             <a:fld id="{290CD9FD-56AE-451A-AF89-2ACD237B8955}" type="datetimeFigureOut">
               <a:rPr lang="en-GB" smtClean="0"/>
-              <a:t>02/05/2024</a:t>
+              <a:t>07/07/2024</a:t>
             </a:fld>
             <a:endParaRPr lang="en-GB"/>
           </a:p>
@@ -2741,7 +3180,7 @@
           <a:p>
             <a:fld id="{0F67DE70-E816-433C-84AD-0C39F827C22C}" type="slidenum">
               <a:rPr lang="en-GB" smtClean="0"/>
-              <a:t>‹#›</a:t>
+              <a:t>‹Nº›</a:t>
             </a:fld>
             <a:endParaRPr lang="en-GB"/>
           </a:p>
@@ -2930,7 +3369,7 @@
           <a:p>
             <a:fld id="{290CD9FD-56AE-451A-AF89-2ACD237B8955}" type="datetimeFigureOut">
               <a:rPr lang="en-GB" smtClean="0"/>
-              <a:t>02/05/2024</a:t>
+              <a:t>07/07/2024</a:t>
             </a:fld>
             <a:endParaRPr lang="en-GB"/>
           </a:p>
@@ -3020,7 +3459,7 @@
           <a:p>
             <a:fld id="{0F67DE70-E816-433C-84AD-0C39F827C22C}" type="slidenum">
               <a:rPr lang="en-GB" smtClean="0"/>
-              <a:t>‹#›</a:t>
+              <a:t>‹Nº›</a:t>
             </a:fld>
             <a:endParaRPr lang="en-GB"/>
           </a:p>
@@ -3367,8 +3806,8 @@
             <a:chExt cx="7075966" cy="4652351"/>
           </a:xfrm>
         </p:grpSpPr>
-        <mc:AlternateContent xmlns:mc="http://schemas.openxmlformats.org/markup-compatibility/2006">
-          <mc:Choice xmlns:a14="http://schemas.microsoft.com/office/drawing/2010/main" Requires="a14">
+        <mc:AlternateContent xmlns:mc="http://schemas.openxmlformats.org/markup-compatibility/2006" xmlns:a14="http://schemas.microsoft.com/office/drawing/2010/main">
+          <mc:Choice Requires="a14">
             <p:sp>
               <p:nvSpPr>
                 <p:cNvPr id="5" name="Rectangle 4">
@@ -3649,7 +4088,7 @@
               </p:txBody>
             </p:sp>
           </mc:Choice>
-          <mc:Fallback>
+          <mc:Fallback xmlns="">
             <p:sp>
               <p:nvSpPr>
                 <p:cNvPr id="5" name="Rectangle 4">
@@ -3777,8 +4216,8 @@
             </a:p>
           </p:txBody>
         </p:sp>
-        <mc:AlternateContent xmlns:mc="http://schemas.openxmlformats.org/markup-compatibility/2006">
-          <mc:Choice xmlns:a14="http://schemas.microsoft.com/office/drawing/2010/main" Requires="a14">
+        <mc:AlternateContent xmlns:mc="http://schemas.openxmlformats.org/markup-compatibility/2006" xmlns:a14="http://schemas.microsoft.com/office/drawing/2010/main">
+          <mc:Choice Requires="a14">
             <p:sp>
               <p:nvSpPr>
                 <p:cNvPr id="9" name="Rectangle 8">
@@ -4059,7 +4498,7 @@
               </p:txBody>
             </p:sp>
           </mc:Choice>
-          <mc:Fallback>
+          <mc:Fallback xmlns="">
             <p:sp>
               <p:nvSpPr>
                 <p:cNvPr id="9" name="Rectangle 8">
@@ -5101,8 +5540,8 @@
             </a:p>
           </p:txBody>
         </p:sp>
-        <mc:AlternateContent xmlns:mc="http://schemas.openxmlformats.org/markup-compatibility/2006">
-          <mc:Choice xmlns:a14="http://schemas.microsoft.com/office/drawing/2010/main" Requires="a14">
+        <mc:AlternateContent xmlns:mc="http://schemas.openxmlformats.org/markup-compatibility/2006" xmlns:a14="http://schemas.microsoft.com/office/drawing/2010/main">
+          <mc:Choice Requires="a14">
             <p:sp>
               <p:nvSpPr>
                 <p:cNvPr id="13" name="TextBox 12">
@@ -5131,6 +5570,7 @@
                 </a:bodyPr>
                 <a:lstStyle/>
                 <a:p>
+                  <a:pPr/>
                   <a14:m>
                     <m:oMathPara xmlns:m="http://schemas.openxmlformats.org/officeDocument/2006/math">
                       <m:oMathParaPr>
@@ -5152,7 +5592,7 @@
               </p:txBody>
             </p:sp>
           </mc:Choice>
-          <mc:Fallback>
+          <mc:Fallback xmlns="">
             <p:sp>
               <p:nvSpPr>
                 <p:cNvPr id="13" name="TextBox 12">
@@ -5197,8 +5637,8 @@
             </p:sp>
           </mc:Fallback>
         </mc:AlternateContent>
-        <mc:AlternateContent xmlns:mc="http://schemas.openxmlformats.org/markup-compatibility/2006">
-          <mc:Choice xmlns:a14="http://schemas.microsoft.com/office/drawing/2010/main" Requires="a14">
+        <mc:AlternateContent xmlns:mc="http://schemas.openxmlformats.org/markup-compatibility/2006" xmlns:a14="http://schemas.microsoft.com/office/drawing/2010/main">
+          <mc:Choice Requires="a14">
             <p:sp>
               <p:nvSpPr>
                 <p:cNvPr id="15" name="TextBox 14">
@@ -5227,6 +5667,7 @@
                 </a:bodyPr>
                 <a:lstStyle/>
                 <a:p>
+                  <a:pPr/>
                   <a14:m>
                     <m:oMathPara xmlns:m="http://schemas.openxmlformats.org/officeDocument/2006/math">
                       <m:oMathParaPr>
@@ -5247,7 +5688,7 @@
               </p:txBody>
             </p:sp>
           </mc:Choice>
-          <mc:Fallback>
+          <mc:Fallback xmlns="">
             <p:sp>
               <p:nvSpPr>
                 <p:cNvPr id="15" name="TextBox 14">
@@ -5292,8 +5733,8 @@
             </p:sp>
           </mc:Fallback>
         </mc:AlternateContent>
-        <mc:AlternateContent xmlns:mc="http://schemas.openxmlformats.org/markup-compatibility/2006">
-          <mc:Choice xmlns:a14="http://schemas.microsoft.com/office/drawing/2010/main" Requires="a14">
+        <mc:AlternateContent xmlns:mc="http://schemas.openxmlformats.org/markup-compatibility/2006" xmlns:a14="http://schemas.microsoft.com/office/drawing/2010/main">
+          <mc:Choice Requires="a14">
             <p:sp>
               <p:nvSpPr>
                 <p:cNvPr id="16" name="TextBox 15">
@@ -5322,6 +5763,7 @@
                 </a:bodyPr>
                 <a:lstStyle/>
                 <a:p>
+                  <a:pPr/>
                   <a14:m>
                     <m:oMathPara xmlns:m="http://schemas.openxmlformats.org/officeDocument/2006/math">
                       <m:oMathParaPr>
@@ -5349,7 +5791,7 @@
               </p:txBody>
             </p:sp>
           </mc:Choice>
-          <mc:Fallback>
+          <mc:Fallback xmlns="">
             <p:sp>
               <p:nvSpPr>
                 <p:cNvPr id="16" name="TextBox 15">
@@ -5475,8 +5917,8 @@
               </a:p>
             </p:txBody>
           </p:sp>
-          <mc:AlternateContent xmlns:mc="http://schemas.openxmlformats.org/markup-compatibility/2006">
-            <mc:Choice xmlns:a14="http://schemas.microsoft.com/office/drawing/2010/main" Requires="a14">
+          <mc:AlternateContent xmlns:mc="http://schemas.openxmlformats.org/markup-compatibility/2006" xmlns:a14="http://schemas.microsoft.com/office/drawing/2010/main">
+            <mc:Choice Requires="a14">
               <p:sp>
                 <p:nvSpPr>
                   <p:cNvPr id="18" name="TextBox 17">
@@ -5505,6 +5947,7 @@
                   </a:bodyPr>
                   <a:lstStyle/>
                   <a:p>
+                    <a:pPr/>
                     <a14:m>
                       <m:oMathPara xmlns:m="http://schemas.openxmlformats.org/officeDocument/2006/math">
                         <m:oMathParaPr>
@@ -5557,7 +6000,7 @@
                 </p:txBody>
               </p:sp>
             </mc:Choice>
-            <mc:Fallback>
+            <mc:Fallback xmlns="">
               <p:sp>
                 <p:nvSpPr>
                   <p:cNvPr id="18" name="TextBox 17">
@@ -5608,6 +6051,4336 @@
     <p:extLst>
       <p:ext uri="{BB962C8B-B14F-4D97-AF65-F5344CB8AC3E}">
         <p14:creationId xmlns:p14="http://schemas.microsoft.com/office/powerpoint/2010/main" val="606091305"/>
+      </p:ext>
+    </p:extLst>
+  </p:cSld>
+  <p:clrMapOvr>
+    <a:masterClrMapping/>
+  </p:clrMapOvr>
+</p:sld>
+</file>
+
+<file path=ppt/slides/slide2.xml><?xml version="1.0" encoding="utf-8"?>
+<p:sld xmlns:a="http://schemas.openxmlformats.org/drawingml/2006/main" xmlns:r="http://schemas.openxmlformats.org/officeDocument/2006/relationships" xmlns:p="http://schemas.openxmlformats.org/presentationml/2006/main">
+  <p:cSld>
+    <p:spTree>
+      <p:nvGrpSpPr>
+        <p:cNvPr id="1" name=""/>
+        <p:cNvGrpSpPr/>
+        <p:nvPr/>
+      </p:nvGrpSpPr>
+      <p:grpSpPr>
+        <a:xfrm>
+          <a:off x="0" y="0"/>
+          <a:ext cx="0" cy="0"/>
+          <a:chOff x="0" y="0"/>
+          <a:chExt cx="0" cy="0"/>
+        </a:xfrm>
+      </p:grpSpPr>
+      <p:sp>
+        <p:nvSpPr>
+          <p:cNvPr id="149" name="Rectángulo 148">
+            <a:extLst>
+              <a:ext uri="{FF2B5EF4-FFF2-40B4-BE49-F238E27FC236}">
+                <a16:creationId xmlns:a16="http://schemas.microsoft.com/office/drawing/2014/main" id="{152998D6-6D2D-3262-BC24-24744077C146}"/>
+              </a:ext>
+            </a:extLst>
+          </p:cNvPr>
+          <p:cNvSpPr/>
+          <p:nvPr/>
+        </p:nvSpPr>
+        <p:spPr>
+          <a:xfrm>
+            <a:off x="1962466" y="908615"/>
+            <a:ext cx="3019299" cy="3178040"/>
+          </a:xfrm>
+          <a:prstGeom prst="rect">
+            <a:avLst/>
+          </a:prstGeom>
+          <a:solidFill>
+            <a:schemeClr val="bg1"/>
+          </a:solidFill>
+          <a:ln>
+            <a:solidFill>
+              <a:schemeClr val="tx1"/>
+            </a:solidFill>
+            <a:prstDash val="lgDash"/>
+          </a:ln>
+        </p:spPr>
+        <p:style>
+          <a:lnRef idx="2">
+            <a:schemeClr val="accent1">
+              <a:shade val="50000"/>
+            </a:schemeClr>
+          </a:lnRef>
+          <a:fillRef idx="1">
+            <a:schemeClr val="accent1"/>
+          </a:fillRef>
+          <a:effectRef idx="0">
+            <a:schemeClr val="accent1"/>
+          </a:effectRef>
+          <a:fontRef idx="minor">
+            <a:schemeClr val="lt1"/>
+          </a:fontRef>
+        </p:style>
+        <p:txBody>
+          <a:bodyPr rtlCol="0" anchor="ctr"/>
+          <a:lstStyle/>
+          <a:p>
+            <a:pPr algn="ctr"/>
+            <a:r>
+              <a:rPr lang="es-NL" sz="1400" dirty="0">
+                <a:latin typeface="DEJAVU SANS" panose="020B0603030804020204" pitchFamily="34" charset="0"/>
+                <a:ea typeface="DEJAVU SANS" panose="020B0603030804020204" pitchFamily="34" charset="0"/>
+                <a:cs typeface="DEJAVU SANS" panose="020B0603030804020204" pitchFamily="34" charset="0"/>
+              </a:rPr>
+              <a:t>v</a:t>
+            </a:r>
+          </a:p>
+        </p:txBody>
+      </p:sp>
+      <p:sp>
+        <p:nvSpPr>
+          <p:cNvPr id="148" name="Rectángulo 147">
+            <a:extLst>
+              <a:ext uri="{FF2B5EF4-FFF2-40B4-BE49-F238E27FC236}">
+                <a16:creationId xmlns:a16="http://schemas.microsoft.com/office/drawing/2014/main" id="{27E8BF28-D4A5-5CCA-7A98-5E9E76B133EC}"/>
+              </a:ext>
+            </a:extLst>
+          </p:cNvPr>
+          <p:cNvSpPr/>
+          <p:nvPr/>
+        </p:nvSpPr>
+        <p:spPr>
+          <a:xfrm>
+            <a:off x="1792653" y="1050637"/>
+            <a:ext cx="3019299" cy="3178040"/>
+          </a:xfrm>
+          <a:prstGeom prst="rect">
+            <a:avLst/>
+          </a:prstGeom>
+          <a:solidFill>
+            <a:schemeClr val="bg1"/>
+          </a:solidFill>
+          <a:ln>
+            <a:solidFill>
+              <a:schemeClr val="tx1"/>
+            </a:solidFill>
+            <a:prstDash val="lgDash"/>
+          </a:ln>
+        </p:spPr>
+        <p:style>
+          <a:lnRef idx="2">
+            <a:schemeClr val="accent1">
+              <a:shade val="50000"/>
+            </a:schemeClr>
+          </a:lnRef>
+          <a:fillRef idx="1">
+            <a:schemeClr val="accent1"/>
+          </a:fillRef>
+          <a:effectRef idx="0">
+            <a:schemeClr val="accent1"/>
+          </a:effectRef>
+          <a:fontRef idx="minor">
+            <a:schemeClr val="lt1"/>
+          </a:fontRef>
+        </p:style>
+        <p:txBody>
+          <a:bodyPr rtlCol="0" anchor="ctr"/>
+          <a:lstStyle/>
+          <a:p>
+            <a:pPr algn="ctr"/>
+            <a:r>
+              <a:rPr lang="es-NL" sz="1400" dirty="0">
+                <a:latin typeface="DEJAVU SANS" panose="020B0603030804020204" pitchFamily="34" charset="0"/>
+                <a:ea typeface="DEJAVU SANS" panose="020B0603030804020204" pitchFamily="34" charset="0"/>
+                <a:cs typeface="DEJAVU SANS" panose="020B0603030804020204" pitchFamily="34" charset="0"/>
+              </a:rPr>
+              <a:t>v</a:t>
+            </a:r>
+          </a:p>
+        </p:txBody>
+      </p:sp>
+      <p:sp>
+        <p:nvSpPr>
+          <p:cNvPr id="147" name="Rectángulo 146">
+            <a:extLst>
+              <a:ext uri="{FF2B5EF4-FFF2-40B4-BE49-F238E27FC236}">
+                <a16:creationId xmlns:a16="http://schemas.microsoft.com/office/drawing/2014/main" id="{249AE698-4880-8689-F412-B406F288339C}"/>
+              </a:ext>
+            </a:extLst>
+          </p:cNvPr>
+          <p:cNvSpPr/>
+          <p:nvPr/>
+        </p:nvSpPr>
+        <p:spPr>
+          <a:xfrm>
+            <a:off x="1612633" y="1192659"/>
+            <a:ext cx="3019299" cy="3178040"/>
+          </a:xfrm>
+          <a:prstGeom prst="rect">
+            <a:avLst/>
+          </a:prstGeom>
+          <a:solidFill>
+            <a:schemeClr val="bg1"/>
+          </a:solidFill>
+          <a:ln>
+            <a:solidFill>
+              <a:schemeClr val="tx1"/>
+            </a:solidFill>
+            <a:prstDash val="lgDash"/>
+          </a:ln>
+        </p:spPr>
+        <p:style>
+          <a:lnRef idx="2">
+            <a:schemeClr val="accent1">
+              <a:shade val="50000"/>
+            </a:schemeClr>
+          </a:lnRef>
+          <a:fillRef idx="1">
+            <a:schemeClr val="accent1"/>
+          </a:fillRef>
+          <a:effectRef idx="0">
+            <a:schemeClr val="accent1"/>
+          </a:effectRef>
+          <a:fontRef idx="minor">
+            <a:schemeClr val="lt1"/>
+          </a:fontRef>
+        </p:style>
+        <p:txBody>
+          <a:bodyPr rtlCol="0" anchor="ctr"/>
+          <a:lstStyle/>
+          <a:p>
+            <a:pPr algn="ctr"/>
+            <a:r>
+              <a:rPr lang="es-NL" sz="1400" dirty="0">
+                <a:latin typeface="DEJAVU SANS" panose="020B0603030804020204" pitchFamily="34" charset="0"/>
+                <a:ea typeface="DEJAVU SANS" panose="020B0603030804020204" pitchFamily="34" charset="0"/>
+                <a:cs typeface="DEJAVU SANS" panose="020B0603030804020204" pitchFamily="34" charset="0"/>
+              </a:rPr>
+              <a:t>v</a:t>
+            </a:r>
+          </a:p>
+        </p:txBody>
+      </p:sp>
+      <p:sp>
+        <p:nvSpPr>
+          <p:cNvPr id="146" name="Rectángulo 145">
+            <a:extLst>
+              <a:ext uri="{FF2B5EF4-FFF2-40B4-BE49-F238E27FC236}">
+                <a16:creationId xmlns:a16="http://schemas.microsoft.com/office/drawing/2014/main" id="{D6856707-B6A2-5D8B-B06B-1D82DE932696}"/>
+              </a:ext>
+            </a:extLst>
+          </p:cNvPr>
+          <p:cNvSpPr/>
+          <p:nvPr/>
+        </p:nvSpPr>
+        <p:spPr>
+          <a:xfrm>
+            <a:off x="1447979" y="1338339"/>
+            <a:ext cx="3019299" cy="3178040"/>
+          </a:xfrm>
+          <a:prstGeom prst="rect">
+            <a:avLst/>
+          </a:prstGeom>
+          <a:solidFill>
+            <a:schemeClr val="bg1"/>
+          </a:solidFill>
+          <a:ln>
+            <a:solidFill>
+              <a:schemeClr val="tx1"/>
+            </a:solidFill>
+            <a:prstDash val="lgDash"/>
+          </a:ln>
+        </p:spPr>
+        <p:style>
+          <a:lnRef idx="2">
+            <a:schemeClr val="accent1">
+              <a:shade val="50000"/>
+            </a:schemeClr>
+          </a:lnRef>
+          <a:fillRef idx="1">
+            <a:schemeClr val="accent1"/>
+          </a:fillRef>
+          <a:effectRef idx="0">
+            <a:schemeClr val="accent1"/>
+          </a:effectRef>
+          <a:fontRef idx="minor">
+            <a:schemeClr val="lt1"/>
+          </a:fontRef>
+        </p:style>
+        <p:txBody>
+          <a:bodyPr rtlCol="0" anchor="ctr"/>
+          <a:lstStyle/>
+          <a:p>
+            <a:pPr algn="ctr"/>
+            <a:r>
+              <a:rPr lang="es-NL" sz="1400" dirty="0">
+                <a:latin typeface="DEJAVU SANS" panose="020B0603030804020204" pitchFamily="34" charset="0"/>
+                <a:ea typeface="DEJAVU SANS" panose="020B0603030804020204" pitchFamily="34" charset="0"/>
+                <a:cs typeface="DEJAVU SANS" panose="020B0603030804020204" pitchFamily="34" charset="0"/>
+              </a:rPr>
+              <a:t>v</a:t>
+            </a:r>
+          </a:p>
+        </p:txBody>
+      </p:sp>
+      <p:sp>
+        <p:nvSpPr>
+          <p:cNvPr id="145" name="Rectángulo 144">
+            <a:extLst>
+              <a:ext uri="{FF2B5EF4-FFF2-40B4-BE49-F238E27FC236}">
+                <a16:creationId xmlns:a16="http://schemas.microsoft.com/office/drawing/2014/main" id="{51AE91AA-2220-C909-5C43-09BCAF4DE935}"/>
+              </a:ext>
+            </a:extLst>
+          </p:cNvPr>
+          <p:cNvSpPr/>
+          <p:nvPr/>
+        </p:nvSpPr>
+        <p:spPr>
+          <a:xfrm>
+            <a:off x="1265621" y="1475118"/>
+            <a:ext cx="3019299" cy="3178040"/>
+          </a:xfrm>
+          <a:prstGeom prst="rect">
+            <a:avLst/>
+          </a:prstGeom>
+          <a:solidFill>
+            <a:schemeClr val="bg1"/>
+          </a:solidFill>
+          <a:ln>
+            <a:solidFill>
+              <a:schemeClr val="tx1"/>
+            </a:solidFill>
+            <a:prstDash val="lgDash"/>
+          </a:ln>
+        </p:spPr>
+        <p:style>
+          <a:lnRef idx="2">
+            <a:schemeClr val="accent1">
+              <a:shade val="50000"/>
+            </a:schemeClr>
+          </a:lnRef>
+          <a:fillRef idx="1">
+            <a:schemeClr val="accent1"/>
+          </a:fillRef>
+          <a:effectRef idx="0">
+            <a:schemeClr val="accent1"/>
+          </a:effectRef>
+          <a:fontRef idx="minor">
+            <a:schemeClr val="lt1"/>
+          </a:fontRef>
+        </p:style>
+        <p:txBody>
+          <a:bodyPr rtlCol="0" anchor="ctr"/>
+          <a:lstStyle/>
+          <a:p>
+            <a:pPr algn="ctr"/>
+            <a:endParaRPr lang="es-NL" sz="1400">
+              <a:latin typeface="DEJAVU SANS" panose="020B0603030804020204" pitchFamily="34" charset="0"/>
+              <a:ea typeface="DEJAVU SANS" panose="020B0603030804020204" pitchFamily="34" charset="0"/>
+              <a:cs typeface="DEJAVU SANS" panose="020B0603030804020204" pitchFamily="34" charset="0"/>
+            </a:endParaRPr>
+          </a:p>
+        </p:txBody>
+      </p:sp>
+      <p:sp>
+        <p:nvSpPr>
+          <p:cNvPr id="134" name="Rectángulo 133">
+            <a:extLst>
+              <a:ext uri="{FF2B5EF4-FFF2-40B4-BE49-F238E27FC236}">
+                <a16:creationId xmlns:a16="http://schemas.microsoft.com/office/drawing/2014/main" id="{A81E39E5-BD64-1D07-A6AA-F79FFAA17001}"/>
+              </a:ext>
+            </a:extLst>
+          </p:cNvPr>
+          <p:cNvSpPr/>
+          <p:nvPr/>
+        </p:nvSpPr>
+        <p:spPr>
+          <a:xfrm>
+            <a:off x="1097536" y="1615863"/>
+            <a:ext cx="3019299" cy="3178040"/>
+          </a:xfrm>
+          <a:prstGeom prst="rect">
+            <a:avLst/>
+          </a:prstGeom>
+          <a:solidFill>
+            <a:schemeClr val="bg1"/>
+          </a:solidFill>
+          <a:ln>
+            <a:solidFill>
+              <a:schemeClr val="tx1"/>
+            </a:solidFill>
+            <a:prstDash val="lgDash"/>
+          </a:ln>
+        </p:spPr>
+        <p:style>
+          <a:lnRef idx="2">
+            <a:schemeClr val="accent1">
+              <a:shade val="50000"/>
+            </a:schemeClr>
+          </a:lnRef>
+          <a:fillRef idx="1">
+            <a:schemeClr val="accent1"/>
+          </a:fillRef>
+          <a:effectRef idx="0">
+            <a:schemeClr val="accent1"/>
+          </a:effectRef>
+          <a:fontRef idx="minor">
+            <a:schemeClr val="lt1"/>
+          </a:fontRef>
+        </p:style>
+        <p:txBody>
+          <a:bodyPr rtlCol="0" anchor="ctr"/>
+          <a:lstStyle/>
+          <a:p>
+            <a:pPr algn="ctr"/>
+            <a:endParaRPr lang="es-NL" sz="1400">
+              <a:latin typeface="DEJAVU SANS" panose="020B0603030804020204" pitchFamily="34" charset="0"/>
+              <a:ea typeface="DEJAVU SANS" panose="020B0603030804020204" pitchFamily="34" charset="0"/>
+              <a:cs typeface="DEJAVU SANS" panose="020B0603030804020204" pitchFamily="34" charset="0"/>
+            </a:endParaRPr>
+          </a:p>
+        </p:txBody>
+      </p:sp>
+      <p:cxnSp>
+        <p:nvCxnSpPr>
+          <p:cNvPr id="138" name="Conector recto de flecha 137">
+            <a:extLst>
+              <a:ext uri="{FF2B5EF4-FFF2-40B4-BE49-F238E27FC236}">
+                <a16:creationId xmlns:a16="http://schemas.microsoft.com/office/drawing/2014/main" id="{104A130B-9697-7FA2-C6BE-99CC0FB60062}"/>
+              </a:ext>
+            </a:extLst>
+          </p:cNvPr>
+          <p:cNvCxnSpPr>
+            <a:cxnSpLocks/>
+            <a:endCxn id="136" idx="3"/>
+          </p:cNvCxnSpPr>
+          <p:nvPr/>
+        </p:nvCxnSpPr>
+        <p:spPr>
+          <a:xfrm flipV="1">
+            <a:off x="5178647" y="2833220"/>
+            <a:ext cx="4765635" cy="12518"/>
+          </a:xfrm>
+          <a:prstGeom prst="straightConnector1">
+            <a:avLst/>
+          </a:prstGeom>
+          <a:ln>
+            <a:tailEnd type="triangle"/>
+          </a:ln>
+        </p:spPr>
+        <p:style>
+          <a:lnRef idx="1">
+            <a:schemeClr val="dk1"/>
+          </a:lnRef>
+          <a:fillRef idx="0">
+            <a:schemeClr val="dk1"/>
+          </a:fillRef>
+          <a:effectRef idx="0">
+            <a:schemeClr val="dk1"/>
+          </a:effectRef>
+          <a:fontRef idx="minor">
+            <a:schemeClr val="tx1"/>
+          </a:fontRef>
+        </p:style>
+      </p:cxnSp>
+      <mc:AlternateContent xmlns:mc="http://schemas.openxmlformats.org/markup-compatibility/2006">
+        <mc:Choice xmlns:a14="http://schemas.microsoft.com/office/drawing/2010/main" Requires="a14">
+          <p:sp>
+            <p:nvSpPr>
+              <p:cNvPr id="113" name="CuadroTexto 112">
+                <a:extLst>
+                  <a:ext uri="{FF2B5EF4-FFF2-40B4-BE49-F238E27FC236}">
+                    <a16:creationId xmlns:a16="http://schemas.microsoft.com/office/drawing/2014/main" id="{C623F8D0-325D-D0D1-376A-1ABE3CBF87AC}"/>
+                  </a:ext>
+                </a:extLst>
+              </p:cNvPr>
+              <p:cNvSpPr txBox="1"/>
+              <p:nvPr/>
+            </p:nvSpPr>
+            <p:spPr>
+              <a:xfrm>
+                <a:off x="4130387" y="3311139"/>
+                <a:ext cx="1274708" cy="461665"/>
+              </a:xfrm>
+              <a:prstGeom prst="rect">
+                <a:avLst/>
+              </a:prstGeom>
+              <a:solidFill>
+                <a:schemeClr val="bg1"/>
+              </a:solidFill>
+            </p:spPr>
+            <p:txBody>
+              <a:bodyPr wrap="none" rtlCol="0">
+                <a:spAutoFit/>
+              </a:bodyPr>
+              <a:lstStyle/>
+              <a:p>
+                <a:pPr algn="ctr"/>
+                <a:r>
+                  <a:rPr lang="es-NL" sz="1200" dirty="0">
+                    <a:latin typeface="DEJAVU SANS" panose="020B0603030804020204" pitchFamily="34" charset="0"/>
+                    <a:ea typeface="DEJAVU SANS" panose="020B0603030804020204" pitchFamily="34" charset="0"/>
+                    <a:cs typeface="DEJAVU SANS" panose="020B0603030804020204" pitchFamily="34" charset="0"/>
+                  </a:rPr>
+                  <a:t>Skip </a:t>
+                </a:r>
+              </a:p>
+              <a:p>
+                <a:pPr algn="ctr"/>
+                <a:r>
+                  <a:rPr lang="es-ES" sz="1200" dirty="0">
+                    <a:latin typeface="DEJAVU SANS" panose="020B0603030804020204" pitchFamily="34" charset="0"/>
+                    <a:ea typeface="DEJAVU SANS" panose="020B0603030804020204" pitchFamily="34" charset="0"/>
+                    <a:cs typeface="DEJAVU SANS" panose="020B0603030804020204" pitchFamily="34" charset="0"/>
+                  </a:rPr>
+                  <a:t>C</a:t>
+                </a:r>
+                <a:r>
+                  <a:rPr lang="es-NL" sz="1200" dirty="0">
+                    <a:latin typeface="DEJAVU SANS" panose="020B0603030804020204" pitchFamily="34" charset="0"/>
+                    <a:ea typeface="DEJAVU SANS" panose="020B0603030804020204" pitchFamily="34" charset="0"/>
+                    <a:cs typeface="DEJAVU SANS" panose="020B0603030804020204" pitchFamily="34" charset="0"/>
+                  </a:rPr>
+                  <a:t>onnections </a:t>
+                </a:r>
+                <a14:m>
+                  <m:oMath xmlns:m="http://schemas.openxmlformats.org/officeDocument/2006/math">
+                    <m:r>
+                      <a:rPr lang="en-US" sz="1200" b="0" i="1" smtClean="0">
+                        <a:latin typeface="Cambria Math" panose="02040503050406030204" pitchFamily="18" charset="0"/>
+                        <a:ea typeface="DEJAVU SANS" panose="020B0603030804020204" pitchFamily="34" charset="0"/>
+                        <a:cs typeface="DEJAVU SANS" panose="020B0603030804020204" pitchFamily="34" charset="0"/>
+                      </a:rPr>
+                      <m:t>𝑦</m:t>
+                    </m:r>
+                  </m:oMath>
+                </a14:m>
+                <a:endParaRPr lang="es-NL" sz="1200" dirty="0">
+                  <a:latin typeface="DEJAVU SANS" panose="020B0603030804020204" pitchFamily="34" charset="0"/>
+                  <a:ea typeface="DEJAVU SANS" panose="020B0603030804020204" pitchFamily="34" charset="0"/>
+                  <a:cs typeface="DEJAVU SANS" panose="020B0603030804020204" pitchFamily="34" charset="0"/>
+                </a:endParaRPr>
+              </a:p>
+            </p:txBody>
+          </p:sp>
+        </mc:Choice>
+        <mc:Fallback>
+          <p:sp>
+            <p:nvSpPr>
+              <p:cNvPr id="113" name="CuadroTexto 112">
+                <a:extLst>
+                  <a:ext uri="{FF2B5EF4-FFF2-40B4-BE49-F238E27FC236}">
+                    <a16:creationId xmlns:a16="http://schemas.microsoft.com/office/drawing/2014/main" id="{C623F8D0-325D-D0D1-376A-1ABE3CBF87AC}"/>
+                  </a:ext>
+                </a:extLst>
+              </p:cNvPr>
+              <p:cNvSpPr txBox="1">
+                <a:spLocks noRot="1" noChangeAspect="1" noMove="1" noResize="1" noEditPoints="1" noAdjustHandles="1" noChangeArrowheads="1" noChangeShapeType="1" noTextEdit="1"/>
+              </p:cNvSpPr>
+              <p:nvPr/>
+            </p:nvSpPr>
+            <p:spPr>
+              <a:xfrm>
+                <a:off x="4130387" y="3311139"/>
+                <a:ext cx="1274708" cy="461665"/>
+              </a:xfrm>
+              <a:prstGeom prst="rect">
+                <a:avLst/>
+              </a:prstGeom>
+              <a:blipFill>
+                <a:blip r:embed="rId3"/>
+                <a:stretch>
+                  <a:fillRect b="-7895"/>
+                </a:stretch>
+              </a:blipFill>
+            </p:spPr>
+            <p:txBody>
+              <a:bodyPr/>
+              <a:lstStyle/>
+              <a:p>
+                <a:r>
+                  <a:rPr lang="es-NL">
+                    <a:noFill/>
+                  </a:rPr>
+                  <a:t> </a:t>
+                </a:r>
+              </a:p>
+            </p:txBody>
+          </p:sp>
+        </mc:Fallback>
+      </mc:AlternateContent>
+      <p:sp>
+        <p:nvSpPr>
+          <p:cNvPr id="11" name="Rectángulo 10">
+            <a:extLst>
+              <a:ext uri="{FF2B5EF4-FFF2-40B4-BE49-F238E27FC236}">
+                <a16:creationId xmlns:a16="http://schemas.microsoft.com/office/drawing/2014/main" id="{E45B5F6E-032B-1915-F770-59E5C24D347F}"/>
+              </a:ext>
+            </a:extLst>
+          </p:cNvPr>
+          <p:cNvSpPr/>
+          <p:nvPr/>
+        </p:nvSpPr>
+        <p:spPr>
+          <a:xfrm>
+            <a:off x="928451" y="1756608"/>
+            <a:ext cx="3019299" cy="3178040"/>
+          </a:xfrm>
+          <a:prstGeom prst="rect">
+            <a:avLst/>
+          </a:prstGeom>
+          <a:solidFill>
+            <a:schemeClr val="bg1"/>
+          </a:solidFill>
+          <a:ln>
+            <a:solidFill>
+              <a:schemeClr val="tx1"/>
+            </a:solidFill>
+            <a:prstDash val="lgDash"/>
+          </a:ln>
+        </p:spPr>
+        <p:style>
+          <a:lnRef idx="2">
+            <a:schemeClr val="accent1">
+              <a:shade val="50000"/>
+            </a:schemeClr>
+          </a:lnRef>
+          <a:fillRef idx="1">
+            <a:schemeClr val="accent1"/>
+          </a:fillRef>
+          <a:effectRef idx="0">
+            <a:schemeClr val="accent1"/>
+          </a:effectRef>
+          <a:fontRef idx="minor">
+            <a:schemeClr val="lt1"/>
+          </a:fontRef>
+        </p:style>
+        <p:txBody>
+          <a:bodyPr rtlCol="0" anchor="ctr"/>
+          <a:lstStyle/>
+          <a:p>
+            <a:pPr algn="ctr"/>
+            <a:endParaRPr lang="es-NL" sz="1400">
+              <a:latin typeface="DEJAVU SANS" panose="020B0603030804020204" pitchFamily="34" charset="0"/>
+              <a:ea typeface="DEJAVU SANS" panose="020B0603030804020204" pitchFamily="34" charset="0"/>
+              <a:cs typeface="DEJAVU SANS" panose="020B0603030804020204" pitchFamily="34" charset="0"/>
+            </a:endParaRPr>
+          </a:p>
+        </p:txBody>
+      </p:sp>
+      <mc:AlternateContent xmlns:mc="http://schemas.openxmlformats.org/markup-compatibility/2006">
+        <mc:Choice xmlns:a14="http://schemas.microsoft.com/office/drawing/2010/main" Requires="a14">
+          <p:sp>
+            <p:nvSpPr>
+              <p:cNvPr id="12" name="CuadroTexto 11">
+                <a:extLst>
+                  <a:ext uri="{FF2B5EF4-FFF2-40B4-BE49-F238E27FC236}">
+                    <a16:creationId xmlns:a16="http://schemas.microsoft.com/office/drawing/2014/main" id="{2637F0A4-8BC3-104C-B456-C2EDDD0474FD}"/>
+                  </a:ext>
+                </a:extLst>
+              </p:cNvPr>
+              <p:cNvSpPr txBox="1"/>
+              <p:nvPr/>
+            </p:nvSpPr>
+            <p:spPr>
+              <a:xfrm>
+                <a:off x="2964789" y="4938462"/>
+                <a:ext cx="966611" cy="276999"/>
+              </a:xfrm>
+              <a:prstGeom prst="rect">
+                <a:avLst/>
+              </a:prstGeom>
+              <a:noFill/>
+            </p:spPr>
+            <p:txBody>
+              <a:bodyPr wrap="none" rtlCol="0">
+                <a:spAutoFit/>
+              </a:bodyPr>
+              <a:lstStyle/>
+              <a:p>
+                <a14:m>
+                  <m:oMath xmlns:m="http://schemas.openxmlformats.org/officeDocument/2006/math">
+                    <m:r>
+                      <a:rPr lang="en-US" sz="1200" b="0" i="1" smtClean="0">
+                        <a:latin typeface="Cambria Math" panose="02040503050406030204" pitchFamily="18" charset="0"/>
+                        <a:ea typeface="DEJAVU SANS" panose="020B0603030804020204" pitchFamily="34" charset="0"/>
+                        <a:cs typeface="DEJAVU SANS" panose="020B0603030804020204" pitchFamily="34" charset="0"/>
+                      </a:rPr>
+                      <m:t>𝑘</m:t>
+                    </m:r>
+                    <m:r>
+                      <a:rPr lang="en-US" sz="1200" b="0" i="1" smtClean="0">
+                        <a:latin typeface="Cambria Math" panose="02040503050406030204" pitchFamily="18" charset="0"/>
+                        <a:ea typeface="DEJAVU SANS" panose="020B0603030804020204" pitchFamily="34" charset="0"/>
+                        <a:cs typeface="DEJAVU SANS" panose="020B0603030804020204" pitchFamily="34" charset="0"/>
+                      </a:rPr>
+                      <m:t> </m:t>
+                    </m:r>
+                  </m:oMath>
+                </a14:m>
+                <a:r>
+                  <a:rPr lang="es-NL" sz="1200" dirty="0">
+                    <a:latin typeface="DEJAVU SANS" panose="020B0603030804020204" pitchFamily="34" charset="0"/>
+                    <a:ea typeface="DEJAVU SANS" panose="020B0603030804020204" pitchFamily="34" charset="0"/>
+                    <a:cs typeface="DEJAVU SANS" panose="020B0603030804020204" pitchFamily="34" charset="0"/>
+                  </a:rPr>
+                  <a:t>modules</a:t>
+                </a:r>
+              </a:p>
+            </p:txBody>
+          </p:sp>
+        </mc:Choice>
+        <mc:Fallback>
+          <p:sp>
+            <p:nvSpPr>
+              <p:cNvPr id="12" name="CuadroTexto 11">
+                <a:extLst>
+                  <a:ext uri="{FF2B5EF4-FFF2-40B4-BE49-F238E27FC236}">
+                    <a16:creationId xmlns:a16="http://schemas.microsoft.com/office/drawing/2014/main" id="{2637F0A4-8BC3-104C-B456-C2EDDD0474FD}"/>
+                  </a:ext>
+                </a:extLst>
+              </p:cNvPr>
+              <p:cNvSpPr txBox="1">
+                <a:spLocks noRot="1" noChangeAspect="1" noMove="1" noResize="1" noEditPoints="1" noAdjustHandles="1" noChangeArrowheads="1" noChangeShapeType="1" noTextEdit="1"/>
+              </p:cNvSpPr>
+              <p:nvPr/>
+            </p:nvSpPr>
+            <p:spPr>
+              <a:xfrm>
+                <a:off x="2964789" y="4938462"/>
+                <a:ext cx="966611" cy="276999"/>
+              </a:xfrm>
+              <a:prstGeom prst="rect">
+                <a:avLst/>
+              </a:prstGeom>
+              <a:blipFill>
+                <a:blip r:embed="rId4"/>
+                <a:stretch>
+                  <a:fillRect b="-13043"/>
+                </a:stretch>
+              </a:blipFill>
+            </p:spPr>
+            <p:txBody>
+              <a:bodyPr/>
+              <a:lstStyle/>
+              <a:p>
+                <a:r>
+                  <a:rPr lang="es-NL">
+                    <a:noFill/>
+                  </a:rPr>
+                  <a:t> </a:t>
+                </a:r>
+              </a:p>
+            </p:txBody>
+          </p:sp>
+        </mc:Fallback>
+      </mc:AlternateContent>
+      <p:cxnSp>
+        <p:nvCxnSpPr>
+          <p:cNvPr id="66" name="Conector recto de flecha 65">
+            <a:extLst>
+              <a:ext uri="{FF2B5EF4-FFF2-40B4-BE49-F238E27FC236}">
+                <a16:creationId xmlns:a16="http://schemas.microsoft.com/office/drawing/2014/main" id="{B5CB89B9-B1E1-EF46-DD74-C5F2098CFD69}"/>
+              </a:ext>
+            </a:extLst>
+          </p:cNvPr>
+          <p:cNvCxnSpPr>
+            <a:cxnSpLocks/>
+          </p:cNvCxnSpPr>
+          <p:nvPr/>
+        </p:nvCxnSpPr>
+        <p:spPr>
+          <a:xfrm flipH="1" flipV="1">
+            <a:off x="2608115" y="1807897"/>
+            <a:ext cx="11717" cy="965354"/>
+          </a:xfrm>
+          <a:prstGeom prst="straightConnector1">
+            <a:avLst/>
+          </a:prstGeom>
+          <a:ln>
+            <a:tailEnd type="triangle"/>
+          </a:ln>
+        </p:spPr>
+        <p:style>
+          <a:lnRef idx="1">
+            <a:schemeClr val="dk1"/>
+          </a:lnRef>
+          <a:fillRef idx="0">
+            <a:schemeClr val="dk1"/>
+          </a:fillRef>
+          <a:effectRef idx="0">
+            <a:schemeClr val="dk1"/>
+          </a:effectRef>
+          <a:fontRef idx="minor">
+            <a:schemeClr val="tx1"/>
+          </a:fontRef>
+        </p:style>
+      </p:cxnSp>
+      <p:sp>
+        <p:nvSpPr>
+          <p:cNvPr id="15" name="Elipse 14">
+            <a:extLst>
+              <a:ext uri="{FF2B5EF4-FFF2-40B4-BE49-F238E27FC236}">
+                <a16:creationId xmlns:a16="http://schemas.microsoft.com/office/drawing/2014/main" id="{121B66E3-72BC-8472-E3C9-3B0DD0071E36}"/>
+              </a:ext>
+            </a:extLst>
+          </p:cNvPr>
+          <p:cNvSpPr/>
+          <p:nvPr/>
+        </p:nvSpPr>
+        <p:spPr>
+          <a:xfrm>
+            <a:off x="1628003" y="2773251"/>
+            <a:ext cx="370800" cy="369332"/>
+          </a:xfrm>
+          <a:prstGeom prst="ellipse">
+            <a:avLst/>
+          </a:prstGeom>
+          <a:solidFill>
+            <a:srgbClr val="2FAE68"/>
+          </a:solidFill>
+          <a:ln>
+            <a:noFill/>
+          </a:ln>
+        </p:spPr>
+        <p:style>
+          <a:lnRef idx="1">
+            <a:schemeClr val="accent2"/>
+          </a:lnRef>
+          <a:fillRef idx="2">
+            <a:schemeClr val="accent2"/>
+          </a:fillRef>
+          <a:effectRef idx="1">
+            <a:schemeClr val="accent2"/>
+          </a:effectRef>
+          <a:fontRef idx="minor">
+            <a:schemeClr val="dk1"/>
+          </a:fontRef>
+        </p:style>
+        <p:txBody>
+          <a:bodyPr rtlCol="0" anchor="ctr"/>
+          <a:lstStyle/>
+          <a:p>
+            <a:pPr algn="ctr"/>
+            <a:endParaRPr lang="es-NL" sz="1400" dirty="0">
+              <a:latin typeface="DEJAVU SANS" panose="020B0603030804020204" pitchFamily="34" charset="0"/>
+              <a:ea typeface="DEJAVU SANS" panose="020B0603030804020204" pitchFamily="34" charset="0"/>
+              <a:cs typeface="DEJAVU SANS" panose="020B0603030804020204" pitchFamily="34" charset="0"/>
+            </a:endParaRPr>
+          </a:p>
+        </p:txBody>
+      </p:sp>
+      <mc:AlternateContent xmlns:mc="http://schemas.openxmlformats.org/markup-compatibility/2006">
+        <mc:Choice xmlns:a14="http://schemas.microsoft.com/office/drawing/2010/main" Requires="a14">
+          <p:sp>
+            <p:nvSpPr>
+              <p:cNvPr id="16" name="CuadroTexto 15">
+                <a:extLst>
+                  <a:ext uri="{FF2B5EF4-FFF2-40B4-BE49-F238E27FC236}">
+                    <a16:creationId xmlns:a16="http://schemas.microsoft.com/office/drawing/2014/main" id="{344EA085-2A88-8CC8-DDB8-65284C62DB6D}"/>
+                  </a:ext>
+                </a:extLst>
+              </p:cNvPr>
+              <p:cNvSpPr txBox="1"/>
+              <p:nvPr/>
+            </p:nvSpPr>
+            <p:spPr>
+              <a:xfrm>
+                <a:off x="1565269" y="2839503"/>
+                <a:ext cx="521297" cy="230832"/>
+              </a:xfrm>
+              <a:prstGeom prst="rect">
+                <a:avLst/>
+              </a:prstGeom>
+              <a:noFill/>
+            </p:spPr>
+            <p:txBody>
+              <a:bodyPr wrap="none" rtlCol="0">
+                <a:spAutoFit/>
+              </a:bodyPr>
+              <a:lstStyle/>
+              <a:p>
+                <a:pPr/>
+                <a14:m>
+                  <m:oMathPara xmlns:m="http://schemas.openxmlformats.org/officeDocument/2006/math">
+                    <m:oMathParaPr>
+                      <m:jc m:val="centerGroup"/>
+                    </m:oMathParaPr>
+                    <m:oMath xmlns:m="http://schemas.openxmlformats.org/officeDocument/2006/math">
+                      <m:r>
+                        <m:rPr>
+                          <m:sty m:val="p"/>
+                        </m:rPr>
+                        <a:rPr lang="es-NL" sz="900" i="1" dirty="0" smtClean="0">
+                          <a:latin typeface="DEJAVU SANS" panose="020B0603030804020204" pitchFamily="34" charset="0"/>
+                          <a:ea typeface="DEJAVU SANS" panose="020B0603030804020204" pitchFamily="34" charset="0"/>
+                          <a:cs typeface="DEJAVU SANS" panose="020B0603030804020204" pitchFamily="34" charset="0"/>
+                        </a:rPr>
+                        <m:t>tanh</m:t>
+                      </m:r>
+                      <m:r>
+                        <a:rPr lang="es-NL" sz="900" i="1" dirty="0" smtClean="0">
+                          <a:latin typeface="DEJAVU SANS" panose="020B0603030804020204" pitchFamily="34" charset="0"/>
+                          <a:ea typeface="DEJAVU SANS" panose="020B0603030804020204" pitchFamily="34" charset="0"/>
+                          <a:cs typeface="DEJAVU SANS" panose="020B0603030804020204" pitchFamily="34" charset="0"/>
+                        </a:rPr>
+                        <m:t>⁡</m:t>
+                      </m:r>
+                    </m:oMath>
+                  </m:oMathPara>
+                </a14:m>
+                <a:endParaRPr lang="es-NL" sz="900" dirty="0">
+                  <a:latin typeface="DEJAVU SANS" panose="020B0603030804020204" pitchFamily="34" charset="0"/>
+                  <a:ea typeface="DEJAVU SANS" panose="020B0603030804020204" pitchFamily="34" charset="0"/>
+                  <a:cs typeface="DEJAVU SANS" panose="020B0603030804020204" pitchFamily="34" charset="0"/>
+                </a:endParaRPr>
+              </a:p>
+            </p:txBody>
+          </p:sp>
+        </mc:Choice>
+        <mc:Fallback>
+          <p:sp>
+            <p:nvSpPr>
+              <p:cNvPr id="16" name="CuadroTexto 15">
+                <a:extLst>
+                  <a:ext uri="{FF2B5EF4-FFF2-40B4-BE49-F238E27FC236}">
+                    <a16:creationId xmlns:a16="http://schemas.microsoft.com/office/drawing/2014/main" id="{344EA085-2A88-8CC8-DDB8-65284C62DB6D}"/>
+                  </a:ext>
+                </a:extLst>
+              </p:cNvPr>
+              <p:cNvSpPr txBox="1">
+                <a:spLocks noRot="1" noChangeAspect="1" noMove="1" noResize="1" noEditPoints="1" noAdjustHandles="1" noChangeArrowheads="1" noChangeShapeType="1" noTextEdit="1"/>
+              </p:cNvSpPr>
+              <p:nvPr/>
+            </p:nvSpPr>
+            <p:spPr>
+              <a:xfrm>
+                <a:off x="1565269" y="2839503"/>
+                <a:ext cx="521297" cy="230832"/>
+              </a:xfrm>
+              <a:prstGeom prst="rect">
+                <a:avLst/>
+              </a:prstGeom>
+              <a:blipFill>
+                <a:blip r:embed="rId5"/>
+                <a:stretch>
+                  <a:fillRect b="-5263"/>
+                </a:stretch>
+              </a:blipFill>
+            </p:spPr>
+            <p:txBody>
+              <a:bodyPr/>
+              <a:lstStyle/>
+              <a:p>
+                <a:r>
+                  <a:rPr lang="es-NL">
+                    <a:noFill/>
+                  </a:rPr>
+                  <a:t> </a:t>
+                </a:r>
+              </a:p>
+            </p:txBody>
+          </p:sp>
+        </mc:Fallback>
+      </mc:AlternateContent>
+      <p:sp>
+        <p:nvSpPr>
+          <p:cNvPr id="17" name="Elipse 16">
+            <a:extLst>
+              <a:ext uri="{FF2B5EF4-FFF2-40B4-BE49-F238E27FC236}">
+                <a16:creationId xmlns:a16="http://schemas.microsoft.com/office/drawing/2014/main" id="{B52783A9-1206-2954-947E-A6998E30D628}"/>
+              </a:ext>
+            </a:extLst>
+          </p:cNvPr>
+          <p:cNvSpPr/>
+          <p:nvPr/>
+        </p:nvSpPr>
+        <p:spPr>
+          <a:xfrm>
+            <a:off x="3235106" y="2800352"/>
+            <a:ext cx="370800" cy="369332"/>
+          </a:xfrm>
+          <a:prstGeom prst="ellipse">
+            <a:avLst/>
+          </a:prstGeom>
+          <a:solidFill>
+            <a:srgbClr val="2FAE68"/>
+          </a:solidFill>
+          <a:ln>
+            <a:noFill/>
+          </a:ln>
+        </p:spPr>
+        <p:style>
+          <a:lnRef idx="1">
+            <a:schemeClr val="accent2"/>
+          </a:lnRef>
+          <a:fillRef idx="2">
+            <a:schemeClr val="accent2"/>
+          </a:fillRef>
+          <a:effectRef idx="1">
+            <a:schemeClr val="accent2"/>
+          </a:effectRef>
+          <a:fontRef idx="minor">
+            <a:schemeClr val="dk1"/>
+          </a:fontRef>
+        </p:style>
+        <p:txBody>
+          <a:bodyPr rtlCol="0" anchor="ctr"/>
+          <a:lstStyle/>
+          <a:p>
+            <a:pPr algn="ctr"/>
+            <a:endParaRPr lang="es-NL" sz="1400" dirty="0">
+              <a:latin typeface="DEJAVU SANS" panose="020B0603030804020204" pitchFamily="34" charset="0"/>
+              <a:ea typeface="DEJAVU SANS" panose="020B0603030804020204" pitchFamily="34" charset="0"/>
+              <a:cs typeface="DEJAVU SANS" panose="020B0603030804020204" pitchFamily="34" charset="0"/>
+            </a:endParaRPr>
+          </a:p>
+        </p:txBody>
+      </p:sp>
+      <mc:AlternateContent xmlns:mc="http://schemas.openxmlformats.org/markup-compatibility/2006">
+        <mc:Choice xmlns:a14="http://schemas.microsoft.com/office/drawing/2010/main" Requires="a14">
+          <p:sp>
+            <p:nvSpPr>
+              <p:cNvPr id="18" name="CuadroTexto 17">
+                <a:extLst>
+                  <a:ext uri="{FF2B5EF4-FFF2-40B4-BE49-F238E27FC236}">
+                    <a16:creationId xmlns:a16="http://schemas.microsoft.com/office/drawing/2014/main" id="{8434EB45-4FEC-D8F6-5BC2-7C7EBE78C5C2}"/>
+                  </a:ext>
+                </a:extLst>
+              </p:cNvPr>
+              <p:cNvSpPr txBox="1"/>
+              <p:nvPr/>
+            </p:nvSpPr>
+            <p:spPr>
+              <a:xfrm>
+                <a:off x="3275288" y="2838529"/>
+                <a:ext cx="314765" cy="261610"/>
+              </a:xfrm>
+              <a:prstGeom prst="rect">
+                <a:avLst/>
+              </a:prstGeom>
+              <a:noFill/>
+            </p:spPr>
+            <p:txBody>
+              <a:bodyPr wrap="none" rtlCol="0">
+                <a:spAutoFit/>
+              </a:bodyPr>
+              <a:lstStyle/>
+              <a:p>
+                <a:pPr/>
+                <a14:m>
+                  <m:oMathPara xmlns:m="http://schemas.openxmlformats.org/officeDocument/2006/math">
+                    <m:oMathParaPr>
+                      <m:jc m:val="centerGroup"/>
+                    </m:oMathParaPr>
+                    <m:oMath xmlns:m="http://schemas.openxmlformats.org/officeDocument/2006/math">
+                      <m:r>
+                        <a:rPr lang="es-NL" sz="1100" i="1" dirty="0" smtClean="0">
+                          <a:latin typeface="DEJAVU SANS" panose="020B0603030804020204" pitchFamily="34" charset="0"/>
+                          <a:ea typeface="DEJAVU SANS" panose="020B0603030804020204" pitchFamily="34" charset="0"/>
+                          <a:cs typeface="DEJAVU SANS" panose="020B0603030804020204" pitchFamily="34" charset="0"/>
+                        </a:rPr>
+                        <m:t>𝜎</m:t>
+                      </m:r>
+                    </m:oMath>
+                  </m:oMathPara>
+                </a14:m>
+                <a:endParaRPr lang="es-NL" sz="1100" dirty="0">
+                  <a:latin typeface="DEJAVU SANS" panose="020B0603030804020204" pitchFamily="34" charset="0"/>
+                  <a:ea typeface="DEJAVU SANS" panose="020B0603030804020204" pitchFamily="34" charset="0"/>
+                  <a:cs typeface="DEJAVU SANS" panose="020B0603030804020204" pitchFamily="34" charset="0"/>
+                </a:endParaRPr>
+              </a:p>
+            </p:txBody>
+          </p:sp>
+        </mc:Choice>
+        <mc:Fallback>
+          <p:sp>
+            <p:nvSpPr>
+              <p:cNvPr id="18" name="CuadroTexto 17">
+                <a:extLst>
+                  <a:ext uri="{FF2B5EF4-FFF2-40B4-BE49-F238E27FC236}">
+                    <a16:creationId xmlns:a16="http://schemas.microsoft.com/office/drawing/2014/main" id="{8434EB45-4FEC-D8F6-5BC2-7C7EBE78C5C2}"/>
+                  </a:ext>
+                </a:extLst>
+              </p:cNvPr>
+              <p:cNvSpPr txBox="1">
+                <a:spLocks noRot="1" noChangeAspect="1" noMove="1" noResize="1" noEditPoints="1" noAdjustHandles="1" noChangeArrowheads="1" noChangeShapeType="1" noTextEdit="1"/>
+              </p:cNvSpPr>
+              <p:nvPr/>
+            </p:nvSpPr>
+            <p:spPr>
+              <a:xfrm>
+                <a:off x="3275288" y="2838529"/>
+                <a:ext cx="314765" cy="261610"/>
+              </a:xfrm>
+              <a:prstGeom prst="rect">
+                <a:avLst/>
+              </a:prstGeom>
+              <a:blipFill>
+                <a:blip r:embed="rId6"/>
+                <a:stretch>
+                  <a:fillRect/>
+                </a:stretch>
+              </a:blipFill>
+            </p:spPr>
+            <p:txBody>
+              <a:bodyPr/>
+              <a:lstStyle/>
+              <a:p>
+                <a:r>
+                  <a:rPr lang="es-NL">
+                    <a:noFill/>
+                  </a:rPr>
+                  <a:t> </a:t>
+                </a:r>
+              </a:p>
+            </p:txBody>
+          </p:sp>
+        </mc:Fallback>
+      </mc:AlternateContent>
+      <p:sp>
+        <p:nvSpPr>
+          <p:cNvPr id="31" name="Elipse 30">
+            <a:extLst>
+              <a:ext uri="{FF2B5EF4-FFF2-40B4-BE49-F238E27FC236}">
+                <a16:creationId xmlns:a16="http://schemas.microsoft.com/office/drawing/2014/main" id="{A343A681-53C6-BAC5-B603-92433DD4F62C}"/>
+              </a:ext>
+            </a:extLst>
+          </p:cNvPr>
+          <p:cNvSpPr/>
+          <p:nvPr/>
+        </p:nvSpPr>
+        <p:spPr>
+          <a:xfrm>
+            <a:off x="2471308" y="2616192"/>
+            <a:ext cx="288000" cy="288000"/>
+          </a:xfrm>
+          <a:prstGeom prst="ellipse">
+            <a:avLst/>
+          </a:prstGeom>
+          <a:solidFill>
+            <a:schemeClr val="bg1">
+              <a:lumMod val="50000"/>
+            </a:schemeClr>
+          </a:solidFill>
+          <a:ln>
+            <a:noFill/>
+          </a:ln>
+        </p:spPr>
+        <p:style>
+          <a:lnRef idx="1">
+            <a:schemeClr val="accent4"/>
+          </a:lnRef>
+          <a:fillRef idx="2">
+            <a:schemeClr val="accent4"/>
+          </a:fillRef>
+          <a:effectRef idx="1">
+            <a:schemeClr val="accent4"/>
+          </a:effectRef>
+          <a:fontRef idx="minor">
+            <a:schemeClr val="dk1"/>
+          </a:fontRef>
+        </p:style>
+        <p:txBody>
+          <a:bodyPr rtlCol="0" anchor="ctr"/>
+          <a:lstStyle/>
+          <a:p>
+            <a:pPr algn="ctr"/>
+            <a:endParaRPr lang="es-NL" sz="1400" dirty="0">
+              <a:latin typeface="DEJAVU SANS" panose="020B0603030804020204" pitchFamily="34" charset="0"/>
+              <a:ea typeface="DEJAVU SANS" panose="020B0603030804020204" pitchFamily="34" charset="0"/>
+              <a:cs typeface="DEJAVU SANS" panose="020B0603030804020204" pitchFamily="34" charset="0"/>
+            </a:endParaRPr>
+          </a:p>
+        </p:txBody>
+      </p:sp>
+      <mc:AlternateContent xmlns:mc="http://schemas.openxmlformats.org/markup-compatibility/2006">
+        <mc:Choice xmlns:a14="http://schemas.microsoft.com/office/drawing/2010/main" Requires="a14">
+          <p:sp>
+            <p:nvSpPr>
+              <p:cNvPr id="32" name="CuadroTexto 31">
+                <a:extLst>
+                  <a:ext uri="{FF2B5EF4-FFF2-40B4-BE49-F238E27FC236}">
+                    <a16:creationId xmlns:a16="http://schemas.microsoft.com/office/drawing/2014/main" id="{E32ADFD9-D65A-569F-2E23-633D2BC3E15A}"/>
+                  </a:ext>
+                </a:extLst>
+              </p:cNvPr>
+              <p:cNvSpPr txBox="1"/>
+              <p:nvPr/>
+            </p:nvSpPr>
+            <p:spPr>
+              <a:xfrm>
+                <a:off x="2443038" y="2617381"/>
+                <a:ext cx="348172" cy="261610"/>
+              </a:xfrm>
+              <a:prstGeom prst="rect">
+                <a:avLst/>
+              </a:prstGeom>
+              <a:noFill/>
+            </p:spPr>
+            <p:txBody>
+              <a:bodyPr wrap="none" rtlCol="0">
+                <a:spAutoFit/>
+              </a:bodyPr>
+              <a:lstStyle/>
+              <a:p>
+                <a:pPr/>
+                <a14:m>
+                  <m:oMathPara xmlns:m="http://schemas.openxmlformats.org/officeDocument/2006/math">
+                    <m:oMathParaPr>
+                      <m:jc m:val="centerGroup"/>
+                    </m:oMathParaPr>
+                    <m:oMath xmlns:m="http://schemas.openxmlformats.org/officeDocument/2006/math">
+                      <m:r>
+                        <a:rPr lang="es-NL" sz="1100" i="1" smtClean="0">
+                          <a:latin typeface="DEJAVU SANS" panose="020B0603030804020204" pitchFamily="34" charset="0"/>
+                          <a:ea typeface="DEJAVU SANS" panose="020B0603030804020204" pitchFamily="34" charset="0"/>
+                          <a:cs typeface="DEJAVU SANS" panose="020B0603030804020204" pitchFamily="34" charset="0"/>
+                        </a:rPr>
+                        <m:t>×</m:t>
+                      </m:r>
+                    </m:oMath>
+                  </m:oMathPara>
+                </a14:m>
+                <a:endParaRPr lang="es-NL" sz="1100" dirty="0">
+                  <a:latin typeface="DEJAVU SANS" panose="020B0603030804020204" pitchFamily="34" charset="0"/>
+                  <a:ea typeface="DEJAVU SANS" panose="020B0603030804020204" pitchFamily="34" charset="0"/>
+                  <a:cs typeface="DEJAVU SANS" panose="020B0603030804020204" pitchFamily="34" charset="0"/>
+                </a:endParaRPr>
+              </a:p>
+            </p:txBody>
+          </p:sp>
+        </mc:Choice>
+        <mc:Fallback>
+          <p:sp>
+            <p:nvSpPr>
+              <p:cNvPr id="32" name="CuadroTexto 31">
+                <a:extLst>
+                  <a:ext uri="{FF2B5EF4-FFF2-40B4-BE49-F238E27FC236}">
+                    <a16:creationId xmlns:a16="http://schemas.microsoft.com/office/drawing/2014/main" id="{E32ADFD9-D65A-569F-2E23-633D2BC3E15A}"/>
+                  </a:ext>
+                </a:extLst>
+              </p:cNvPr>
+              <p:cNvSpPr txBox="1">
+                <a:spLocks noRot="1" noChangeAspect="1" noMove="1" noResize="1" noEditPoints="1" noAdjustHandles="1" noChangeArrowheads="1" noChangeShapeType="1" noTextEdit="1"/>
+              </p:cNvSpPr>
+              <p:nvPr/>
+            </p:nvSpPr>
+            <p:spPr>
+              <a:xfrm>
+                <a:off x="2443038" y="2617381"/>
+                <a:ext cx="348172" cy="261610"/>
+              </a:xfrm>
+              <a:prstGeom prst="rect">
+                <a:avLst/>
+              </a:prstGeom>
+              <a:blipFill>
+                <a:blip r:embed="rId7"/>
+                <a:stretch>
+                  <a:fillRect/>
+                </a:stretch>
+              </a:blipFill>
+            </p:spPr>
+            <p:txBody>
+              <a:bodyPr/>
+              <a:lstStyle/>
+              <a:p>
+                <a:r>
+                  <a:rPr lang="es-NL">
+                    <a:noFill/>
+                  </a:rPr>
+                  <a:t> </a:t>
+                </a:r>
+              </a:p>
+            </p:txBody>
+          </p:sp>
+        </mc:Fallback>
+      </mc:AlternateContent>
+      <p:sp>
+        <p:nvSpPr>
+          <p:cNvPr id="33" name="Elipse 32">
+            <a:extLst>
+              <a:ext uri="{FF2B5EF4-FFF2-40B4-BE49-F238E27FC236}">
+                <a16:creationId xmlns:a16="http://schemas.microsoft.com/office/drawing/2014/main" id="{D55F9CED-E370-D006-89A1-9A8060B78726}"/>
+              </a:ext>
+            </a:extLst>
+          </p:cNvPr>
+          <p:cNvSpPr/>
+          <p:nvPr/>
+        </p:nvSpPr>
+        <p:spPr>
+          <a:xfrm>
+            <a:off x="2458745" y="2136827"/>
+            <a:ext cx="288000" cy="288000"/>
+          </a:xfrm>
+          <a:prstGeom prst="ellipse">
+            <a:avLst/>
+          </a:prstGeom>
+          <a:solidFill>
+            <a:schemeClr val="bg1">
+              <a:lumMod val="50000"/>
+            </a:schemeClr>
+          </a:solidFill>
+          <a:ln>
+            <a:noFill/>
+          </a:ln>
+        </p:spPr>
+        <p:style>
+          <a:lnRef idx="1">
+            <a:schemeClr val="accent4"/>
+          </a:lnRef>
+          <a:fillRef idx="2">
+            <a:schemeClr val="accent4"/>
+          </a:fillRef>
+          <a:effectRef idx="1">
+            <a:schemeClr val="accent4"/>
+          </a:effectRef>
+          <a:fontRef idx="minor">
+            <a:schemeClr val="dk1"/>
+          </a:fontRef>
+        </p:style>
+        <p:txBody>
+          <a:bodyPr rtlCol="0" anchor="ctr"/>
+          <a:lstStyle/>
+          <a:p>
+            <a:pPr algn="ctr"/>
+            <a:endParaRPr lang="es-NL" sz="1400" dirty="0">
+              <a:latin typeface="DEJAVU SANS" panose="020B0603030804020204" pitchFamily="34" charset="0"/>
+              <a:ea typeface="DEJAVU SANS" panose="020B0603030804020204" pitchFamily="34" charset="0"/>
+              <a:cs typeface="DEJAVU SANS" panose="020B0603030804020204" pitchFamily="34" charset="0"/>
+            </a:endParaRPr>
+          </a:p>
+        </p:txBody>
+      </p:sp>
+      <p:cxnSp>
+        <p:nvCxnSpPr>
+          <p:cNvPr id="40" name="Conector angular 39">
+            <a:extLst>
+              <a:ext uri="{FF2B5EF4-FFF2-40B4-BE49-F238E27FC236}">
+                <a16:creationId xmlns:a16="http://schemas.microsoft.com/office/drawing/2014/main" id="{33B80E24-9D52-13F5-7715-682537017F99}"/>
+              </a:ext>
+            </a:extLst>
+          </p:cNvPr>
+          <p:cNvCxnSpPr>
+            <a:cxnSpLocks/>
+            <a:stCxn id="15" idx="0"/>
+          </p:cNvCxnSpPr>
+          <p:nvPr/>
+        </p:nvCxnSpPr>
+        <p:spPr>
+          <a:xfrm rot="5400000" flipH="1" flipV="1">
+            <a:off x="2127182" y="2431938"/>
+            <a:ext cx="27534" cy="655092"/>
+          </a:xfrm>
+          <a:prstGeom prst="bentConnector2">
+            <a:avLst/>
+          </a:prstGeom>
+          <a:ln>
+            <a:tailEnd type="triangle"/>
+          </a:ln>
+        </p:spPr>
+        <p:style>
+          <a:lnRef idx="1">
+            <a:schemeClr val="dk1"/>
+          </a:lnRef>
+          <a:fillRef idx="0">
+            <a:schemeClr val="dk1"/>
+          </a:fillRef>
+          <a:effectRef idx="0">
+            <a:schemeClr val="dk1"/>
+          </a:effectRef>
+          <a:fontRef idx="minor">
+            <a:schemeClr val="tx1"/>
+          </a:fontRef>
+        </p:style>
+      </p:cxnSp>
+      <p:cxnSp>
+        <p:nvCxnSpPr>
+          <p:cNvPr id="50" name="Conector angular 49">
+            <a:extLst>
+              <a:ext uri="{FF2B5EF4-FFF2-40B4-BE49-F238E27FC236}">
+                <a16:creationId xmlns:a16="http://schemas.microsoft.com/office/drawing/2014/main" id="{4F3FC369-053B-0170-E4A1-6AB2961163DC}"/>
+              </a:ext>
+            </a:extLst>
+          </p:cNvPr>
+          <p:cNvCxnSpPr>
+            <a:cxnSpLocks/>
+          </p:cNvCxnSpPr>
+          <p:nvPr/>
+        </p:nvCxnSpPr>
+        <p:spPr>
+          <a:xfrm rot="16200000" flipV="1">
+            <a:off x="3062115" y="2438948"/>
+            <a:ext cx="44954" cy="658800"/>
+          </a:xfrm>
+          <a:prstGeom prst="bentConnector2">
+            <a:avLst/>
+          </a:prstGeom>
+          <a:ln>
+            <a:tailEnd type="triangle"/>
+          </a:ln>
+        </p:spPr>
+        <p:style>
+          <a:lnRef idx="1">
+            <a:schemeClr val="dk1"/>
+          </a:lnRef>
+          <a:fillRef idx="0">
+            <a:schemeClr val="dk1"/>
+          </a:fillRef>
+          <a:effectRef idx="0">
+            <a:schemeClr val="dk1"/>
+          </a:effectRef>
+          <a:fontRef idx="minor">
+            <a:schemeClr val="tx1"/>
+          </a:fontRef>
+        </p:style>
+      </p:cxnSp>
+      <mc:AlternateContent xmlns:mc="http://schemas.openxmlformats.org/markup-compatibility/2006">
+        <mc:Choice xmlns:a14="http://schemas.microsoft.com/office/drawing/2010/main" Requires="a14">
+          <p:sp>
+            <p:nvSpPr>
+              <p:cNvPr id="67" name="CuadroTexto 66">
+                <a:extLst>
+                  <a:ext uri="{FF2B5EF4-FFF2-40B4-BE49-F238E27FC236}">
+                    <a16:creationId xmlns:a16="http://schemas.microsoft.com/office/drawing/2014/main" id="{EC5BBA71-F1BA-61E9-D0BF-82931ED61AF8}"/>
+                  </a:ext>
+                </a:extLst>
+              </p:cNvPr>
+              <p:cNvSpPr txBox="1"/>
+              <p:nvPr/>
+            </p:nvSpPr>
+            <p:spPr>
+              <a:xfrm>
+                <a:off x="2435595" y="2146706"/>
+                <a:ext cx="348172" cy="261610"/>
+              </a:xfrm>
+              <a:prstGeom prst="rect">
+                <a:avLst/>
+              </a:prstGeom>
+              <a:noFill/>
+            </p:spPr>
+            <p:txBody>
+              <a:bodyPr wrap="none" rtlCol="0">
+                <a:spAutoFit/>
+              </a:bodyPr>
+              <a:lstStyle/>
+              <a:p>
+                <a:pPr/>
+                <a14:m>
+                  <m:oMathPara xmlns:m="http://schemas.openxmlformats.org/officeDocument/2006/math">
+                    <m:oMathParaPr>
+                      <m:jc m:val="centerGroup"/>
+                    </m:oMathParaPr>
+                    <m:oMath xmlns:m="http://schemas.openxmlformats.org/officeDocument/2006/math">
+                      <m:r>
+                        <a:rPr lang="en-US" sz="1100" b="0" i="1" dirty="0" smtClean="0">
+                          <a:latin typeface="DEJAVU SANS" panose="020B0603030804020204" pitchFamily="34" charset="0"/>
+                          <a:ea typeface="DEJAVU SANS" panose="020B0603030804020204" pitchFamily="34" charset="0"/>
+                          <a:cs typeface="DEJAVU SANS" panose="020B0603030804020204" pitchFamily="34" charset="0"/>
+                        </a:rPr>
+                        <m:t>+</m:t>
+                      </m:r>
+                    </m:oMath>
+                  </m:oMathPara>
+                </a14:m>
+                <a:endParaRPr lang="es-NL" sz="1100" dirty="0">
+                  <a:latin typeface="DEJAVU SANS" panose="020B0603030804020204" pitchFamily="34" charset="0"/>
+                  <a:ea typeface="DEJAVU SANS" panose="020B0603030804020204" pitchFamily="34" charset="0"/>
+                  <a:cs typeface="DEJAVU SANS" panose="020B0603030804020204" pitchFamily="34" charset="0"/>
+                </a:endParaRPr>
+              </a:p>
+            </p:txBody>
+          </p:sp>
+        </mc:Choice>
+        <mc:Fallback>
+          <p:sp>
+            <p:nvSpPr>
+              <p:cNvPr id="67" name="CuadroTexto 66">
+                <a:extLst>
+                  <a:ext uri="{FF2B5EF4-FFF2-40B4-BE49-F238E27FC236}">
+                    <a16:creationId xmlns:a16="http://schemas.microsoft.com/office/drawing/2014/main" id="{EC5BBA71-F1BA-61E9-D0BF-82931ED61AF8}"/>
+                  </a:ext>
+                </a:extLst>
+              </p:cNvPr>
+              <p:cNvSpPr txBox="1">
+                <a:spLocks noRot="1" noChangeAspect="1" noMove="1" noResize="1" noEditPoints="1" noAdjustHandles="1" noChangeArrowheads="1" noChangeShapeType="1" noTextEdit="1"/>
+              </p:cNvSpPr>
+              <p:nvPr/>
+            </p:nvSpPr>
+            <p:spPr>
+              <a:xfrm>
+                <a:off x="2435595" y="2146706"/>
+                <a:ext cx="348172" cy="261610"/>
+              </a:xfrm>
+              <a:prstGeom prst="rect">
+                <a:avLst/>
+              </a:prstGeom>
+              <a:blipFill>
+                <a:blip r:embed="rId8"/>
+                <a:stretch>
+                  <a:fillRect/>
+                </a:stretch>
+              </a:blipFill>
+            </p:spPr>
+            <p:txBody>
+              <a:bodyPr/>
+              <a:lstStyle/>
+              <a:p>
+                <a:r>
+                  <a:rPr lang="es-NL">
+                    <a:noFill/>
+                  </a:rPr>
+                  <a:t> </a:t>
+                </a:r>
+              </a:p>
+            </p:txBody>
+          </p:sp>
+        </mc:Fallback>
+      </mc:AlternateContent>
+      <p:cxnSp>
+        <p:nvCxnSpPr>
+          <p:cNvPr id="73" name="Conector angular 72">
+            <a:extLst>
+              <a:ext uri="{FF2B5EF4-FFF2-40B4-BE49-F238E27FC236}">
+                <a16:creationId xmlns:a16="http://schemas.microsoft.com/office/drawing/2014/main" id="{44396C26-E274-4FA0-20E5-957C06B2A636}"/>
+              </a:ext>
+            </a:extLst>
+          </p:cNvPr>
+          <p:cNvCxnSpPr>
+            <a:cxnSpLocks/>
+            <a:endCxn id="33" idx="2"/>
+          </p:cNvCxnSpPr>
+          <p:nvPr/>
+        </p:nvCxnSpPr>
+        <p:spPr>
+          <a:xfrm rot="16200000" flipV="1">
+            <a:off x="1240463" y="3499110"/>
+            <a:ext cx="2586553" cy="149987"/>
+          </a:xfrm>
+          <a:prstGeom prst="bentConnector4">
+            <a:avLst>
+              <a:gd name="adj1" fmla="val 1383"/>
+              <a:gd name="adj2" fmla="val 981546"/>
+            </a:avLst>
+          </a:prstGeom>
+          <a:ln>
+            <a:tailEnd type="triangle"/>
+          </a:ln>
+        </p:spPr>
+        <p:style>
+          <a:lnRef idx="1">
+            <a:schemeClr val="dk1"/>
+          </a:lnRef>
+          <a:fillRef idx="0">
+            <a:schemeClr val="dk1"/>
+          </a:fillRef>
+          <a:effectRef idx="0">
+            <a:schemeClr val="dk1"/>
+          </a:effectRef>
+          <a:fontRef idx="minor">
+            <a:schemeClr val="tx1"/>
+          </a:fontRef>
+        </p:style>
+      </p:cxnSp>
+      <mc:AlternateContent xmlns:mc="http://schemas.openxmlformats.org/markup-compatibility/2006">
+        <mc:Choice xmlns:a14="http://schemas.microsoft.com/office/drawing/2010/main" Requires="a14">
+          <p:sp>
+            <p:nvSpPr>
+              <p:cNvPr id="101" name="CuadroTexto 100">
+                <a:extLst>
+                  <a:ext uri="{FF2B5EF4-FFF2-40B4-BE49-F238E27FC236}">
+                    <a16:creationId xmlns:a16="http://schemas.microsoft.com/office/drawing/2014/main" id="{D6A1BB23-9979-5A5E-A681-98F8C4057A50}"/>
+                  </a:ext>
+                </a:extLst>
+              </p:cNvPr>
+              <p:cNvSpPr txBox="1"/>
+              <p:nvPr/>
+            </p:nvSpPr>
+            <p:spPr>
+              <a:xfrm>
+                <a:off x="1472227" y="1878662"/>
+                <a:ext cx="1142749" cy="276999"/>
+              </a:xfrm>
+              <a:prstGeom prst="rect">
+                <a:avLst/>
+              </a:prstGeom>
+              <a:noFill/>
+            </p:spPr>
+            <p:txBody>
+              <a:bodyPr wrap="none" rtlCol="0">
+                <a:spAutoFit/>
+              </a:bodyPr>
+              <a:lstStyle/>
+              <a:p>
+                <a:r>
+                  <a:rPr lang="es-NL" sz="1200" dirty="0">
+                    <a:latin typeface="DEJAVU SANS" panose="020B0603030804020204" pitchFamily="34" charset="0"/>
+                    <a:ea typeface="DEJAVU SANS" panose="020B0603030804020204" pitchFamily="34" charset="0"/>
+                    <a:cs typeface="DEJAVU SANS" panose="020B0603030804020204" pitchFamily="34" charset="0"/>
+                  </a:rPr>
+                  <a:t>Residual </a:t>
+                </a:r>
+                <a14:m>
+                  <m:oMath xmlns:m="http://schemas.openxmlformats.org/officeDocument/2006/math">
+                    <m:sSub>
+                      <m:sSubPr>
+                        <m:ctrlPr>
+                          <a:rPr lang="es-NL" sz="1200" i="1" smtClean="0">
+                            <a:latin typeface="Cambria Math" panose="02040503050406030204" pitchFamily="18" charset="0"/>
+                            <a:ea typeface="DEJAVU SANS" panose="020B0603030804020204" pitchFamily="34" charset="0"/>
+                            <a:cs typeface="DEJAVU SANS" panose="020B0603030804020204" pitchFamily="34" charset="0"/>
+                          </a:rPr>
+                        </m:ctrlPr>
+                      </m:sSubPr>
+                      <m:e>
+                        <m:r>
+                          <a:rPr lang="en-US" sz="1200" b="0" i="1" smtClean="0">
+                            <a:latin typeface="Cambria Math" panose="02040503050406030204" pitchFamily="18" charset="0"/>
+                            <a:ea typeface="DEJAVU SANS" panose="020B0603030804020204" pitchFamily="34" charset="0"/>
+                            <a:cs typeface="DEJAVU SANS" panose="020B0603030804020204" pitchFamily="34" charset="0"/>
+                          </a:rPr>
+                          <m:t>𝑦</m:t>
+                        </m:r>
+                      </m:e>
+                      <m:sub>
+                        <m:r>
+                          <a:rPr lang="en-US" sz="1200" b="0" i="1" smtClean="0">
+                            <a:latin typeface="Cambria Math" panose="02040503050406030204" pitchFamily="18" charset="0"/>
+                            <a:ea typeface="DEJAVU SANS" panose="020B0603030804020204" pitchFamily="34" charset="0"/>
+                            <a:cs typeface="DEJAVU SANS" panose="020B0603030804020204" pitchFamily="34" charset="0"/>
+                          </a:rPr>
+                          <m:t>𝑟𝑒𝑠</m:t>
+                        </m:r>
+                      </m:sub>
+                    </m:sSub>
+                  </m:oMath>
+                </a14:m>
+                <a:endParaRPr lang="es-NL" sz="1200" dirty="0">
+                  <a:latin typeface="DEJAVU SANS" panose="020B0603030804020204" pitchFamily="34" charset="0"/>
+                  <a:ea typeface="DEJAVU SANS" panose="020B0603030804020204" pitchFamily="34" charset="0"/>
+                  <a:cs typeface="DEJAVU SANS" panose="020B0603030804020204" pitchFamily="34" charset="0"/>
+                </a:endParaRPr>
+              </a:p>
+            </p:txBody>
+          </p:sp>
+        </mc:Choice>
+        <mc:Fallback>
+          <p:sp>
+            <p:nvSpPr>
+              <p:cNvPr id="101" name="CuadroTexto 100">
+                <a:extLst>
+                  <a:ext uri="{FF2B5EF4-FFF2-40B4-BE49-F238E27FC236}">
+                    <a16:creationId xmlns:a16="http://schemas.microsoft.com/office/drawing/2014/main" id="{D6A1BB23-9979-5A5E-A681-98F8C4057A50}"/>
+                  </a:ext>
+                </a:extLst>
+              </p:cNvPr>
+              <p:cNvSpPr txBox="1">
+                <a:spLocks noRot="1" noChangeAspect="1" noMove="1" noResize="1" noEditPoints="1" noAdjustHandles="1" noChangeArrowheads="1" noChangeShapeType="1" noTextEdit="1"/>
+              </p:cNvSpPr>
+              <p:nvPr/>
+            </p:nvSpPr>
+            <p:spPr>
+              <a:xfrm>
+                <a:off x="1472227" y="1878662"/>
+                <a:ext cx="1142749" cy="276999"/>
+              </a:xfrm>
+              <a:prstGeom prst="rect">
+                <a:avLst/>
+              </a:prstGeom>
+              <a:blipFill>
+                <a:blip r:embed="rId9"/>
+                <a:stretch>
+                  <a:fillRect l="-1111" b="-13043"/>
+                </a:stretch>
+              </a:blipFill>
+            </p:spPr>
+            <p:txBody>
+              <a:bodyPr/>
+              <a:lstStyle/>
+              <a:p>
+                <a:r>
+                  <a:rPr lang="es-NL">
+                    <a:noFill/>
+                  </a:rPr>
+                  <a:t> </a:t>
+                </a:r>
+              </a:p>
+            </p:txBody>
+          </p:sp>
+        </mc:Fallback>
+      </mc:AlternateContent>
+      <p:cxnSp>
+        <p:nvCxnSpPr>
+          <p:cNvPr id="102" name="Conector recto de flecha 101">
+            <a:extLst>
+              <a:ext uri="{FF2B5EF4-FFF2-40B4-BE49-F238E27FC236}">
+                <a16:creationId xmlns:a16="http://schemas.microsoft.com/office/drawing/2014/main" id="{8F2501E1-A75A-D5A1-53B4-63A2A3154A6B}"/>
+              </a:ext>
+            </a:extLst>
+          </p:cNvPr>
+          <p:cNvCxnSpPr>
+            <a:cxnSpLocks/>
+          </p:cNvCxnSpPr>
+          <p:nvPr/>
+        </p:nvCxnSpPr>
+        <p:spPr>
+          <a:xfrm>
+            <a:off x="2619832" y="2529696"/>
+            <a:ext cx="2564943" cy="4498"/>
+          </a:xfrm>
+          <a:prstGeom prst="straightConnector1">
+            <a:avLst/>
+          </a:prstGeom>
+          <a:ln>
+            <a:tailEnd type="triangle"/>
+          </a:ln>
+        </p:spPr>
+        <p:style>
+          <a:lnRef idx="1">
+            <a:schemeClr val="dk1"/>
+          </a:lnRef>
+          <a:fillRef idx="0">
+            <a:schemeClr val="dk1"/>
+          </a:fillRef>
+          <a:effectRef idx="0">
+            <a:schemeClr val="dk1"/>
+          </a:effectRef>
+          <a:fontRef idx="minor">
+            <a:schemeClr val="tx1"/>
+          </a:fontRef>
+        </p:style>
+      </p:cxnSp>
+      <p:cxnSp>
+        <p:nvCxnSpPr>
+          <p:cNvPr id="105" name="Conector recto de flecha 104">
+            <a:extLst>
+              <a:ext uri="{FF2B5EF4-FFF2-40B4-BE49-F238E27FC236}">
+                <a16:creationId xmlns:a16="http://schemas.microsoft.com/office/drawing/2014/main" id="{84F72CF7-F925-739B-6F5C-CB6FB3D99CEB}"/>
+              </a:ext>
+            </a:extLst>
+          </p:cNvPr>
+          <p:cNvCxnSpPr>
+            <a:cxnSpLocks/>
+          </p:cNvCxnSpPr>
+          <p:nvPr/>
+        </p:nvCxnSpPr>
+        <p:spPr>
+          <a:xfrm>
+            <a:off x="3954379" y="2630549"/>
+            <a:ext cx="1230396" cy="2362"/>
+          </a:xfrm>
+          <a:prstGeom prst="straightConnector1">
+            <a:avLst/>
+          </a:prstGeom>
+          <a:ln>
+            <a:solidFill>
+              <a:schemeClr val="tx1">
+                <a:lumMod val="65000"/>
+                <a:lumOff val="35000"/>
+              </a:schemeClr>
+            </a:solidFill>
+            <a:tailEnd type="triangle"/>
+          </a:ln>
+        </p:spPr>
+        <p:style>
+          <a:lnRef idx="1">
+            <a:schemeClr val="dk1"/>
+          </a:lnRef>
+          <a:fillRef idx="0">
+            <a:schemeClr val="dk1"/>
+          </a:fillRef>
+          <a:effectRef idx="0">
+            <a:schemeClr val="dk1"/>
+          </a:effectRef>
+          <a:fontRef idx="minor">
+            <a:schemeClr val="tx1"/>
+          </a:fontRef>
+        </p:style>
+      </p:cxnSp>
+      <p:cxnSp>
+        <p:nvCxnSpPr>
+          <p:cNvPr id="107" name="Conector recto de flecha 106">
+            <a:extLst>
+              <a:ext uri="{FF2B5EF4-FFF2-40B4-BE49-F238E27FC236}">
+                <a16:creationId xmlns:a16="http://schemas.microsoft.com/office/drawing/2014/main" id="{B17223BF-B81A-B7FD-803E-672063C0FF0D}"/>
+              </a:ext>
+            </a:extLst>
+          </p:cNvPr>
+          <p:cNvCxnSpPr>
+            <a:cxnSpLocks/>
+          </p:cNvCxnSpPr>
+          <p:nvPr/>
+        </p:nvCxnSpPr>
+        <p:spPr>
+          <a:xfrm>
+            <a:off x="4106779" y="2740734"/>
+            <a:ext cx="1077996" cy="0"/>
+          </a:xfrm>
+          <a:prstGeom prst="straightConnector1">
+            <a:avLst/>
+          </a:prstGeom>
+          <a:ln>
+            <a:solidFill>
+              <a:schemeClr val="tx1">
+                <a:lumMod val="65000"/>
+                <a:lumOff val="35000"/>
+              </a:schemeClr>
+            </a:solidFill>
+            <a:tailEnd type="triangle"/>
+          </a:ln>
+        </p:spPr>
+        <p:style>
+          <a:lnRef idx="1">
+            <a:schemeClr val="dk1"/>
+          </a:lnRef>
+          <a:fillRef idx="0">
+            <a:schemeClr val="dk1"/>
+          </a:fillRef>
+          <a:effectRef idx="0">
+            <a:schemeClr val="dk1"/>
+          </a:effectRef>
+          <a:fontRef idx="minor">
+            <a:schemeClr val="tx1"/>
+          </a:fontRef>
+        </p:style>
+      </p:cxnSp>
+      <p:cxnSp>
+        <p:nvCxnSpPr>
+          <p:cNvPr id="109" name="Conector recto de flecha 108">
+            <a:extLst>
+              <a:ext uri="{FF2B5EF4-FFF2-40B4-BE49-F238E27FC236}">
+                <a16:creationId xmlns:a16="http://schemas.microsoft.com/office/drawing/2014/main" id="{107A08B5-1D03-0214-BD95-0A24937F1F0E}"/>
+              </a:ext>
+            </a:extLst>
+          </p:cNvPr>
+          <p:cNvCxnSpPr>
+            <a:cxnSpLocks/>
+          </p:cNvCxnSpPr>
+          <p:nvPr/>
+        </p:nvCxnSpPr>
+        <p:spPr>
+          <a:xfrm>
+            <a:off x="4284920" y="2839624"/>
+            <a:ext cx="899855" cy="0"/>
+          </a:xfrm>
+          <a:prstGeom prst="straightConnector1">
+            <a:avLst/>
+          </a:prstGeom>
+          <a:ln>
+            <a:solidFill>
+              <a:schemeClr val="tx1">
+                <a:lumMod val="65000"/>
+                <a:lumOff val="35000"/>
+              </a:schemeClr>
+            </a:solidFill>
+            <a:tailEnd type="triangle"/>
+          </a:ln>
+        </p:spPr>
+        <p:style>
+          <a:lnRef idx="1">
+            <a:schemeClr val="dk1"/>
+          </a:lnRef>
+          <a:fillRef idx="0">
+            <a:schemeClr val="dk1"/>
+          </a:fillRef>
+          <a:effectRef idx="0">
+            <a:schemeClr val="dk1"/>
+          </a:effectRef>
+          <a:fontRef idx="minor">
+            <a:schemeClr val="tx1"/>
+          </a:fontRef>
+        </p:style>
+      </p:cxnSp>
+      <p:cxnSp>
+        <p:nvCxnSpPr>
+          <p:cNvPr id="119" name="Conector recto 118">
+            <a:extLst>
+              <a:ext uri="{FF2B5EF4-FFF2-40B4-BE49-F238E27FC236}">
+                <a16:creationId xmlns:a16="http://schemas.microsoft.com/office/drawing/2014/main" id="{361BC5F3-5876-8D50-FB1B-4E09BE1E9CA0}"/>
+              </a:ext>
+            </a:extLst>
+          </p:cNvPr>
+          <p:cNvCxnSpPr>
+            <a:cxnSpLocks/>
+          </p:cNvCxnSpPr>
+          <p:nvPr/>
+        </p:nvCxnSpPr>
+        <p:spPr>
+          <a:xfrm>
+            <a:off x="5184775" y="2433341"/>
+            <a:ext cx="0" cy="840813"/>
+          </a:xfrm>
+          <a:prstGeom prst="line">
+            <a:avLst/>
+          </a:prstGeom>
+        </p:spPr>
+        <p:style>
+          <a:lnRef idx="1">
+            <a:schemeClr val="dk1"/>
+          </a:lnRef>
+          <a:fillRef idx="0">
+            <a:schemeClr val="dk1"/>
+          </a:fillRef>
+          <a:effectRef idx="0">
+            <a:schemeClr val="dk1"/>
+          </a:effectRef>
+          <a:fontRef idx="minor">
+            <a:schemeClr val="tx1"/>
+          </a:fontRef>
+        </p:style>
+      </p:cxnSp>
+      <p:sp>
+        <p:nvSpPr>
+          <p:cNvPr id="120" name="Elipse 119">
+            <a:extLst>
+              <a:ext uri="{FF2B5EF4-FFF2-40B4-BE49-F238E27FC236}">
+                <a16:creationId xmlns:a16="http://schemas.microsoft.com/office/drawing/2014/main" id="{BA498B6D-11D3-A9F0-90A4-2FEA0570FFCB}"/>
+              </a:ext>
+            </a:extLst>
+          </p:cNvPr>
+          <p:cNvSpPr/>
+          <p:nvPr/>
+        </p:nvSpPr>
+        <p:spPr>
+          <a:xfrm>
+            <a:off x="5300837" y="2699369"/>
+            <a:ext cx="288000" cy="288000"/>
+          </a:xfrm>
+          <a:prstGeom prst="ellipse">
+            <a:avLst/>
+          </a:prstGeom>
+          <a:solidFill>
+            <a:schemeClr val="bg1">
+              <a:lumMod val="50000"/>
+            </a:schemeClr>
+          </a:solidFill>
+          <a:ln>
+            <a:noFill/>
+          </a:ln>
+        </p:spPr>
+        <p:style>
+          <a:lnRef idx="1">
+            <a:schemeClr val="accent4"/>
+          </a:lnRef>
+          <a:fillRef idx="2">
+            <a:schemeClr val="accent4"/>
+          </a:fillRef>
+          <a:effectRef idx="1">
+            <a:schemeClr val="accent4"/>
+          </a:effectRef>
+          <a:fontRef idx="minor">
+            <a:schemeClr val="dk1"/>
+          </a:fontRef>
+        </p:style>
+        <p:txBody>
+          <a:bodyPr rtlCol="0" anchor="ctr"/>
+          <a:lstStyle/>
+          <a:p>
+            <a:pPr algn="ctr"/>
+            <a:endParaRPr lang="es-NL" sz="1400" dirty="0">
+              <a:latin typeface="DEJAVU SANS" panose="020B0603030804020204" pitchFamily="34" charset="0"/>
+              <a:ea typeface="DEJAVU SANS" panose="020B0603030804020204" pitchFamily="34" charset="0"/>
+              <a:cs typeface="DEJAVU SANS" panose="020B0603030804020204" pitchFamily="34" charset="0"/>
+            </a:endParaRPr>
+          </a:p>
+        </p:txBody>
+      </p:sp>
+      <mc:AlternateContent xmlns:mc="http://schemas.openxmlformats.org/markup-compatibility/2006">
+        <mc:Choice xmlns:a14="http://schemas.microsoft.com/office/drawing/2010/main" Requires="a14">
+          <p:sp>
+            <p:nvSpPr>
+              <p:cNvPr id="121" name="CuadroTexto 120">
+                <a:extLst>
+                  <a:ext uri="{FF2B5EF4-FFF2-40B4-BE49-F238E27FC236}">
+                    <a16:creationId xmlns:a16="http://schemas.microsoft.com/office/drawing/2014/main" id="{9388386A-B7CF-6E4B-F92A-4CDABCFAF5F6}"/>
+                  </a:ext>
+                </a:extLst>
+              </p:cNvPr>
+              <p:cNvSpPr txBox="1"/>
+              <p:nvPr/>
+            </p:nvSpPr>
+            <p:spPr>
+              <a:xfrm>
+                <a:off x="5256061" y="2715162"/>
+                <a:ext cx="393056" cy="261610"/>
+              </a:xfrm>
+              <a:prstGeom prst="rect">
+                <a:avLst/>
+              </a:prstGeom>
+              <a:noFill/>
+            </p:spPr>
+            <p:txBody>
+              <a:bodyPr wrap="square" rtlCol="0">
+                <a:spAutoFit/>
+              </a:bodyPr>
+              <a:lstStyle/>
+              <a:p>
+                <a:pPr/>
+                <a14:m>
+                  <m:oMathPara xmlns:m="http://schemas.openxmlformats.org/officeDocument/2006/math">
+                    <m:oMathParaPr>
+                      <m:jc m:val="centerGroup"/>
+                    </m:oMathParaPr>
+                    <m:oMath xmlns:m="http://schemas.openxmlformats.org/officeDocument/2006/math">
+                      <m:r>
+                        <a:rPr lang="en-US" sz="1100" b="0" i="1" dirty="0" smtClean="0">
+                          <a:latin typeface="DEJAVU SANS" panose="020B0603030804020204" pitchFamily="34" charset="0"/>
+                          <a:ea typeface="DEJAVU SANS" panose="020B0603030804020204" pitchFamily="34" charset="0"/>
+                          <a:cs typeface="DEJAVU SANS" panose="020B0603030804020204" pitchFamily="34" charset="0"/>
+                        </a:rPr>
+                        <m:t>+</m:t>
+                      </m:r>
+                    </m:oMath>
+                  </m:oMathPara>
+                </a14:m>
+                <a:endParaRPr lang="es-NL" sz="1100" dirty="0">
+                  <a:latin typeface="DEJAVU SANS" panose="020B0603030804020204" pitchFamily="34" charset="0"/>
+                  <a:ea typeface="DEJAVU SANS" panose="020B0603030804020204" pitchFamily="34" charset="0"/>
+                  <a:cs typeface="DEJAVU SANS" panose="020B0603030804020204" pitchFamily="34" charset="0"/>
+                </a:endParaRPr>
+              </a:p>
+            </p:txBody>
+          </p:sp>
+        </mc:Choice>
+        <mc:Fallback>
+          <p:sp>
+            <p:nvSpPr>
+              <p:cNvPr id="121" name="CuadroTexto 120">
+                <a:extLst>
+                  <a:ext uri="{FF2B5EF4-FFF2-40B4-BE49-F238E27FC236}">
+                    <a16:creationId xmlns:a16="http://schemas.microsoft.com/office/drawing/2014/main" id="{9388386A-B7CF-6E4B-F92A-4CDABCFAF5F6}"/>
+                  </a:ext>
+                </a:extLst>
+              </p:cNvPr>
+              <p:cNvSpPr txBox="1">
+                <a:spLocks noRot="1" noChangeAspect="1" noMove="1" noResize="1" noEditPoints="1" noAdjustHandles="1" noChangeArrowheads="1" noChangeShapeType="1" noTextEdit="1"/>
+              </p:cNvSpPr>
+              <p:nvPr/>
+            </p:nvSpPr>
+            <p:spPr>
+              <a:xfrm>
+                <a:off x="5256061" y="2715162"/>
+                <a:ext cx="393056" cy="261610"/>
+              </a:xfrm>
+              <a:prstGeom prst="rect">
+                <a:avLst/>
+              </a:prstGeom>
+              <a:blipFill>
+                <a:blip r:embed="rId10"/>
+                <a:stretch>
+                  <a:fillRect/>
+                </a:stretch>
+              </a:blipFill>
+            </p:spPr>
+            <p:txBody>
+              <a:bodyPr/>
+              <a:lstStyle/>
+              <a:p>
+                <a:r>
+                  <a:rPr lang="es-NL">
+                    <a:noFill/>
+                  </a:rPr>
+                  <a:t> </a:t>
+                </a:r>
+              </a:p>
+            </p:txBody>
+          </p:sp>
+        </mc:Fallback>
+      </mc:AlternateContent>
+      <p:sp>
+        <p:nvSpPr>
+          <p:cNvPr id="122" name="Rectángulo 121">
+            <a:extLst>
+              <a:ext uri="{FF2B5EF4-FFF2-40B4-BE49-F238E27FC236}">
+                <a16:creationId xmlns:a16="http://schemas.microsoft.com/office/drawing/2014/main" id="{0FC7834E-3A07-6295-6B2D-341335644A47}"/>
+              </a:ext>
+            </a:extLst>
+          </p:cNvPr>
+          <p:cNvSpPr/>
+          <p:nvPr/>
+        </p:nvSpPr>
+        <p:spPr>
+          <a:xfrm>
+            <a:off x="5747444" y="2688683"/>
+            <a:ext cx="595563" cy="349096"/>
+          </a:xfrm>
+          <a:prstGeom prst="rect">
+            <a:avLst/>
+          </a:prstGeom>
+          <a:solidFill>
+            <a:srgbClr val="6495ED"/>
+          </a:solidFill>
+          <a:ln>
+            <a:noFill/>
+          </a:ln>
+        </p:spPr>
+        <p:style>
+          <a:lnRef idx="1">
+            <a:schemeClr val="accent1"/>
+          </a:lnRef>
+          <a:fillRef idx="2">
+            <a:schemeClr val="accent1"/>
+          </a:fillRef>
+          <a:effectRef idx="1">
+            <a:schemeClr val="accent1"/>
+          </a:effectRef>
+          <a:fontRef idx="minor">
+            <a:schemeClr val="dk1"/>
+          </a:fontRef>
+        </p:style>
+        <p:txBody>
+          <a:bodyPr rtlCol="0" anchor="ctr"/>
+          <a:lstStyle/>
+          <a:p>
+            <a:pPr algn="ctr"/>
+            <a:r>
+              <a:rPr lang="es-NL" sz="1100" dirty="0">
+                <a:latin typeface="DEJAVU SANS" panose="020B0603030804020204" pitchFamily="34" charset="0"/>
+                <a:ea typeface="DEJAVU SANS" panose="020B0603030804020204" pitchFamily="34" charset="0"/>
+                <a:cs typeface="DEJAVU SANS" panose="020B0603030804020204" pitchFamily="34" charset="0"/>
+              </a:rPr>
+              <a:t>1 x 1</a:t>
+            </a:r>
+          </a:p>
+        </p:txBody>
+      </p:sp>
+      <p:sp>
+        <p:nvSpPr>
+          <p:cNvPr id="125" name="Elipse 124">
+            <a:extLst>
+              <a:ext uri="{FF2B5EF4-FFF2-40B4-BE49-F238E27FC236}">
+                <a16:creationId xmlns:a16="http://schemas.microsoft.com/office/drawing/2014/main" id="{1EC18A4F-37C6-3045-AEF4-DED60D143740}"/>
+              </a:ext>
+            </a:extLst>
+          </p:cNvPr>
+          <p:cNvSpPr/>
+          <p:nvPr/>
+        </p:nvSpPr>
+        <p:spPr>
+          <a:xfrm>
+            <a:off x="6466291" y="2656838"/>
+            <a:ext cx="370800" cy="369332"/>
+          </a:xfrm>
+          <a:prstGeom prst="ellipse">
+            <a:avLst/>
+          </a:prstGeom>
+          <a:solidFill>
+            <a:srgbClr val="2FAE68"/>
+          </a:solidFill>
+          <a:ln>
+            <a:noFill/>
+          </a:ln>
+        </p:spPr>
+        <p:style>
+          <a:lnRef idx="1">
+            <a:schemeClr val="accent2"/>
+          </a:lnRef>
+          <a:fillRef idx="2">
+            <a:schemeClr val="accent2"/>
+          </a:fillRef>
+          <a:effectRef idx="1">
+            <a:schemeClr val="accent2"/>
+          </a:effectRef>
+          <a:fontRef idx="minor">
+            <a:schemeClr val="dk1"/>
+          </a:fontRef>
+        </p:style>
+        <p:txBody>
+          <a:bodyPr rtlCol="0" anchor="ctr"/>
+          <a:lstStyle/>
+          <a:p>
+            <a:pPr algn="ctr"/>
+            <a:endParaRPr lang="es-NL" sz="1400" dirty="0">
+              <a:latin typeface="DEJAVU SANS" panose="020B0603030804020204" pitchFamily="34" charset="0"/>
+              <a:ea typeface="DEJAVU SANS" panose="020B0603030804020204" pitchFamily="34" charset="0"/>
+              <a:cs typeface="DEJAVU SANS" panose="020B0603030804020204" pitchFamily="34" charset="0"/>
+            </a:endParaRPr>
+          </a:p>
+        </p:txBody>
+      </p:sp>
+      <mc:AlternateContent xmlns:mc="http://schemas.openxmlformats.org/markup-compatibility/2006">
+        <mc:Choice xmlns:a14="http://schemas.microsoft.com/office/drawing/2010/main" Requires="a14">
+          <p:sp>
+            <p:nvSpPr>
+              <p:cNvPr id="126" name="CuadroTexto 125">
+                <a:extLst>
+                  <a:ext uri="{FF2B5EF4-FFF2-40B4-BE49-F238E27FC236}">
+                    <a16:creationId xmlns:a16="http://schemas.microsoft.com/office/drawing/2014/main" id="{3AD9713F-8146-AC41-C1D5-3659752FAFE6}"/>
+                  </a:ext>
+                </a:extLst>
+              </p:cNvPr>
+              <p:cNvSpPr txBox="1"/>
+              <p:nvPr/>
+            </p:nvSpPr>
+            <p:spPr>
+              <a:xfrm>
+                <a:off x="6394113" y="2711608"/>
+                <a:ext cx="613694" cy="261610"/>
+              </a:xfrm>
+              <a:prstGeom prst="rect">
+                <a:avLst/>
+              </a:prstGeom>
+              <a:noFill/>
+            </p:spPr>
+            <p:txBody>
+              <a:bodyPr wrap="square" rtlCol="0">
+                <a:spAutoFit/>
+              </a:bodyPr>
+              <a:lstStyle/>
+              <a:p>
+                <a:r>
+                  <a:rPr lang="es-NL" sz="1100" dirty="0">
+                    <a:ea typeface="DEJAVU SANS" panose="020B0603030804020204" pitchFamily="34" charset="0"/>
+                    <a:cs typeface="DEJAVU SANS" panose="020B0603030804020204" pitchFamily="34" charset="0"/>
+                  </a:rPr>
+                  <a:t>ReLU</a:t>
+                </a:r>
+                <a14:m>
+                  <m:oMath xmlns:m="http://schemas.openxmlformats.org/officeDocument/2006/math">
+                    <m:r>
+                      <a:rPr lang="es-NL" sz="1100" i="1" dirty="0" smtClean="0">
+                        <a:latin typeface="DEJAVU SANS" panose="020B0603030804020204" pitchFamily="34" charset="0"/>
+                        <a:ea typeface="DEJAVU SANS" panose="020B0603030804020204" pitchFamily="34" charset="0"/>
+                        <a:cs typeface="DEJAVU SANS" panose="020B0603030804020204" pitchFamily="34" charset="0"/>
+                      </a:rPr>
+                      <m:t>⁡</m:t>
+                    </m:r>
+                  </m:oMath>
+                </a14:m>
+                <a:endParaRPr lang="es-NL" sz="1100" dirty="0">
+                  <a:latin typeface="DEJAVU SANS" panose="020B0603030804020204" pitchFamily="34" charset="0"/>
+                  <a:ea typeface="DEJAVU SANS" panose="020B0603030804020204" pitchFamily="34" charset="0"/>
+                  <a:cs typeface="DEJAVU SANS" panose="020B0603030804020204" pitchFamily="34" charset="0"/>
+                </a:endParaRPr>
+              </a:p>
+            </p:txBody>
+          </p:sp>
+        </mc:Choice>
+        <mc:Fallback>
+          <p:sp>
+            <p:nvSpPr>
+              <p:cNvPr id="126" name="CuadroTexto 125">
+                <a:extLst>
+                  <a:ext uri="{FF2B5EF4-FFF2-40B4-BE49-F238E27FC236}">
+                    <a16:creationId xmlns:a16="http://schemas.microsoft.com/office/drawing/2014/main" id="{3AD9713F-8146-AC41-C1D5-3659752FAFE6}"/>
+                  </a:ext>
+                </a:extLst>
+              </p:cNvPr>
+              <p:cNvSpPr txBox="1">
+                <a:spLocks noRot="1" noChangeAspect="1" noMove="1" noResize="1" noEditPoints="1" noAdjustHandles="1" noChangeArrowheads="1" noChangeShapeType="1" noTextEdit="1"/>
+              </p:cNvSpPr>
+              <p:nvPr/>
+            </p:nvSpPr>
+            <p:spPr>
+              <a:xfrm>
+                <a:off x="6394113" y="2711608"/>
+                <a:ext cx="613694" cy="261610"/>
+              </a:xfrm>
+              <a:prstGeom prst="rect">
+                <a:avLst/>
+              </a:prstGeom>
+              <a:blipFill>
+                <a:blip r:embed="rId11"/>
+                <a:stretch>
+                  <a:fillRect b="-9091"/>
+                </a:stretch>
+              </a:blipFill>
+            </p:spPr>
+            <p:txBody>
+              <a:bodyPr/>
+              <a:lstStyle/>
+              <a:p>
+                <a:r>
+                  <a:rPr lang="es-NL">
+                    <a:noFill/>
+                  </a:rPr>
+                  <a:t> </a:t>
+                </a:r>
+              </a:p>
+            </p:txBody>
+          </p:sp>
+        </mc:Fallback>
+      </mc:AlternateContent>
+      <p:sp>
+        <p:nvSpPr>
+          <p:cNvPr id="129" name="Rectángulo 128">
+            <a:extLst>
+              <a:ext uri="{FF2B5EF4-FFF2-40B4-BE49-F238E27FC236}">
+                <a16:creationId xmlns:a16="http://schemas.microsoft.com/office/drawing/2014/main" id="{791991E6-F9AF-9731-0D83-492677339137}"/>
+              </a:ext>
+            </a:extLst>
+          </p:cNvPr>
+          <p:cNvSpPr/>
+          <p:nvPr/>
+        </p:nvSpPr>
+        <p:spPr>
+          <a:xfrm>
+            <a:off x="7014499" y="2688683"/>
+            <a:ext cx="669508" cy="349096"/>
+          </a:xfrm>
+          <a:prstGeom prst="rect">
+            <a:avLst/>
+          </a:prstGeom>
+          <a:solidFill>
+            <a:srgbClr val="D96DD5"/>
+          </a:solidFill>
+          <a:ln>
+            <a:noFill/>
+          </a:ln>
+        </p:spPr>
+        <p:style>
+          <a:lnRef idx="1">
+            <a:schemeClr val="accent1"/>
+          </a:lnRef>
+          <a:fillRef idx="2">
+            <a:schemeClr val="accent1"/>
+          </a:fillRef>
+          <a:effectRef idx="1">
+            <a:schemeClr val="accent1"/>
+          </a:effectRef>
+          <a:fontRef idx="minor">
+            <a:schemeClr val="dk1"/>
+          </a:fontRef>
+        </p:style>
+        <p:txBody>
+          <a:bodyPr rtlCol="0" anchor="ctr"/>
+          <a:lstStyle/>
+          <a:p>
+            <a:pPr algn="ctr"/>
+            <a:r>
+              <a:rPr lang="es-NL" sz="1100" dirty="0">
+                <a:latin typeface="DEJAVU SANS" panose="020B0603030804020204" pitchFamily="34" charset="0"/>
+                <a:ea typeface="DEJAVU SANS" panose="020B0603030804020204" pitchFamily="34" charset="0"/>
+                <a:cs typeface="DEJAVU SANS" panose="020B0603030804020204" pitchFamily="34" charset="0"/>
+              </a:rPr>
+              <a:t>Dense</a:t>
+            </a:r>
+          </a:p>
+        </p:txBody>
+      </p:sp>
+      <p:sp>
+        <p:nvSpPr>
+          <p:cNvPr id="130" name="Elipse 129">
+            <a:extLst>
+              <a:ext uri="{FF2B5EF4-FFF2-40B4-BE49-F238E27FC236}">
+                <a16:creationId xmlns:a16="http://schemas.microsoft.com/office/drawing/2014/main" id="{EF166935-8E4D-20DE-80A0-7064EB05B58A}"/>
+              </a:ext>
+            </a:extLst>
+          </p:cNvPr>
+          <p:cNvSpPr/>
+          <p:nvPr/>
+        </p:nvSpPr>
+        <p:spPr>
+          <a:xfrm>
+            <a:off x="7830184" y="2637988"/>
+            <a:ext cx="370800" cy="369332"/>
+          </a:xfrm>
+          <a:prstGeom prst="ellipse">
+            <a:avLst/>
+          </a:prstGeom>
+          <a:solidFill>
+            <a:srgbClr val="2FAE68"/>
+          </a:solidFill>
+          <a:ln>
+            <a:noFill/>
+          </a:ln>
+        </p:spPr>
+        <p:style>
+          <a:lnRef idx="1">
+            <a:schemeClr val="accent2"/>
+          </a:lnRef>
+          <a:fillRef idx="2">
+            <a:schemeClr val="accent2"/>
+          </a:fillRef>
+          <a:effectRef idx="1">
+            <a:schemeClr val="accent2"/>
+          </a:effectRef>
+          <a:fontRef idx="minor">
+            <a:schemeClr val="dk1"/>
+          </a:fontRef>
+        </p:style>
+        <p:txBody>
+          <a:bodyPr rtlCol="0" anchor="ctr"/>
+          <a:lstStyle/>
+          <a:p>
+            <a:pPr algn="ctr"/>
+            <a:endParaRPr lang="es-NL" sz="1400" dirty="0">
+              <a:latin typeface="DEJAVU SANS" panose="020B0603030804020204" pitchFamily="34" charset="0"/>
+              <a:ea typeface="DEJAVU SANS" panose="020B0603030804020204" pitchFamily="34" charset="0"/>
+              <a:cs typeface="DEJAVU SANS" panose="020B0603030804020204" pitchFamily="34" charset="0"/>
+            </a:endParaRPr>
+          </a:p>
+        </p:txBody>
+      </p:sp>
+      <mc:AlternateContent xmlns:mc="http://schemas.openxmlformats.org/markup-compatibility/2006">
+        <mc:Choice xmlns:a14="http://schemas.microsoft.com/office/drawing/2010/main" Requires="a14">
+          <p:sp>
+            <p:nvSpPr>
+              <p:cNvPr id="131" name="CuadroTexto 130">
+                <a:extLst>
+                  <a:ext uri="{FF2B5EF4-FFF2-40B4-BE49-F238E27FC236}">
+                    <a16:creationId xmlns:a16="http://schemas.microsoft.com/office/drawing/2014/main" id="{F3979188-FC22-1232-86FD-75DD390CB297}"/>
+                  </a:ext>
+                </a:extLst>
+              </p:cNvPr>
+              <p:cNvSpPr txBox="1"/>
+              <p:nvPr/>
+            </p:nvSpPr>
+            <p:spPr>
+              <a:xfrm>
+                <a:off x="7764987" y="2711608"/>
+                <a:ext cx="613694" cy="261610"/>
+              </a:xfrm>
+              <a:prstGeom prst="rect">
+                <a:avLst/>
+              </a:prstGeom>
+              <a:noFill/>
+            </p:spPr>
+            <p:txBody>
+              <a:bodyPr wrap="square" rtlCol="0">
+                <a:spAutoFit/>
+              </a:bodyPr>
+              <a:lstStyle/>
+              <a:p>
+                <a:r>
+                  <a:rPr lang="es-NL" sz="1100" dirty="0">
+                    <a:ea typeface="DEJAVU SANS" panose="020B0603030804020204" pitchFamily="34" charset="0"/>
+                    <a:cs typeface="DEJAVU SANS" panose="020B0603030804020204" pitchFamily="34" charset="0"/>
+                  </a:rPr>
+                  <a:t>ReLU</a:t>
+                </a:r>
+                <a14:m>
+                  <m:oMath xmlns:m="http://schemas.openxmlformats.org/officeDocument/2006/math">
+                    <m:r>
+                      <a:rPr lang="es-NL" sz="1100" i="1" dirty="0" smtClean="0">
+                        <a:latin typeface="DEJAVU SANS" panose="020B0603030804020204" pitchFamily="34" charset="0"/>
+                        <a:ea typeface="DEJAVU SANS" panose="020B0603030804020204" pitchFamily="34" charset="0"/>
+                        <a:cs typeface="DEJAVU SANS" panose="020B0603030804020204" pitchFamily="34" charset="0"/>
+                      </a:rPr>
+                      <m:t>⁡</m:t>
+                    </m:r>
+                  </m:oMath>
+                </a14:m>
+                <a:endParaRPr lang="es-NL" sz="1100" dirty="0">
+                  <a:latin typeface="DEJAVU SANS" panose="020B0603030804020204" pitchFamily="34" charset="0"/>
+                  <a:ea typeface="DEJAVU SANS" panose="020B0603030804020204" pitchFamily="34" charset="0"/>
+                  <a:cs typeface="DEJAVU SANS" panose="020B0603030804020204" pitchFamily="34" charset="0"/>
+                </a:endParaRPr>
+              </a:p>
+            </p:txBody>
+          </p:sp>
+        </mc:Choice>
+        <mc:Fallback>
+          <p:sp>
+            <p:nvSpPr>
+              <p:cNvPr id="131" name="CuadroTexto 130">
+                <a:extLst>
+                  <a:ext uri="{FF2B5EF4-FFF2-40B4-BE49-F238E27FC236}">
+                    <a16:creationId xmlns:a16="http://schemas.microsoft.com/office/drawing/2014/main" id="{F3979188-FC22-1232-86FD-75DD390CB297}"/>
+                  </a:ext>
+                </a:extLst>
+              </p:cNvPr>
+              <p:cNvSpPr txBox="1">
+                <a:spLocks noRot="1" noChangeAspect="1" noMove="1" noResize="1" noEditPoints="1" noAdjustHandles="1" noChangeArrowheads="1" noChangeShapeType="1" noTextEdit="1"/>
+              </p:cNvSpPr>
+              <p:nvPr/>
+            </p:nvSpPr>
+            <p:spPr>
+              <a:xfrm>
+                <a:off x="7764987" y="2711608"/>
+                <a:ext cx="613694" cy="261610"/>
+              </a:xfrm>
+              <a:prstGeom prst="rect">
+                <a:avLst/>
+              </a:prstGeom>
+              <a:blipFill>
+                <a:blip r:embed="rId11"/>
+                <a:stretch>
+                  <a:fillRect b="-9091"/>
+                </a:stretch>
+              </a:blipFill>
+            </p:spPr>
+            <p:txBody>
+              <a:bodyPr/>
+              <a:lstStyle/>
+              <a:p>
+                <a:r>
+                  <a:rPr lang="es-NL">
+                    <a:noFill/>
+                  </a:rPr>
+                  <a:t> </a:t>
+                </a:r>
+              </a:p>
+            </p:txBody>
+          </p:sp>
+        </mc:Fallback>
+      </mc:AlternateContent>
+      <p:sp>
+        <p:nvSpPr>
+          <p:cNvPr id="132" name="Rectángulo 131">
+            <a:extLst>
+              <a:ext uri="{FF2B5EF4-FFF2-40B4-BE49-F238E27FC236}">
+                <a16:creationId xmlns:a16="http://schemas.microsoft.com/office/drawing/2014/main" id="{D3077CC1-3D68-1F8E-202B-B28BBC704FDC}"/>
+              </a:ext>
+            </a:extLst>
+          </p:cNvPr>
+          <p:cNvSpPr/>
+          <p:nvPr/>
+        </p:nvSpPr>
+        <p:spPr>
+          <a:xfrm>
+            <a:off x="8335408" y="2681788"/>
+            <a:ext cx="669508" cy="349096"/>
+          </a:xfrm>
+          <a:prstGeom prst="rect">
+            <a:avLst/>
+          </a:prstGeom>
+          <a:solidFill>
+            <a:srgbClr val="D96DD5"/>
+          </a:solidFill>
+          <a:ln>
+            <a:noFill/>
+          </a:ln>
+        </p:spPr>
+        <p:style>
+          <a:lnRef idx="1">
+            <a:schemeClr val="accent1"/>
+          </a:lnRef>
+          <a:fillRef idx="2">
+            <a:schemeClr val="accent1"/>
+          </a:fillRef>
+          <a:effectRef idx="1">
+            <a:schemeClr val="accent1"/>
+          </a:effectRef>
+          <a:fontRef idx="minor">
+            <a:schemeClr val="dk1"/>
+          </a:fontRef>
+        </p:style>
+        <p:txBody>
+          <a:bodyPr rtlCol="0" anchor="ctr"/>
+          <a:lstStyle/>
+          <a:p>
+            <a:pPr algn="ctr"/>
+            <a:r>
+              <a:rPr lang="es-NL" sz="1100" dirty="0">
+                <a:latin typeface="DEJAVU SANS" panose="020B0603030804020204" pitchFamily="34" charset="0"/>
+                <a:ea typeface="DEJAVU SANS" panose="020B0603030804020204" pitchFamily="34" charset="0"/>
+                <a:cs typeface="DEJAVU SANS" panose="020B0603030804020204" pitchFamily="34" charset="0"/>
+              </a:rPr>
+              <a:t>Dense</a:t>
+            </a:r>
+          </a:p>
+        </p:txBody>
+      </p:sp>
+      <p:sp>
+        <p:nvSpPr>
+          <p:cNvPr id="137" name="Rectángulo 136">
+            <a:extLst>
+              <a:ext uri="{FF2B5EF4-FFF2-40B4-BE49-F238E27FC236}">
+                <a16:creationId xmlns:a16="http://schemas.microsoft.com/office/drawing/2014/main" id="{C83FC5DF-03E0-CA6B-316A-168851A2F211}"/>
+              </a:ext>
+            </a:extLst>
+          </p:cNvPr>
+          <p:cNvSpPr/>
+          <p:nvPr/>
+        </p:nvSpPr>
+        <p:spPr>
+          <a:xfrm>
+            <a:off x="9165015" y="2677074"/>
+            <a:ext cx="669508" cy="349096"/>
+          </a:xfrm>
+          <a:prstGeom prst="rect">
+            <a:avLst/>
+          </a:prstGeom>
+          <a:solidFill>
+            <a:srgbClr val="2FAE68"/>
+          </a:solidFill>
+          <a:ln>
+            <a:noFill/>
+          </a:ln>
+        </p:spPr>
+        <p:style>
+          <a:lnRef idx="1">
+            <a:schemeClr val="accent2"/>
+          </a:lnRef>
+          <a:fillRef idx="2">
+            <a:schemeClr val="accent2"/>
+          </a:fillRef>
+          <a:effectRef idx="1">
+            <a:schemeClr val="accent2"/>
+          </a:effectRef>
+          <a:fontRef idx="minor">
+            <a:schemeClr val="dk1"/>
+          </a:fontRef>
+        </p:style>
+        <p:txBody>
+          <a:bodyPr rtlCol="0" anchor="ctr"/>
+          <a:lstStyle/>
+          <a:p>
+            <a:pPr algn="ctr"/>
+            <a:endParaRPr lang="es-NL" sz="1400" dirty="0">
+              <a:latin typeface="DEJAVU SANS" panose="020B0603030804020204" pitchFamily="34" charset="0"/>
+              <a:ea typeface="DEJAVU SANS" panose="020B0603030804020204" pitchFamily="34" charset="0"/>
+              <a:cs typeface="DEJAVU SANS" panose="020B0603030804020204" pitchFamily="34" charset="0"/>
+            </a:endParaRPr>
+          </a:p>
+        </p:txBody>
+      </p:sp>
+      <mc:AlternateContent xmlns:mc="http://schemas.openxmlformats.org/markup-compatibility/2006">
+        <mc:Choice xmlns:a14="http://schemas.microsoft.com/office/drawing/2010/main" Requires="a14">
+          <p:sp>
+            <p:nvSpPr>
+              <p:cNvPr id="136" name="CuadroTexto 135">
+                <a:extLst>
+                  <a:ext uri="{FF2B5EF4-FFF2-40B4-BE49-F238E27FC236}">
+                    <a16:creationId xmlns:a16="http://schemas.microsoft.com/office/drawing/2014/main" id="{E15306AA-045A-F0A2-F5A9-D554E3AE7760}"/>
+                  </a:ext>
+                </a:extLst>
+              </p:cNvPr>
+              <p:cNvSpPr txBox="1"/>
+              <p:nvPr/>
+            </p:nvSpPr>
+            <p:spPr>
+              <a:xfrm>
+                <a:off x="9104052" y="2702415"/>
+                <a:ext cx="840230" cy="261610"/>
+              </a:xfrm>
+              <a:prstGeom prst="rect">
+                <a:avLst/>
+              </a:prstGeom>
+              <a:noFill/>
+            </p:spPr>
+            <p:txBody>
+              <a:bodyPr wrap="square" rtlCol="0">
+                <a:spAutoFit/>
+              </a:bodyPr>
+              <a:lstStyle/>
+              <a:p>
+                <a:r>
+                  <a:rPr lang="es-NL" sz="1100" dirty="0">
+                    <a:ea typeface="DEJAVU SANS" panose="020B0603030804020204" pitchFamily="34" charset="0"/>
+                    <a:cs typeface="DEJAVU SANS" panose="020B0603030804020204" pitchFamily="34" charset="0"/>
+                  </a:rPr>
+                  <a:t> Softmax</a:t>
+                </a:r>
+                <a14:m>
+                  <m:oMath xmlns:m="http://schemas.openxmlformats.org/officeDocument/2006/math">
+                    <m:r>
+                      <a:rPr lang="es-NL" sz="1100" i="1" dirty="0" smtClean="0">
+                        <a:latin typeface="DEJAVU SANS" panose="020B0603030804020204" pitchFamily="34" charset="0"/>
+                        <a:ea typeface="DEJAVU SANS" panose="020B0603030804020204" pitchFamily="34" charset="0"/>
+                        <a:cs typeface="DEJAVU SANS" panose="020B0603030804020204" pitchFamily="34" charset="0"/>
+                      </a:rPr>
+                      <m:t>⁡</m:t>
+                    </m:r>
+                  </m:oMath>
+                </a14:m>
+                <a:endParaRPr lang="es-NL" sz="1100" dirty="0">
+                  <a:latin typeface="DEJAVU SANS" panose="020B0603030804020204" pitchFamily="34" charset="0"/>
+                  <a:ea typeface="DEJAVU SANS" panose="020B0603030804020204" pitchFamily="34" charset="0"/>
+                  <a:cs typeface="DEJAVU SANS" panose="020B0603030804020204" pitchFamily="34" charset="0"/>
+                </a:endParaRPr>
+              </a:p>
+            </p:txBody>
+          </p:sp>
+        </mc:Choice>
+        <mc:Fallback>
+          <p:sp>
+            <p:nvSpPr>
+              <p:cNvPr id="136" name="CuadroTexto 135">
+                <a:extLst>
+                  <a:ext uri="{FF2B5EF4-FFF2-40B4-BE49-F238E27FC236}">
+                    <a16:creationId xmlns:a16="http://schemas.microsoft.com/office/drawing/2014/main" id="{E15306AA-045A-F0A2-F5A9-D554E3AE7760}"/>
+                  </a:ext>
+                </a:extLst>
+              </p:cNvPr>
+              <p:cNvSpPr txBox="1">
+                <a:spLocks noRot="1" noChangeAspect="1" noMove="1" noResize="1" noEditPoints="1" noAdjustHandles="1" noChangeArrowheads="1" noChangeShapeType="1" noTextEdit="1"/>
+              </p:cNvSpPr>
+              <p:nvPr/>
+            </p:nvSpPr>
+            <p:spPr>
+              <a:xfrm>
+                <a:off x="9104052" y="2702415"/>
+                <a:ext cx="840230" cy="261610"/>
+              </a:xfrm>
+              <a:prstGeom prst="rect">
+                <a:avLst/>
+              </a:prstGeom>
+              <a:blipFill>
+                <a:blip r:embed="rId12"/>
+                <a:stretch>
+                  <a:fillRect b="-13636"/>
+                </a:stretch>
+              </a:blipFill>
+            </p:spPr>
+            <p:txBody>
+              <a:bodyPr/>
+              <a:lstStyle/>
+              <a:p>
+                <a:r>
+                  <a:rPr lang="es-NL">
+                    <a:noFill/>
+                  </a:rPr>
+                  <a:t> </a:t>
+                </a:r>
+              </a:p>
+            </p:txBody>
+          </p:sp>
+        </mc:Fallback>
+      </mc:AlternateContent>
+      <p:cxnSp>
+        <p:nvCxnSpPr>
+          <p:cNvPr id="99" name="Conector recto de flecha 98">
+            <a:extLst>
+              <a:ext uri="{FF2B5EF4-FFF2-40B4-BE49-F238E27FC236}">
+                <a16:creationId xmlns:a16="http://schemas.microsoft.com/office/drawing/2014/main" id="{ABF5F742-E3C3-8821-D73D-4B0C4F0ABBBA}"/>
+              </a:ext>
+            </a:extLst>
+          </p:cNvPr>
+          <p:cNvCxnSpPr>
+            <a:cxnSpLocks/>
+          </p:cNvCxnSpPr>
+          <p:nvPr/>
+        </p:nvCxnSpPr>
+        <p:spPr>
+          <a:xfrm flipV="1">
+            <a:off x="3420506" y="3169684"/>
+            <a:ext cx="0" cy="511979"/>
+          </a:xfrm>
+          <a:prstGeom prst="straightConnector1">
+            <a:avLst/>
+          </a:prstGeom>
+          <a:ln>
+            <a:solidFill>
+              <a:schemeClr val="tx1"/>
+            </a:solidFill>
+            <a:tailEnd type="triangle"/>
+          </a:ln>
+        </p:spPr>
+        <p:style>
+          <a:lnRef idx="1">
+            <a:schemeClr val="accent1"/>
+          </a:lnRef>
+          <a:fillRef idx="0">
+            <a:schemeClr val="accent1"/>
+          </a:fillRef>
+          <a:effectRef idx="0">
+            <a:schemeClr val="accent1"/>
+          </a:effectRef>
+          <a:fontRef idx="minor">
+            <a:schemeClr val="tx1"/>
+          </a:fontRef>
+        </p:style>
+      </p:cxnSp>
+      <p:cxnSp>
+        <p:nvCxnSpPr>
+          <p:cNvPr id="89" name="Conector recto de flecha 88">
+            <a:extLst>
+              <a:ext uri="{FF2B5EF4-FFF2-40B4-BE49-F238E27FC236}">
+                <a16:creationId xmlns:a16="http://schemas.microsoft.com/office/drawing/2014/main" id="{B52EEADF-57A0-8F3E-24D1-F1896ACB6FA7}"/>
+              </a:ext>
+            </a:extLst>
+          </p:cNvPr>
+          <p:cNvCxnSpPr>
+            <a:cxnSpLocks/>
+          </p:cNvCxnSpPr>
+          <p:nvPr/>
+        </p:nvCxnSpPr>
+        <p:spPr>
+          <a:xfrm flipV="1">
+            <a:off x="3422215" y="3644846"/>
+            <a:ext cx="0" cy="1076980"/>
+          </a:xfrm>
+          <a:prstGeom prst="straightConnector1">
+            <a:avLst/>
+          </a:prstGeom>
+          <a:ln>
+            <a:solidFill>
+              <a:schemeClr val="tx1"/>
+            </a:solidFill>
+            <a:tailEnd type="triangle"/>
+          </a:ln>
+        </p:spPr>
+        <p:style>
+          <a:lnRef idx="1">
+            <a:schemeClr val="accent1"/>
+          </a:lnRef>
+          <a:fillRef idx="0">
+            <a:schemeClr val="accent1"/>
+          </a:fillRef>
+          <a:effectRef idx="0">
+            <a:schemeClr val="accent1"/>
+          </a:effectRef>
+          <a:fontRef idx="minor">
+            <a:schemeClr val="tx1"/>
+          </a:fontRef>
+        </p:style>
+      </p:cxnSp>
+      <mc:AlternateContent xmlns:mc="http://schemas.openxmlformats.org/markup-compatibility/2006">
+        <mc:Choice xmlns:a14="http://schemas.microsoft.com/office/drawing/2010/main" Requires="a14">
+          <p:sp>
+            <p:nvSpPr>
+              <p:cNvPr id="35" name="Rectángulo 34">
+                <a:extLst>
+                  <a:ext uri="{FF2B5EF4-FFF2-40B4-BE49-F238E27FC236}">
+                    <a16:creationId xmlns:a16="http://schemas.microsoft.com/office/drawing/2014/main" id="{EF6BBB85-98AB-EFC2-D10E-6C46FBC9FE4A}"/>
+                  </a:ext>
+                </a:extLst>
+              </p:cNvPr>
+              <p:cNvSpPr/>
+              <p:nvPr/>
+            </p:nvSpPr>
+            <p:spPr>
+              <a:xfrm>
+                <a:off x="2898943" y="3793717"/>
+                <a:ext cx="995956" cy="730800"/>
+              </a:xfrm>
+              <a:prstGeom prst="rect">
+                <a:avLst/>
+              </a:prstGeom>
+              <a:solidFill>
+                <a:srgbClr val="6495ED"/>
+              </a:solidFill>
+              <a:ln>
+                <a:noFill/>
+              </a:ln>
+            </p:spPr>
+            <p:style>
+              <a:lnRef idx="1">
+                <a:schemeClr val="accent1"/>
+              </a:lnRef>
+              <a:fillRef idx="2">
+                <a:schemeClr val="accent1"/>
+              </a:fillRef>
+              <a:effectRef idx="1">
+                <a:schemeClr val="accent1"/>
+              </a:effectRef>
+              <a:fontRef idx="minor">
+                <a:schemeClr val="dk1"/>
+              </a:fontRef>
+            </p:style>
+            <p:txBody>
+              <a:bodyPr rtlCol="0" anchor="ctr"/>
+              <a:lstStyle/>
+              <a:p>
+                <a:pPr algn="ctr"/>
+                <a:r>
+                  <a:rPr lang="es-NL" sz="900" dirty="0">
+                    <a:latin typeface="DEJAVU SANS" panose="020B0603030804020204" pitchFamily="34" charset="0"/>
+                    <a:ea typeface="DEJAVU SANS" panose="020B0603030804020204" pitchFamily="34" charset="0"/>
+                    <a:cs typeface="DEJAVU SANS" panose="020B0603030804020204" pitchFamily="34" charset="0"/>
+                  </a:rPr>
+                  <a:t>Conv1D</a:t>
+                </a:r>
+              </a:p>
+              <a:p>
+                <a:pPr algn="ctr"/>
+                <a14:m>
+                  <m:oMathPara xmlns:m="http://schemas.openxmlformats.org/officeDocument/2006/math">
+                    <m:oMathParaPr>
+                      <m:jc m:val="centerGroup"/>
+                    </m:oMathParaPr>
+                    <m:oMath xmlns:m="http://schemas.openxmlformats.org/officeDocument/2006/math">
+                      <m:r>
+                        <a:rPr lang="en-US" sz="900" b="0" i="1" smtClean="0">
+                          <a:latin typeface="Cambria Math" panose="02040503050406030204" pitchFamily="18" charset="0"/>
+                          <a:ea typeface="DEJAVU SANS" panose="020B0603030804020204" pitchFamily="34" charset="0"/>
+                          <a:cs typeface="DEJAVU SANS" panose="020B0603030804020204" pitchFamily="34" charset="0"/>
+                        </a:rPr>
+                        <m:t>𝑓</m:t>
+                      </m:r>
+                      <m:r>
+                        <a:rPr lang="en-US" sz="900" b="0" i="1" smtClean="0">
+                          <a:latin typeface="Cambria Math" panose="02040503050406030204" pitchFamily="18" charset="0"/>
+                          <a:ea typeface="DEJAVU SANS" panose="020B0603030804020204" pitchFamily="34" charset="0"/>
+                          <a:cs typeface="DEJAVU SANS" panose="020B0603030804020204" pitchFamily="34" charset="0"/>
+                        </a:rPr>
+                        <m:t>=64</m:t>
+                      </m:r>
+                    </m:oMath>
+                  </m:oMathPara>
+                </a14:m>
+                <a:endParaRPr lang="en-US" sz="900" b="0" dirty="0">
+                  <a:latin typeface="DEJAVU SANS" panose="020B0603030804020204" pitchFamily="34" charset="0"/>
+                  <a:ea typeface="DEJAVU SANS" panose="020B0603030804020204" pitchFamily="34" charset="0"/>
+                  <a:cs typeface="DEJAVU SANS" panose="020B0603030804020204" pitchFamily="34" charset="0"/>
+                </a:endParaRPr>
+              </a:p>
+              <a:p>
+                <a:pPr algn="ctr"/>
+                <a14:m>
+                  <m:oMathPara xmlns:m="http://schemas.openxmlformats.org/officeDocument/2006/math">
+                    <m:oMathParaPr>
+                      <m:jc m:val="centerGroup"/>
+                    </m:oMathParaPr>
+                    <m:oMath xmlns:m="http://schemas.openxmlformats.org/officeDocument/2006/math">
+                      <m:r>
+                        <a:rPr lang="en-US" sz="900" b="0" i="1" smtClean="0">
+                          <a:latin typeface="Cambria Math" panose="02040503050406030204" pitchFamily="18" charset="0"/>
+                          <a:ea typeface="DEJAVU SANS" panose="020B0603030804020204" pitchFamily="34" charset="0"/>
+                          <a:cs typeface="DEJAVU SANS" panose="020B0603030804020204" pitchFamily="34" charset="0"/>
+                        </a:rPr>
+                        <m:t>𝑘</m:t>
+                      </m:r>
+                      <m:r>
+                        <a:rPr lang="en-US" sz="900" b="0" i="1" smtClean="0">
+                          <a:latin typeface="Cambria Math" panose="02040503050406030204" pitchFamily="18" charset="0"/>
+                          <a:ea typeface="DEJAVU SANS" panose="020B0603030804020204" pitchFamily="34" charset="0"/>
+                          <a:cs typeface="DEJAVU SANS" panose="020B0603030804020204" pitchFamily="34" charset="0"/>
+                        </a:rPr>
+                        <m:t>=16</m:t>
+                      </m:r>
+                    </m:oMath>
+                  </m:oMathPara>
+                </a14:m>
+                <a:endParaRPr lang="en-US" sz="900" b="0" dirty="0">
+                  <a:latin typeface="DEJAVU SANS" panose="020B0603030804020204" pitchFamily="34" charset="0"/>
+                  <a:ea typeface="DEJAVU SANS" panose="020B0603030804020204" pitchFamily="34" charset="0"/>
+                  <a:cs typeface="DEJAVU SANS" panose="020B0603030804020204" pitchFamily="34" charset="0"/>
+                </a:endParaRPr>
+              </a:p>
+              <a:p>
+                <a:pPr algn="ctr"/>
+                <a14:m>
+                  <m:oMathPara xmlns:m="http://schemas.openxmlformats.org/officeDocument/2006/math">
+                    <m:oMathParaPr>
+                      <m:jc m:val="centerGroup"/>
+                    </m:oMathParaPr>
+                    <m:oMath xmlns:m="http://schemas.openxmlformats.org/officeDocument/2006/math">
+                      <m:r>
+                        <a:rPr lang="en-US" sz="900" b="0" i="1" smtClean="0">
+                          <a:latin typeface="Cambria Math" panose="02040503050406030204" pitchFamily="18" charset="0"/>
+                          <a:ea typeface="DEJAVU SANS" panose="020B0603030804020204" pitchFamily="34" charset="0"/>
+                          <a:cs typeface="DEJAVU SANS" panose="020B0603030804020204" pitchFamily="34" charset="0"/>
+                        </a:rPr>
+                        <m:t>𝑑</m:t>
+                      </m:r>
+                      <m:r>
+                        <a:rPr lang="en-US" sz="900" b="0" i="1" smtClean="0">
+                          <a:latin typeface="Cambria Math" panose="02040503050406030204" pitchFamily="18" charset="0"/>
+                          <a:ea typeface="DEJAVU SANS" panose="020B0603030804020204" pitchFamily="34" charset="0"/>
+                          <a:cs typeface="DEJAVU SANS" panose="020B0603030804020204" pitchFamily="34" charset="0"/>
+                        </a:rPr>
+                        <m:t>=</m:t>
+                      </m:r>
+                      <m:sSup>
+                        <m:sSupPr>
+                          <m:ctrlPr>
+                            <a:rPr lang="en-US" sz="900" b="0" i="1" smtClean="0">
+                              <a:latin typeface="Cambria Math" panose="02040503050406030204" pitchFamily="18" charset="0"/>
+                              <a:ea typeface="DEJAVU SANS" panose="020B0603030804020204" pitchFamily="34" charset="0"/>
+                              <a:cs typeface="DEJAVU SANS" panose="020B0603030804020204" pitchFamily="34" charset="0"/>
+                            </a:rPr>
+                          </m:ctrlPr>
+                        </m:sSupPr>
+                        <m:e>
+                          <m:r>
+                            <a:rPr lang="en-US" sz="900" b="0" i="1" smtClean="0">
+                              <a:latin typeface="Cambria Math" panose="02040503050406030204" pitchFamily="18" charset="0"/>
+                              <a:ea typeface="DEJAVU SANS" panose="020B0603030804020204" pitchFamily="34" charset="0"/>
+                              <a:cs typeface="DEJAVU SANS" panose="020B0603030804020204" pitchFamily="34" charset="0"/>
+                            </a:rPr>
+                            <m:t>2</m:t>
+                          </m:r>
+                        </m:e>
+                        <m:sup>
+                          <m:r>
+                            <a:rPr lang="en-US" sz="900" b="0" i="1" smtClean="0">
+                              <a:latin typeface="Cambria Math" panose="02040503050406030204" pitchFamily="18" charset="0"/>
+                              <a:ea typeface="DEJAVU SANS" panose="020B0603030804020204" pitchFamily="34" charset="0"/>
+                              <a:cs typeface="DEJAVU SANS" panose="020B0603030804020204" pitchFamily="34" charset="0"/>
+                            </a:rPr>
+                            <m:t>𝑘</m:t>
+                          </m:r>
+                        </m:sup>
+                      </m:sSup>
+                    </m:oMath>
+                  </m:oMathPara>
+                </a14:m>
+                <a:endParaRPr lang="es-NL" sz="900" dirty="0">
+                  <a:latin typeface="DEJAVU SANS" panose="020B0603030804020204" pitchFamily="34" charset="0"/>
+                  <a:ea typeface="DEJAVU SANS" panose="020B0603030804020204" pitchFamily="34" charset="0"/>
+                  <a:cs typeface="DEJAVU SANS" panose="020B0603030804020204" pitchFamily="34" charset="0"/>
+                </a:endParaRPr>
+              </a:p>
+              <a:p>
+                <a:pPr algn="ctr"/>
+                <a14:m>
+                  <m:oMathPara xmlns:m="http://schemas.openxmlformats.org/officeDocument/2006/math">
+                    <m:oMathParaPr>
+                      <m:jc m:val="centerGroup"/>
+                    </m:oMathParaPr>
+                    <m:oMath xmlns:m="http://schemas.openxmlformats.org/officeDocument/2006/math">
+                      <m:r>
+                        <a:rPr lang="en-US" sz="900" b="0" i="1" smtClean="0">
+                          <a:latin typeface="Cambria Math" panose="02040503050406030204" pitchFamily="18" charset="0"/>
+                          <a:ea typeface="DEJAVU SANS" panose="020B0603030804020204" pitchFamily="34" charset="0"/>
+                          <a:cs typeface="DEJAVU SANS" panose="020B0603030804020204" pitchFamily="34" charset="0"/>
+                        </a:rPr>
+                        <m:t>𝑝</m:t>
+                      </m:r>
+                      <m:r>
+                        <a:rPr lang="en-US" sz="900" b="0" i="1" smtClean="0">
+                          <a:latin typeface="Cambria Math" panose="02040503050406030204" pitchFamily="18" charset="0"/>
+                          <a:ea typeface="DEJAVU SANS" panose="020B0603030804020204" pitchFamily="34" charset="0"/>
+                          <a:cs typeface="DEJAVU SANS" panose="020B0603030804020204" pitchFamily="34" charset="0"/>
+                        </a:rPr>
+                        <m:t>=</m:t>
+                      </m:r>
+                      <m:d>
+                        <m:dPr>
+                          <m:ctrlPr>
+                            <a:rPr lang="en-US" sz="900" b="0" i="1" smtClean="0">
+                              <a:latin typeface="Cambria Math" panose="02040503050406030204" pitchFamily="18" charset="0"/>
+                              <a:ea typeface="DEJAVU SANS" panose="020B0603030804020204" pitchFamily="34" charset="0"/>
+                              <a:cs typeface="DEJAVU SANS" panose="020B0603030804020204" pitchFamily="34" charset="0"/>
+                            </a:rPr>
+                          </m:ctrlPr>
+                        </m:dPr>
+                        <m:e>
+                          <m:r>
+                            <a:rPr lang="en-US" sz="900" b="0" i="1" smtClean="0">
+                              <a:latin typeface="Cambria Math" panose="02040503050406030204" pitchFamily="18" charset="0"/>
+                              <a:ea typeface="DEJAVU SANS" panose="020B0603030804020204" pitchFamily="34" charset="0"/>
+                              <a:cs typeface="DEJAVU SANS" panose="020B0603030804020204" pitchFamily="34" charset="0"/>
+                            </a:rPr>
+                            <m:t>𝑘</m:t>
+                          </m:r>
+                          <m:r>
+                            <a:rPr lang="en-US" sz="900" b="0" i="1" smtClean="0">
+                              <a:latin typeface="Cambria Math" panose="02040503050406030204" pitchFamily="18" charset="0"/>
+                              <a:ea typeface="DEJAVU SANS" panose="020B0603030804020204" pitchFamily="34" charset="0"/>
+                              <a:cs typeface="DEJAVU SANS" panose="020B0603030804020204" pitchFamily="34" charset="0"/>
+                            </a:rPr>
+                            <m:t> −1</m:t>
+                          </m:r>
+                        </m:e>
+                      </m:d>
+                      <m:r>
+                        <a:rPr lang="en-US" sz="900" b="0" i="1" smtClean="0">
+                          <a:latin typeface="Cambria Math" panose="02040503050406030204" pitchFamily="18" charset="0"/>
+                          <a:ea typeface="Cambria Math" panose="02040503050406030204" pitchFamily="18" charset="0"/>
+                          <a:cs typeface="DEJAVU SANS" panose="020B0603030804020204" pitchFamily="34" charset="0"/>
+                        </a:rPr>
+                        <m:t>× </m:t>
+                      </m:r>
+                      <m:r>
+                        <a:rPr lang="en-US" sz="900" b="0" i="1" smtClean="0">
+                          <a:latin typeface="Cambria Math" panose="02040503050406030204" pitchFamily="18" charset="0"/>
+                          <a:ea typeface="Cambria Math" panose="02040503050406030204" pitchFamily="18" charset="0"/>
+                          <a:cs typeface="DEJAVU SANS" panose="020B0603030804020204" pitchFamily="34" charset="0"/>
+                        </a:rPr>
+                        <m:t>𝑑</m:t>
+                      </m:r>
+                    </m:oMath>
+                  </m:oMathPara>
+                </a14:m>
+                <a:endParaRPr lang="es-NL" sz="900" dirty="0">
+                  <a:latin typeface="DEJAVU SANS" panose="020B0603030804020204" pitchFamily="34" charset="0"/>
+                  <a:ea typeface="DEJAVU SANS" panose="020B0603030804020204" pitchFamily="34" charset="0"/>
+                  <a:cs typeface="DEJAVU SANS" panose="020B0603030804020204" pitchFamily="34" charset="0"/>
+                </a:endParaRPr>
+              </a:p>
+            </p:txBody>
+          </p:sp>
+        </mc:Choice>
+        <mc:Fallback>
+          <p:sp>
+            <p:nvSpPr>
+              <p:cNvPr id="35" name="Rectángulo 34">
+                <a:extLst>
+                  <a:ext uri="{FF2B5EF4-FFF2-40B4-BE49-F238E27FC236}">
+                    <a16:creationId xmlns:a16="http://schemas.microsoft.com/office/drawing/2014/main" id="{EF6BBB85-98AB-EFC2-D10E-6C46FBC9FE4A}"/>
+                  </a:ext>
+                </a:extLst>
+              </p:cNvPr>
+              <p:cNvSpPr>
+                <a:spLocks noRot="1" noChangeAspect="1" noMove="1" noResize="1" noEditPoints="1" noAdjustHandles="1" noChangeArrowheads="1" noChangeShapeType="1" noTextEdit="1"/>
+              </p:cNvSpPr>
+              <p:nvPr/>
+            </p:nvSpPr>
+            <p:spPr>
+              <a:xfrm>
+                <a:off x="2898943" y="3793717"/>
+                <a:ext cx="995956" cy="730800"/>
+              </a:xfrm>
+              <a:prstGeom prst="rect">
+                <a:avLst/>
+              </a:prstGeom>
+              <a:blipFill>
+                <a:blip r:embed="rId13"/>
+                <a:stretch>
+                  <a:fillRect t="-1695" b="-5085"/>
+                </a:stretch>
+              </a:blipFill>
+              <a:ln>
+                <a:noFill/>
+              </a:ln>
+            </p:spPr>
+            <p:txBody>
+              <a:bodyPr/>
+              <a:lstStyle/>
+              <a:p>
+                <a:r>
+                  <a:rPr lang="es-NL">
+                    <a:noFill/>
+                  </a:rPr>
+                  <a:t> </a:t>
+                </a:r>
+              </a:p>
+            </p:txBody>
+          </p:sp>
+        </mc:Fallback>
+      </mc:AlternateContent>
+      <p:sp>
+        <p:nvSpPr>
+          <p:cNvPr id="140" name="CuadroTexto 139">
+            <a:extLst>
+              <a:ext uri="{FF2B5EF4-FFF2-40B4-BE49-F238E27FC236}">
+                <a16:creationId xmlns:a16="http://schemas.microsoft.com/office/drawing/2014/main" id="{7DEFE365-7576-7FCD-94F3-1B997C4C8985}"/>
+              </a:ext>
+            </a:extLst>
+          </p:cNvPr>
+          <p:cNvSpPr txBox="1"/>
+          <p:nvPr/>
+        </p:nvSpPr>
+        <p:spPr>
+          <a:xfrm>
+            <a:off x="9925297" y="2715036"/>
+            <a:ext cx="808235" cy="261610"/>
+          </a:xfrm>
+          <a:prstGeom prst="rect">
+            <a:avLst/>
+          </a:prstGeom>
+          <a:noFill/>
+        </p:spPr>
+        <p:txBody>
+          <a:bodyPr wrap="square" rtlCol="0">
+            <a:spAutoFit/>
+          </a:bodyPr>
+          <a:lstStyle/>
+          <a:p>
+            <a:r>
+              <a:rPr lang="es-NL" sz="1100" dirty="0">
+                <a:latin typeface="DEJAVU SANS" panose="020B0603030804020204" pitchFamily="34" charset="0"/>
+                <a:ea typeface="DEJAVU SANS" panose="020B0603030804020204" pitchFamily="34" charset="0"/>
+                <a:cs typeface="DEJAVU SANS" panose="020B0603030804020204" pitchFamily="34" charset="0"/>
+              </a:rPr>
+              <a:t>Output</a:t>
+            </a:r>
+          </a:p>
+        </p:txBody>
+      </p:sp>
+      <p:cxnSp>
+        <p:nvCxnSpPr>
+          <p:cNvPr id="142" name="Conector recto de flecha 141">
+            <a:extLst>
+              <a:ext uri="{FF2B5EF4-FFF2-40B4-BE49-F238E27FC236}">
+                <a16:creationId xmlns:a16="http://schemas.microsoft.com/office/drawing/2014/main" id="{3DAB518B-A880-83AE-0C72-5BD9F17B5953}"/>
+              </a:ext>
+            </a:extLst>
+          </p:cNvPr>
+          <p:cNvCxnSpPr>
+            <a:cxnSpLocks/>
+          </p:cNvCxnSpPr>
+          <p:nvPr/>
+        </p:nvCxnSpPr>
+        <p:spPr>
+          <a:xfrm flipV="1">
+            <a:off x="2608115" y="4938943"/>
+            <a:ext cx="0" cy="291009"/>
+          </a:xfrm>
+          <a:prstGeom prst="straightConnector1">
+            <a:avLst/>
+          </a:prstGeom>
+          <a:ln>
+            <a:solidFill>
+              <a:schemeClr val="tx1"/>
+            </a:solidFill>
+            <a:tailEnd type="triangle"/>
+          </a:ln>
+        </p:spPr>
+        <p:style>
+          <a:lnRef idx="1">
+            <a:schemeClr val="accent1"/>
+          </a:lnRef>
+          <a:fillRef idx="0">
+            <a:schemeClr val="accent1"/>
+          </a:fillRef>
+          <a:effectRef idx="0">
+            <a:schemeClr val="accent1"/>
+          </a:effectRef>
+          <a:fontRef idx="minor">
+            <a:schemeClr val="tx1"/>
+          </a:fontRef>
+        </p:style>
+      </p:cxnSp>
+      <mc:AlternateContent xmlns:mc="http://schemas.openxmlformats.org/markup-compatibility/2006">
+        <mc:Choice xmlns:a14="http://schemas.microsoft.com/office/drawing/2010/main" Requires="a14">
+          <p:sp>
+            <p:nvSpPr>
+              <p:cNvPr id="144" name="CuadroTexto 143">
+                <a:extLst>
+                  <a:ext uri="{FF2B5EF4-FFF2-40B4-BE49-F238E27FC236}">
+                    <a16:creationId xmlns:a16="http://schemas.microsoft.com/office/drawing/2014/main" id="{1558261C-E4D8-19F5-AD3E-0256F1DFBA71}"/>
+                  </a:ext>
+                </a:extLst>
+              </p:cNvPr>
+              <p:cNvSpPr txBox="1"/>
+              <p:nvPr/>
+            </p:nvSpPr>
+            <p:spPr>
+              <a:xfrm>
+                <a:off x="2208033" y="5193974"/>
+                <a:ext cx="719941" cy="276999"/>
+              </a:xfrm>
+              <a:prstGeom prst="rect">
+                <a:avLst/>
+              </a:prstGeom>
+              <a:noFill/>
+            </p:spPr>
+            <p:txBody>
+              <a:bodyPr wrap="none" rtlCol="0">
+                <a:spAutoFit/>
+              </a:bodyPr>
+              <a:lstStyle/>
+              <a:p>
+                <a:r>
+                  <a:rPr lang="es-NL" sz="1200" dirty="0">
+                    <a:latin typeface="DEJAVU SANS" panose="020B0603030804020204" pitchFamily="34" charset="0"/>
+                    <a:ea typeface="DEJAVU SANS" panose="020B0603030804020204" pitchFamily="34" charset="0"/>
+                    <a:cs typeface="DEJAVU SANS" panose="020B0603030804020204" pitchFamily="34" charset="0"/>
+                  </a:rPr>
+                  <a:t>Input </a:t>
+                </a:r>
+                <a14:m>
+                  <m:oMath xmlns:m="http://schemas.openxmlformats.org/officeDocument/2006/math">
+                    <m:r>
+                      <a:rPr lang="en-US" sz="1200" b="0" i="1" smtClean="0">
+                        <a:latin typeface="Cambria Math" panose="02040503050406030204" pitchFamily="18" charset="0"/>
+                        <a:ea typeface="DEJAVU SANS" panose="020B0603030804020204" pitchFamily="34" charset="0"/>
+                        <a:cs typeface="DEJAVU SANS" panose="020B0603030804020204" pitchFamily="34" charset="0"/>
+                      </a:rPr>
+                      <m:t>𝑥</m:t>
+                    </m:r>
+                  </m:oMath>
+                </a14:m>
+                <a:endParaRPr lang="es-NL" sz="1200" dirty="0">
+                  <a:latin typeface="DEJAVU SANS" panose="020B0603030804020204" pitchFamily="34" charset="0"/>
+                  <a:ea typeface="DEJAVU SANS" panose="020B0603030804020204" pitchFamily="34" charset="0"/>
+                  <a:cs typeface="DEJAVU SANS" panose="020B0603030804020204" pitchFamily="34" charset="0"/>
+                </a:endParaRPr>
+              </a:p>
+            </p:txBody>
+          </p:sp>
+        </mc:Choice>
+        <mc:Fallback>
+          <p:sp>
+            <p:nvSpPr>
+              <p:cNvPr id="144" name="CuadroTexto 143">
+                <a:extLst>
+                  <a:ext uri="{FF2B5EF4-FFF2-40B4-BE49-F238E27FC236}">
+                    <a16:creationId xmlns:a16="http://schemas.microsoft.com/office/drawing/2014/main" id="{1558261C-E4D8-19F5-AD3E-0256F1DFBA71}"/>
+                  </a:ext>
+                </a:extLst>
+              </p:cNvPr>
+              <p:cNvSpPr txBox="1">
+                <a:spLocks noRot="1" noChangeAspect="1" noMove="1" noResize="1" noEditPoints="1" noAdjustHandles="1" noChangeArrowheads="1" noChangeShapeType="1" noTextEdit="1"/>
+              </p:cNvSpPr>
+              <p:nvPr/>
+            </p:nvSpPr>
+            <p:spPr>
+              <a:xfrm>
+                <a:off x="2208033" y="5193974"/>
+                <a:ext cx="719941" cy="276999"/>
+              </a:xfrm>
+              <a:prstGeom prst="rect">
+                <a:avLst/>
+              </a:prstGeom>
+              <a:blipFill>
+                <a:blip r:embed="rId14"/>
+                <a:stretch>
+                  <a:fillRect b="-13043"/>
+                </a:stretch>
+              </a:blipFill>
+            </p:spPr>
+            <p:txBody>
+              <a:bodyPr/>
+              <a:lstStyle/>
+              <a:p>
+                <a:r>
+                  <a:rPr lang="es-NL">
+                    <a:noFill/>
+                  </a:rPr>
+                  <a:t> </a:t>
+                </a:r>
+              </a:p>
+            </p:txBody>
+          </p:sp>
+        </mc:Fallback>
+      </mc:AlternateContent>
+      <p:sp>
+        <p:nvSpPr>
+          <p:cNvPr id="2" name="CuadroTexto 1">
+            <a:extLst>
+              <a:ext uri="{FF2B5EF4-FFF2-40B4-BE49-F238E27FC236}">
+                <a16:creationId xmlns:a16="http://schemas.microsoft.com/office/drawing/2014/main" id="{2B46D51D-3D35-2E7B-A5D4-FB78703F8E14}"/>
+              </a:ext>
+            </a:extLst>
+          </p:cNvPr>
+          <p:cNvSpPr txBox="1"/>
+          <p:nvPr/>
+        </p:nvSpPr>
+        <p:spPr>
+          <a:xfrm>
+            <a:off x="6898437" y="3012790"/>
+            <a:ext cx="942887" cy="261610"/>
+          </a:xfrm>
+          <a:prstGeom prst="rect">
+            <a:avLst/>
+          </a:prstGeom>
+          <a:noFill/>
+        </p:spPr>
+        <p:txBody>
+          <a:bodyPr wrap="square" rtlCol="0">
+            <a:spAutoFit/>
+          </a:bodyPr>
+          <a:lstStyle/>
+          <a:p>
+            <a:r>
+              <a:rPr lang="es-NL" sz="1100" dirty="0">
+                <a:latin typeface="DEJAVU SANS" panose="020B0603030804020204" pitchFamily="34" charset="0"/>
+                <a:ea typeface="DEJAVU SANS" panose="020B0603030804020204" pitchFamily="34" charset="0"/>
+                <a:cs typeface="DEJAVU SANS" panose="020B0603030804020204" pitchFamily="34" charset="0"/>
+              </a:rPr>
+              <a:t>(</a:t>
+            </a:r>
+            <a:r>
+              <a:rPr lang="es-NL" sz="1100" dirty="0">
+                <a:latin typeface="Arial" panose="020B0604020202020204" pitchFamily="34" charset="0"/>
+                <a:ea typeface="DEJAVU SANS" panose="020B0603030804020204" pitchFamily="34" charset="0"/>
+                <a:cs typeface="DEJAVU SANS" panose="020B0603030804020204" pitchFamily="34" charset="0"/>
+              </a:rPr>
+              <a:t>1856, </a:t>
+            </a:r>
+            <a:r>
+              <a:rPr lang="es-NL" sz="1100" dirty="0">
+                <a:latin typeface="DEJAVU SANS" panose="020B0603030804020204" pitchFamily="34" charset="0"/>
+                <a:ea typeface="DEJAVU SANS" panose="020B0603030804020204" pitchFamily="34" charset="0"/>
+                <a:cs typeface="DEJAVU SANS" panose="020B0603030804020204" pitchFamily="34" charset="0"/>
+              </a:rPr>
+              <a:t>50)</a:t>
+            </a:r>
+          </a:p>
+        </p:txBody>
+      </p:sp>
+      <p:sp>
+        <p:nvSpPr>
+          <p:cNvPr id="53" name="Rectángulo 52">
+            <a:extLst>
+              <a:ext uri="{FF2B5EF4-FFF2-40B4-BE49-F238E27FC236}">
+                <a16:creationId xmlns:a16="http://schemas.microsoft.com/office/drawing/2014/main" id="{80DF0553-DA8C-117D-58DC-457E51B775F1}"/>
+              </a:ext>
+            </a:extLst>
+          </p:cNvPr>
+          <p:cNvSpPr/>
+          <p:nvPr/>
+        </p:nvSpPr>
+        <p:spPr>
+          <a:xfrm>
+            <a:off x="2898943" y="3383586"/>
+            <a:ext cx="995956" cy="254669"/>
+          </a:xfrm>
+          <a:prstGeom prst="rect">
+            <a:avLst/>
+          </a:prstGeom>
+          <a:solidFill>
+            <a:srgbClr val="FD8A01"/>
+          </a:solidFill>
+          <a:ln>
+            <a:noFill/>
+          </a:ln>
+        </p:spPr>
+        <p:style>
+          <a:lnRef idx="1">
+            <a:schemeClr val="accent1"/>
+          </a:lnRef>
+          <a:fillRef idx="2">
+            <a:schemeClr val="accent1"/>
+          </a:fillRef>
+          <a:effectRef idx="1">
+            <a:schemeClr val="accent1"/>
+          </a:effectRef>
+          <a:fontRef idx="minor">
+            <a:schemeClr val="dk1"/>
+          </a:fontRef>
+        </p:style>
+        <p:txBody>
+          <a:bodyPr rtlCol="0" anchor="ctr"/>
+          <a:lstStyle/>
+          <a:p>
+            <a:pPr algn="ctr"/>
+            <a:r>
+              <a:rPr lang="en-US" sz="900" dirty="0">
+                <a:latin typeface="DEJAVU SANS" panose="020B0603030804020204" pitchFamily="34" charset="0"/>
+                <a:ea typeface="DEJAVU SANS" panose="020B0603030804020204" pitchFamily="34" charset="0"/>
+                <a:cs typeface="DEJAVU SANS" panose="020B0603030804020204" pitchFamily="34" charset="0"/>
+              </a:rPr>
+              <a:t>Batch</a:t>
+            </a:r>
+          </a:p>
+          <a:p>
+            <a:pPr algn="ctr"/>
+            <a:r>
+              <a:rPr lang="en-US" sz="900" dirty="0">
+                <a:latin typeface="DEJAVU SANS" panose="020B0603030804020204" pitchFamily="34" charset="0"/>
+                <a:ea typeface="DEJAVU SANS" panose="020B0603030804020204" pitchFamily="34" charset="0"/>
+                <a:cs typeface="DEJAVU SANS" panose="020B0603030804020204" pitchFamily="34" charset="0"/>
+              </a:rPr>
+              <a:t>Normalization</a:t>
+            </a:r>
+            <a:endParaRPr lang="es-NL" sz="900" dirty="0">
+              <a:latin typeface="DEJAVU SANS" panose="020B0603030804020204" pitchFamily="34" charset="0"/>
+              <a:ea typeface="DEJAVU SANS" panose="020B0603030804020204" pitchFamily="34" charset="0"/>
+              <a:cs typeface="DEJAVU SANS" panose="020B0603030804020204" pitchFamily="34" charset="0"/>
+            </a:endParaRPr>
+          </a:p>
+        </p:txBody>
+      </p:sp>
+      <p:sp>
+        <p:nvSpPr>
+          <p:cNvPr id="3" name="CuadroTexto 2">
+            <a:extLst>
+              <a:ext uri="{FF2B5EF4-FFF2-40B4-BE49-F238E27FC236}">
+                <a16:creationId xmlns:a16="http://schemas.microsoft.com/office/drawing/2014/main" id="{A462F33F-9322-AFB9-D7B0-DE4CEC2E48BD}"/>
+              </a:ext>
+            </a:extLst>
+          </p:cNvPr>
+          <p:cNvSpPr txBox="1"/>
+          <p:nvPr/>
+        </p:nvSpPr>
+        <p:spPr>
+          <a:xfrm>
+            <a:off x="8358301" y="3007320"/>
+            <a:ext cx="652743" cy="261610"/>
+          </a:xfrm>
+          <a:prstGeom prst="rect">
+            <a:avLst/>
+          </a:prstGeom>
+          <a:noFill/>
+        </p:spPr>
+        <p:txBody>
+          <a:bodyPr wrap="square" rtlCol="0">
+            <a:spAutoFit/>
+          </a:bodyPr>
+          <a:lstStyle/>
+          <a:p>
+            <a:r>
+              <a:rPr lang="es-NL" sz="1100" dirty="0">
+                <a:latin typeface="DEJAVU SANS" panose="020B0603030804020204" pitchFamily="34" charset="0"/>
+                <a:ea typeface="DEJAVU SANS" panose="020B0603030804020204" pitchFamily="34" charset="0"/>
+                <a:cs typeface="DEJAVU SANS" panose="020B0603030804020204" pitchFamily="34" charset="0"/>
+              </a:rPr>
+              <a:t>(50, 1)</a:t>
+            </a:r>
+          </a:p>
+        </p:txBody>
+      </p:sp>
+      <p:cxnSp>
+        <p:nvCxnSpPr>
+          <p:cNvPr id="85" name="Conector recto de flecha 84">
+            <a:extLst>
+              <a:ext uri="{FF2B5EF4-FFF2-40B4-BE49-F238E27FC236}">
+                <a16:creationId xmlns:a16="http://schemas.microsoft.com/office/drawing/2014/main" id="{8E3F9E40-5C1D-1B38-029F-A922DC4F6598}"/>
+              </a:ext>
+            </a:extLst>
+          </p:cNvPr>
+          <p:cNvCxnSpPr>
+            <a:cxnSpLocks/>
+          </p:cNvCxnSpPr>
+          <p:nvPr/>
+        </p:nvCxnSpPr>
+        <p:spPr>
+          <a:xfrm flipH="1" flipV="1">
+            <a:off x="1820606" y="3644846"/>
+            <a:ext cx="8465" cy="770830"/>
+          </a:xfrm>
+          <a:prstGeom prst="straightConnector1">
+            <a:avLst/>
+          </a:prstGeom>
+          <a:ln>
+            <a:solidFill>
+              <a:schemeClr val="tx1"/>
+            </a:solidFill>
+            <a:tailEnd type="triangle"/>
+          </a:ln>
+        </p:spPr>
+        <p:style>
+          <a:lnRef idx="1">
+            <a:schemeClr val="accent1"/>
+          </a:lnRef>
+          <a:fillRef idx="0">
+            <a:schemeClr val="accent1"/>
+          </a:fillRef>
+          <a:effectRef idx="0">
+            <a:schemeClr val="accent1"/>
+          </a:effectRef>
+          <a:fontRef idx="minor">
+            <a:schemeClr val="tx1"/>
+          </a:fontRef>
+        </p:style>
+      </p:cxnSp>
+      <p:cxnSp>
+        <p:nvCxnSpPr>
+          <p:cNvPr id="71" name="Conector angular 70">
+            <a:extLst>
+              <a:ext uri="{FF2B5EF4-FFF2-40B4-BE49-F238E27FC236}">
+                <a16:creationId xmlns:a16="http://schemas.microsoft.com/office/drawing/2014/main" id="{B7CF0989-DBC0-50A4-9A0F-8A7FF8798521}"/>
+              </a:ext>
+            </a:extLst>
+          </p:cNvPr>
+          <p:cNvCxnSpPr>
+            <a:cxnSpLocks/>
+          </p:cNvCxnSpPr>
+          <p:nvPr/>
+        </p:nvCxnSpPr>
+        <p:spPr>
+          <a:xfrm flipV="1">
+            <a:off x="2603779" y="4520674"/>
+            <a:ext cx="817582" cy="216000"/>
+          </a:xfrm>
+          <a:prstGeom prst="bentConnector2">
+            <a:avLst/>
+          </a:prstGeom>
+          <a:ln>
+            <a:tailEnd type="triangle"/>
+          </a:ln>
+        </p:spPr>
+        <p:style>
+          <a:lnRef idx="1">
+            <a:schemeClr val="dk1"/>
+          </a:lnRef>
+          <a:fillRef idx="0">
+            <a:schemeClr val="dk1"/>
+          </a:fillRef>
+          <a:effectRef idx="0">
+            <a:schemeClr val="dk1"/>
+          </a:effectRef>
+          <a:fontRef idx="minor">
+            <a:schemeClr val="tx1"/>
+          </a:fontRef>
+        </p:style>
+      </p:cxnSp>
+      <p:cxnSp>
+        <p:nvCxnSpPr>
+          <p:cNvPr id="95" name="Conector recto de flecha 94">
+            <a:extLst>
+              <a:ext uri="{FF2B5EF4-FFF2-40B4-BE49-F238E27FC236}">
+                <a16:creationId xmlns:a16="http://schemas.microsoft.com/office/drawing/2014/main" id="{0DB55CA1-B6E1-AE7A-C946-C4F3DF521A06}"/>
+              </a:ext>
+            </a:extLst>
+          </p:cNvPr>
+          <p:cNvCxnSpPr>
+            <a:cxnSpLocks/>
+            <a:stCxn id="52" idx="2"/>
+          </p:cNvCxnSpPr>
+          <p:nvPr/>
+        </p:nvCxnSpPr>
+        <p:spPr>
+          <a:xfrm flipH="1" flipV="1">
+            <a:off x="1816282" y="3146629"/>
+            <a:ext cx="2993" cy="497784"/>
+          </a:xfrm>
+          <a:prstGeom prst="straightConnector1">
+            <a:avLst/>
+          </a:prstGeom>
+          <a:ln>
+            <a:solidFill>
+              <a:schemeClr val="tx1"/>
+            </a:solidFill>
+            <a:tailEnd type="triangle"/>
+          </a:ln>
+        </p:spPr>
+        <p:style>
+          <a:lnRef idx="1">
+            <a:schemeClr val="accent1"/>
+          </a:lnRef>
+          <a:fillRef idx="0">
+            <a:schemeClr val="accent1"/>
+          </a:fillRef>
+          <a:effectRef idx="0">
+            <a:schemeClr val="accent1"/>
+          </a:effectRef>
+          <a:fontRef idx="minor">
+            <a:schemeClr val="tx1"/>
+          </a:fontRef>
+        </p:style>
+      </p:cxnSp>
+      <p:sp>
+        <p:nvSpPr>
+          <p:cNvPr id="52" name="Rectángulo 51">
+            <a:extLst>
+              <a:ext uri="{FF2B5EF4-FFF2-40B4-BE49-F238E27FC236}">
+                <a16:creationId xmlns:a16="http://schemas.microsoft.com/office/drawing/2014/main" id="{67518A97-7702-0CCE-D639-0CCCDFFD40C1}"/>
+              </a:ext>
+            </a:extLst>
+          </p:cNvPr>
+          <p:cNvSpPr/>
+          <p:nvPr/>
+        </p:nvSpPr>
+        <p:spPr>
+          <a:xfrm>
+            <a:off x="1321297" y="3389744"/>
+            <a:ext cx="995956" cy="254669"/>
+          </a:xfrm>
+          <a:prstGeom prst="rect">
+            <a:avLst/>
+          </a:prstGeom>
+          <a:solidFill>
+            <a:srgbClr val="FD8A01"/>
+          </a:solidFill>
+          <a:ln>
+            <a:noFill/>
+          </a:ln>
+        </p:spPr>
+        <p:style>
+          <a:lnRef idx="1">
+            <a:schemeClr val="accent1"/>
+          </a:lnRef>
+          <a:fillRef idx="2">
+            <a:schemeClr val="accent1"/>
+          </a:fillRef>
+          <a:effectRef idx="1">
+            <a:schemeClr val="accent1"/>
+          </a:effectRef>
+          <a:fontRef idx="minor">
+            <a:schemeClr val="dk1"/>
+          </a:fontRef>
+        </p:style>
+        <p:txBody>
+          <a:bodyPr rtlCol="0" anchor="ctr"/>
+          <a:lstStyle/>
+          <a:p>
+            <a:pPr algn="ctr"/>
+            <a:r>
+              <a:rPr lang="en-US" sz="900" dirty="0">
+                <a:latin typeface="DEJAVU SANS" panose="020B0603030804020204" pitchFamily="34" charset="0"/>
+                <a:ea typeface="DEJAVU SANS" panose="020B0603030804020204" pitchFamily="34" charset="0"/>
+                <a:cs typeface="DEJAVU SANS" panose="020B0603030804020204" pitchFamily="34" charset="0"/>
+              </a:rPr>
+              <a:t>Batch</a:t>
+            </a:r>
+          </a:p>
+          <a:p>
+            <a:pPr algn="ctr"/>
+            <a:r>
+              <a:rPr lang="en-US" sz="900" dirty="0">
+                <a:latin typeface="DEJAVU SANS" panose="020B0603030804020204" pitchFamily="34" charset="0"/>
+                <a:ea typeface="DEJAVU SANS" panose="020B0603030804020204" pitchFamily="34" charset="0"/>
+                <a:cs typeface="DEJAVU SANS" panose="020B0603030804020204" pitchFamily="34" charset="0"/>
+              </a:rPr>
+              <a:t>Normalization</a:t>
+            </a:r>
+            <a:endParaRPr lang="es-NL" sz="900" dirty="0">
+              <a:latin typeface="DEJAVU SANS" panose="020B0603030804020204" pitchFamily="34" charset="0"/>
+              <a:ea typeface="DEJAVU SANS" panose="020B0603030804020204" pitchFamily="34" charset="0"/>
+              <a:cs typeface="DEJAVU SANS" panose="020B0603030804020204" pitchFamily="34" charset="0"/>
+            </a:endParaRPr>
+          </a:p>
+        </p:txBody>
+      </p:sp>
+      <p:cxnSp>
+        <p:nvCxnSpPr>
+          <p:cNvPr id="63" name="Conector angular 62">
+            <a:extLst>
+              <a:ext uri="{FF2B5EF4-FFF2-40B4-BE49-F238E27FC236}">
+                <a16:creationId xmlns:a16="http://schemas.microsoft.com/office/drawing/2014/main" id="{B71BC7EC-F47D-4AFC-A137-CE2988A07390}"/>
+              </a:ext>
+            </a:extLst>
+          </p:cNvPr>
+          <p:cNvCxnSpPr>
+            <a:cxnSpLocks/>
+          </p:cNvCxnSpPr>
+          <p:nvPr/>
+        </p:nvCxnSpPr>
+        <p:spPr>
+          <a:xfrm rot="10800000">
+            <a:off x="1822315" y="4520674"/>
+            <a:ext cx="782363" cy="216000"/>
+          </a:xfrm>
+          <a:prstGeom prst="bentConnector2">
+            <a:avLst/>
+          </a:prstGeom>
+          <a:ln>
+            <a:tailEnd type="triangle"/>
+          </a:ln>
+        </p:spPr>
+        <p:style>
+          <a:lnRef idx="1">
+            <a:schemeClr val="dk1"/>
+          </a:lnRef>
+          <a:fillRef idx="0">
+            <a:schemeClr val="dk1"/>
+          </a:fillRef>
+          <a:effectRef idx="0">
+            <a:schemeClr val="dk1"/>
+          </a:effectRef>
+          <a:fontRef idx="minor">
+            <a:schemeClr val="tx1"/>
+          </a:fontRef>
+        </p:style>
+      </p:cxnSp>
+      <p:cxnSp>
+        <p:nvCxnSpPr>
+          <p:cNvPr id="70" name="Conector recto de flecha 69">
+            <a:extLst>
+              <a:ext uri="{FF2B5EF4-FFF2-40B4-BE49-F238E27FC236}">
+                <a16:creationId xmlns:a16="http://schemas.microsoft.com/office/drawing/2014/main" id="{084136EA-DD2D-47C0-56A3-720A92176285}"/>
+              </a:ext>
+            </a:extLst>
+          </p:cNvPr>
+          <p:cNvCxnSpPr>
+            <a:cxnSpLocks/>
+          </p:cNvCxnSpPr>
+          <p:nvPr/>
+        </p:nvCxnSpPr>
+        <p:spPr>
+          <a:xfrm flipV="1">
+            <a:off x="2608115" y="4734526"/>
+            <a:ext cx="0" cy="265709"/>
+          </a:xfrm>
+          <a:prstGeom prst="straightConnector1">
+            <a:avLst/>
+          </a:prstGeom>
+          <a:ln>
+            <a:solidFill>
+              <a:schemeClr val="tx1"/>
+            </a:solidFill>
+            <a:headEnd type="none" w="med" len="med"/>
+            <a:tailEnd type="none" w="med" len="med"/>
+          </a:ln>
+        </p:spPr>
+        <p:style>
+          <a:lnRef idx="1">
+            <a:schemeClr val="accent1"/>
+          </a:lnRef>
+          <a:fillRef idx="0">
+            <a:schemeClr val="accent1"/>
+          </a:fillRef>
+          <a:effectRef idx="0">
+            <a:schemeClr val="accent1"/>
+          </a:effectRef>
+          <a:fontRef idx="minor">
+            <a:schemeClr val="tx1"/>
+          </a:fontRef>
+        </p:style>
+      </p:cxnSp>
+      <mc:AlternateContent xmlns:mc="http://schemas.openxmlformats.org/markup-compatibility/2006">
+        <mc:Choice xmlns:a14="http://schemas.microsoft.com/office/drawing/2010/main" Requires="a14">
+          <p:sp>
+            <p:nvSpPr>
+              <p:cNvPr id="110" name="Rectángulo 109">
+                <a:extLst>
+                  <a:ext uri="{FF2B5EF4-FFF2-40B4-BE49-F238E27FC236}">
+                    <a16:creationId xmlns:a16="http://schemas.microsoft.com/office/drawing/2014/main" id="{A2C53ECF-E232-FA89-4C8C-19853F63C168}"/>
+                  </a:ext>
+                </a:extLst>
+              </p:cNvPr>
+              <p:cNvSpPr/>
+              <p:nvPr/>
+            </p:nvSpPr>
+            <p:spPr>
+              <a:xfrm>
+                <a:off x="1321297" y="3790508"/>
+                <a:ext cx="995956" cy="730800"/>
+              </a:xfrm>
+              <a:prstGeom prst="rect">
+                <a:avLst/>
+              </a:prstGeom>
+              <a:solidFill>
+                <a:srgbClr val="6495ED"/>
+              </a:solidFill>
+              <a:ln>
+                <a:noFill/>
+              </a:ln>
+            </p:spPr>
+            <p:style>
+              <a:lnRef idx="1">
+                <a:schemeClr val="accent1"/>
+              </a:lnRef>
+              <a:fillRef idx="2">
+                <a:schemeClr val="accent1"/>
+              </a:fillRef>
+              <a:effectRef idx="1">
+                <a:schemeClr val="accent1"/>
+              </a:effectRef>
+              <a:fontRef idx="minor">
+                <a:schemeClr val="dk1"/>
+              </a:fontRef>
+            </p:style>
+            <p:txBody>
+              <a:bodyPr rtlCol="0" anchor="ctr"/>
+              <a:lstStyle/>
+              <a:p>
+                <a:pPr algn="ctr"/>
+                <a:r>
+                  <a:rPr lang="es-NL" sz="900" dirty="0">
+                    <a:latin typeface="DEJAVU SANS" panose="020B0603030804020204" pitchFamily="34" charset="0"/>
+                    <a:ea typeface="DEJAVU SANS" panose="020B0603030804020204" pitchFamily="34" charset="0"/>
+                    <a:cs typeface="DEJAVU SANS" panose="020B0603030804020204" pitchFamily="34" charset="0"/>
+                  </a:rPr>
+                  <a:t>Conv1D</a:t>
+                </a:r>
+              </a:p>
+              <a:p>
+                <a:pPr algn="ctr"/>
+                <a14:m>
+                  <m:oMathPara xmlns:m="http://schemas.openxmlformats.org/officeDocument/2006/math">
+                    <m:oMathParaPr>
+                      <m:jc m:val="centerGroup"/>
+                    </m:oMathParaPr>
+                    <m:oMath xmlns:m="http://schemas.openxmlformats.org/officeDocument/2006/math">
+                      <m:r>
+                        <a:rPr lang="en-US" sz="900" b="0" i="1" smtClean="0">
+                          <a:latin typeface="Cambria Math" panose="02040503050406030204" pitchFamily="18" charset="0"/>
+                          <a:ea typeface="DEJAVU SANS" panose="020B0603030804020204" pitchFamily="34" charset="0"/>
+                          <a:cs typeface="DEJAVU SANS" panose="020B0603030804020204" pitchFamily="34" charset="0"/>
+                        </a:rPr>
+                        <m:t>𝑓</m:t>
+                      </m:r>
+                      <m:r>
+                        <a:rPr lang="en-US" sz="900" b="0" i="1" smtClean="0">
+                          <a:latin typeface="Cambria Math" panose="02040503050406030204" pitchFamily="18" charset="0"/>
+                          <a:ea typeface="DEJAVU SANS" panose="020B0603030804020204" pitchFamily="34" charset="0"/>
+                          <a:cs typeface="DEJAVU SANS" panose="020B0603030804020204" pitchFamily="34" charset="0"/>
+                        </a:rPr>
+                        <m:t>=64</m:t>
+                      </m:r>
+                    </m:oMath>
+                  </m:oMathPara>
+                </a14:m>
+                <a:endParaRPr lang="en-US" sz="900" b="0" dirty="0">
+                  <a:latin typeface="DEJAVU SANS" panose="020B0603030804020204" pitchFamily="34" charset="0"/>
+                  <a:ea typeface="DEJAVU SANS" panose="020B0603030804020204" pitchFamily="34" charset="0"/>
+                  <a:cs typeface="DEJAVU SANS" panose="020B0603030804020204" pitchFamily="34" charset="0"/>
+                </a:endParaRPr>
+              </a:p>
+              <a:p>
+                <a:pPr algn="ctr"/>
+                <a14:m>
+                  <m:oMathPara xmlns:m="http://schemas.openxmlformats.org/officeDocument/2006/math">
+                    <m:oMathParaPr>
+                      <m:jc m:val="centerGroup"/>
+                    </m:oMathParaPr>
+                    <m:oMath xmlns:m="http://schemas.openxmlformats.org/officeDocument/2006/math">
+                      <m:r>
+                        <a:rPr lang="en-US" sz="900" b="0" i="1" smtClean="0">
+                          <a:latin typeface="Cambria Math" panose="02040503050406030204" pitchFamily="18" charset="0"/>
+                          <a:ea typeface="DEJAVU SANS" panose="020B0603030804020204" pitchFamily="34" charset="0"/>
+                          <a:cs typeface="DEJAVU SANS" panose="020B0603030804020204" pitchFamily="34" charset="0"/>
+                        </a:rPr>
+                        <m:t>𝑘</m:t>
+                      </m:r>
+                      <m:r>
+                        <a:rPr lang="en-US" sz="900" b="0" i="1" smtClean="0">
+                          <a:latin typeface="Cambria Math" panose="02040503050406030204" pitchFamily="18" charset="0"/>
+                          <a:ea typeface="DEJAVU SANS" panose="020B0603030804020204" pitchFamily="34" charset="0"/>
+                          <a:cs typeface="DEJAVU SANS" panose="020B0603030804020204" pitchFamily="34" charset="0"/>
+                        </a:rPr>
+                        <m:t>=16</m:t>
+                      </m:r>
+                    </m:oMath>
+                  </m:oMathPara>
+                </a14:m>
+                <a:endParaRPr lang="en-US" sz="900" b="0" dirty="0">
+                  <a:latin typeface="DEJAVU SANS" panose="020B0603030804020204" pitchFamily="34" charset="0"/>
+                  <a:ea typeface="DEJAVU SANS" panose="020B0603030804020204" pitchFamily="34" charset="0"/>
+                  <a:cs typeface="DEJAVU SANS" panose="020B0603030804020204" pitchFamily="34" charset="0"/>
+                </a:endParaRPr>
+              </a:p>
+              <a:p>
+                <a:pPr algn="ctr"/>
+                <a14:m>
+                  <m:oMathPara xmlns:m="http://schemas.openxmlformats.org/officeDocument/2006/math">
+                    <m:oMathParaPr>
+                      <m:jc m:val="centerGroup"/>
+                    </m:oMathParaPr>
+                    <m:oMath xmlns:m="http://schemas.openxmlformats.org/officeDocument/2006/math">
+                      <m:r>
+                        <a:rPr lang="en-US" sz="900" b="0" i="1" smtClean="0">
+                          <a:latin typeface="Cambria Math" panose="02040503050406030204" pitchFamily="18" charset="0"/>
+                          <a:ea typeface="DEJAVU SANS" panose="020B0603030804020204" pitchFamily="34" charset="0"/>
+                          <a:cs typeface="DEJAVU SANS" panose="020B0603030804020204" pitchFamily="34" charset="0"/>
+                        </a:rPr>
+                        <m:t>𝑑</m:t>
+                      </m:r>
+                      <m:r>
+                        <a:rPr lang="en-US" sz="900" b="0" i="1" smtClean="0">
+                          <a:latin typeface="Cambria Math" panose="02040503050406030204" pitchFamily="18" charset="0"/>
+                          <a:ea typeface="DEJAVU SANS" panose="020B0603030804020204" pitchFamily="34" charset="0"/>
+                          <a:cs typeface="DEJAVU SANS" panose="020B0603030804020204" pitchFamily="34" charset="0"/>
+                        </a:rPr>
+                        <m:t>=</m:t>
+                      </m:r>
+                      <m:sSup>
+                        <m:sSupPr>
+                          <m:ctrlPr>
+                            <a:rPr lang="en-US" sz="900" b="0" i="1" smtClean="0">
+                              <a:latin typeface="Cambria Math" panose="02040503050406030204" pitchFamily="18" charset="0"/>
+                              <a:ea typeface="DEJAVU SANS" panose="020B0603030804020204" pitchFamily="34" charset="0"/>
+                              <a:cs typeface="DEJAVU SANS" panose="020B0603030804020204" pitchFamily="34" charset="0"/>
+                            </a:rPr>
+                          </m:ctrlPr>
+                        </m:sSupPr>
+                        <m:e>
+                          <m:r>
+                            <a:rPr lang="en-US" sz="900" b="0" i="1" smtClean="0">
+                              <a:latin typeface="Cambria Math" panose="02040503050406030204" pitchFamily="18" charset="0"/>
+                              <a:ea typeface="DEJAVU SANS" panose="020B0603030804020204" pitchFamily="34" charset="0"/>
+                              <a:cs typeface="DEJAVU SANS" panose="020B0603030804020204" pitchFamily="34" charset="0"/>
+                            </a:rPr>
+                            <m:t>2</m:t>
+                          </m:r>
+                        </m:e>
+                        <m:sup>
+                          <m:r>
+                            <a:rPr lang="en-US" sz="900" b="0" i="1" smtClean="0">
+                              <a:latin typeface="Cambria Math" panose="02040503050406030204" pitchFamily="18" charset="0"/>
+                              <a:ea typeface="DEJAVU SANS" panose="020B0603030804020204" pitchFamily="34" charset="0"/>
+                              <a:cs typeface="DEJAVU SANS" panose="020B0603030804020204" pitchFamily="34" charset="0"/>
+                            </a:rPr>
+                            <m:t>𝑘</m:t>
+                          </m:r>
+                        </m:sup>
+                      </m:sSup>
+                    </m:oMath>
+                  </m:oMathPara>
+                </a14:m>
+                <a:endParaRPr lang="es-NL" sz="900" dirty="0">
+                  <a:latin typeface="DEJAVU SANS" panose="020B0603030804020204" pitchFamily="34" charset="0"/>
+                  <a:ea typeface="DEJAVU SANS" panose="020B0603030804020204" pitchFamily="34" charset="0"/>
+                  <a:cs typeface="DEJAVU SANS" panose="020B0603030804020204" pitchFamily="34" charset="0"/>
+                </a:endParaRPr>
+              </a:p>
+              <a:p>
+                <a:pPr algn="ctr"/>
+                <a14:m>
+                  <m:oMathPara xmlns:m="http://schemas.openxmlformats.org/officeDocument/2006/math">
+                    <m:oMathParaPr>
+                      <m:jc m:val="centerGroup"/>
+                    </m:oMathParaPr>
+                    <m:oMath xmlns:m="http://schemas.openxmlformats.org/officeDocument/2006/math">
+                      <m:r>
+                        <a:rPr lang="en-US" sz="900" b="0" i="1" smtClean="0">
+                          <a:latin typeface="Cambria Math" panose="02040503050406030204" pitchFamily="18" charset="0"/>
+                          <a:ea typeface="DEJAVU SANS" panose="020B0603030804020204" pitchFamily="34" charset="0"/>
+                          <a:cs typeface="DEJAVU SANS" panose="020B0603030804020204" pitchFamily="34" charset="0"/>
+                        </a:rPr>
+                        <m:t>𝑝</m:t>
+                      </m:r>
+                      <m:r>
+                        <a:rPr lang="en-US" sz="900" b="0" i="1" smtClean="0">
+                          <a:latin typeface="Cambria Math" panose="02040503050406030204" pitchFamily="18" charset="0"/>
+                          <a:ea typeface="DEJAVU SANS" panose="020B0603030804020204" pitchFamily="34" charset="0"/>
+                          <a:cs typeface="DEJAVU SANS" panose="020B0603030804020204" pitchFamily="34" charset="0"/>
+                        </a:rPr>
+                        <m:t>=</m:t>
+                      </m:r>
+                      <m:d>
+                        <m:dPr>
+                          <m:ctrlPr>
+                            <a:rPr lang="en-US" sz="900" b="0" i="1" smtClean="0">
+                              <a:latin typeface="Cambria Math" panose="02040503050406030204" pitchFamily="18" charset="0"/>
+                              <a:ea typeface="DEJAVU SANS" panose="020B0603030804020204" pitchFamily="34" charset="0"/>
+                              <a:cs typeface="DEJAVU SANS" panose="020B0603030804020204" pitchFamily="34" charset="0"/>
+                            </a:rPr>
+                          </m:ctrlPr>
+                        </m:dPr>
+                        <m:e>
+                          <m:r>
+                            <a:rPr lang="en-US" sz="900" b="0" i="1" smtClean="0">
+                              <a:latin typeface="Cambria Math" panose="02040503050406030204" pitchFamily="18" charset="0"/>
+                              <a:ea typeface="DEJAVU SANS" panose="020B0603030804020204" pitchFamily="34" charset="0"/>
+                              <a:cs typeface="DEJAVU SANS" panose="020B0603030804020204" pitchFamily="34" charset="0"/>
+                            </a:rPr>
+                            <m:t>𝑘</m:t>
+                          </m:r>
+                          <m:r>
+                            <a:rPr lang="en-US" sz="900" b="0" i="1" smtClean="0">
+                              <a:latin typeface="Cambria Math" panose="02040503050406030204" pitchFamily="18" charset="0"/>
+                              <a:ea typeface="DEJAVU SANS" panose="020B0603030804020204" pitchFamily="34" charset="0"/>
+                              <a:cs typeface="DEJAVU SANS" panose="020B0603030804020204" pitchFamily="34" charset="0"/>
+                            </a:rPr>
+                            <m:t> −1</m:t>
+                          </m:r>
+                        </m:e>
+                      </m:d>
+                      <m:r>
+                        <a:rPr lang="en-US" sz="900" b="0" i="1" smtClean="0">
+                          <a:latin typeface="Cambria Math" panose="02040503050406030204" pitchFamily="18" charset="0"/>
+                          <a:ea typeface="Cambria Math" panose="02040503050406030204" pitchFamily="18" charset="0"/>
+                          <a:cs typeface="DEJAVU SANS" panose="020B0603030804020204" pitchFamily="34" charset="0"/>
+                        </a:rPr>
+                        <m:t>× </m:t>
+                      </m:r>
+                      <m:r>
+                        <a:rPr lang="en-US" sz="900" b="0" i="1" smtClean="0">
+                          <a:latin typeface="Cambria Math" panose="02040503050406030204" pitchFamily="18" charset="0"/>
+                          <a:ea typeface="Cambria Math" panose="02040503050406030204" pitchFamily="18" charset="0"/>
+                          <a:cs typeface="DEJAVU SANS" panose="020B0603030804020204" pitchFamily="34" charset="0"/>
+                        </a:rPr>
+                        <m:t>𝑑</m:t>
+                      </m:r>
+                    </m:oMath>
+                  </m:oMathPara>
+                </a14:m>
+                <a:endParaRPr lang="es-NL" sz="900" dirty="0">
+                  <a:latin typeface="DEJAVU SANS" panose="020B0603030804020204" pitchFamily="34" charset="0"/>
+                  <a:ea typeface="DEJAVU SANS" panose="020B0603030804020204" pitchFamily="34" charset="0"/>
+                  <a:cs typeface="DEJAVU SANS" panose="020B0603030804020204" pitchFamily="34" charset="0"/>
+                </a:endParaRPr>
+              </a:p>
+            </p:txBody>
+          </p:sp>
+        </mc:Choice>
+        <mc:Fallback>
+          <p:sp>
+            <p:nvSpPr>
+              <p:cNvPr id="110" name="Rectángulo 109">
+                <a:extLst>
+                  <a:ext uri="{FF2B5EF4-FFF2-40B4-BE49-F238E27FC236}">
+                    <a16:creationId xmlns:a16="http://schemas.microsoft.com/office/drawing/2014/main" id="{A2C53ECF-E232-FA89-4C8C-19853F63C168}"/>
+                  </a:ext>
+                </a:extLst>
+              </p:cNvPr>
+              <p:cNvSpPr>
+                <a:spLocks noRot="1" noChangeAspect="1" noMove="1" noResize="1" noEditPoints="1" noAdjustHandles="1" noChangeArrowheads="1" noChangeShapeType="1" noTextEdit="1"/>
+              </p:cNvSpPr>
+              <p:nvPr/>
+            </p:nvSpPr>
+            <p:spPr>
+              <a:xfrm>
+                <a:off x="1321297" y="3790508"/>
+                <a:ext cx="995956" cy="730800"/>
+              </a:xfrm>
+              <a:prstGeom prst="rect">
+                <a:avLst/>
+              </a:prstGeom>
+              <a:blipFill>
+                <a:blip r:embed="rId15"/>
+                <a:stretch>
+                  <a:fillRect t="-1695" b="-5085"/>
+                </a:stretch>
+              </a:blipFill>
+              <a:ln>
+                <a:noFill/>
+              </a:ln>
+            </p:spPr>
+            <p:txBody>
+              <a:bodyPr/>
+              <a:lstStyle/>
+              <a:p>
+                <a:r>
+                  <a:rPr lang="es-NL">
+                    <a:noFill/>
+                  </a:rPr>
+                  <a:t> </a:t>
+                </a:r>
+              </a:p>
+            </p:txBody>
+          </p:sp>
+        </mc:Fallback>
+      </mc:AlternateContent>
+      <p:cxnSp>
+        <p:nvCxnSpPr>
+          <p:cNvPr id="151" name="Conector recto de flecha 150">
+            <a:extLst>
+              <a:ext uri="{FF2B5EF4-FFF2-40B4-BE49-F238E27FC236}">
+                <a16:creationId xmlns:a16="http://schemas.microsoft.com/office/drawing/2014/main" id="{FEA10FFB-EC4A-2D99-AF28-DAB71AE537D7}"/>
+              </a:ext>
+            </a:extLst>
+          </p:cNvPr>
+          <p:cNvCxnSpPr>
+            <a:cxnSpLocks/>
+          </p:cNvCxnSpPr>
+          <p:nvPr/>
+        </p:nvCxnSpPr>
+        <p:spPr>
+          <a:xfrm>
+            <a:off x="4467278" y="2933417"/>
+            <a:ext cx="717497" cy="0"/>
+          </a:xfrm>
+          <a:prstGeom prst="straightConnector1">
+            <a:avLst/>
+          </a:prstGeom>
+          <a:ln>
+            <a:solidFill>
+              <a:schemeClr val="tx1">
+                <a:lumMod val="65000"/>
+                <a:lumOff val="35000"/>
+              </a:schemeClr>
+            </a:solidFill>
+            <a:tailEnd type="triangle"/>
+          </a:ln>
+        </p:spPr>
+        <p:style>
+          <a:lnRef idx="1">
+            <a:schemeClr val="dk1"/>
+          </a:lnRef>
+          <a:fillRef idx="0">
+            <a:schemeClr val="dk1"/>
+          </a:fillRef>
+          <a:effectRef idx="0">
+            <a:schemeClr val="dk1"/>
+          </a:effectRef>
+          <a:fontRef idx="minor">
+            <a:schemeClr val="tx1"/>
+          </a:fontRef>
+        </p:style>
+      </p:cxnSp>
+      <p:cxnSp>
+        <p:nvCxnSpPr>
+          <p:cNvPr id="153" name="Conector recto de flecha 152">
+            <a:extLst>
+              <a:ext uri="{FF2B5EF4-FFF2-40B4-BE49-F238E27FC236}">
+                <a16:creationId xmlns:a16="http://schemas.microsoft.com/office/drawing/2014/main" id="{3FBF9432-1D20-E854-3787-DC5305B0318F}"/>
+              </a:ext>
+            </a:extLst>
+          </p:cNvPr>
+          <p:cNvCxnSpPr>
+            <a:cxnSpLocks/>
+          </p:cNvCxnSpPr>
+          <p:nvPr/>
+        </p:nvCxnSpPr>
+        <p:spPr>
+          <a:xfrm>
+            <a:off x="4631928" y="3026170"/>
+            <a:ext cx="552847" cy="0"/>
+          </a:xfrm>
+          <a:prstGeom prst="straightConnector1">
+            <a:avLst/>
+          </a:prstGeom>
+          <a:ln>
+            <a:solidFill>
+              <a:schemeClr val="tx1">
+                <a:lumMod val="65000"/>
+                <a:lumOff val="35000"/>
+              </a:schemeClr>
+            </a:solidFill>
+            <a:tailEnd type="triangle"/>
+          </a:ln>
+        </p:spPr>
+        <p:style>
+          <a:lnRef idx="1">
+            <a:schemeClr val="dk1"/>
+          </a:lnRef>
+          <a:fillRef idx="0">
+            <a:schemeClr val="dk1"/>
+          </a:fillRef>
+          <a:effectRef idx="0">
+            <a:schemeClr val="dk1"/>
+          </a:effectRef>
+          <a:fontRef idx="minor">
+            <a:schemeClr val="tx1"/>
+          </a:fontRef>
+        </p:style>
+      </p:cxnSp>
+      <p:cxnSp>
+        <p:nvCxnSpPr>
+          <p:cNvPr id="155" name="Conector recto de flecha 154">
+            <a:extLst>
+              <a:ext uri="{FF2B5EF4-FFF2-40B4-BE49-F238E27FC236}">
+                <a16:creationId xmlns:a16="http://schemas.microsoft.com/office/drawing/2014/main" id="{8EA85383-E4C3-7E30-A60B-3FA2924B8880}"/>
+              </a:ext>
+            </a:extLst>
+          </p:cNvPr>
+          <p:cNvCxnSpPr>
+            <a:cxnSpLocks/>
+          </p:cNvCxnSpPr>
+          <p:nvPr/>
+        </p:nvCxnSpPr>
+        <p:spPr>
+          <a:xfrm flipV="1">
+            <a:off x="4807742" y="3117020"/>
+            <a:ext cx="377033" cy="395"/>
+          </a:xfrm>
+          <a:prstGeom prst="straightConnector1">
+            <a:avLst/>
+          </a:prstGeom>
+          <a:ln>
+            <a:solidFill>
+              <a:schemeClr val="tx1">
+                <a:lumMod val="65000"/>
+                <a:lumOff val="35000"/>
+              </a:schemeClr>
+            </a:solidFill>
+            <a:tailEnd type="triangle"/>
+          </a:ln>
+        </p:spPr>
+        <p:style>
+          <a:lnRef idx="1">
+            <a:schemeClr val="dk1"/>
+          </a:lnRef>
+          <a:fillRef idx="0">
+            <a:schemeClr val="dk1"/>
+          </a:fillRef>
+          <a:effectRef idx="0">
+            <a:schemeClr val="dk1"/>
+          </a:effectRef>
+          <a:fontRef idx="minor">
+            <a:schemeClr val="tx1"/>
+          </a:fontRef>
+        </p:style>
+      </p:cxnSp>
+      <p:cxnSp>
+        <p:nvCxnSpPr>
+          <p:cNvPr id="157" name="Conector recto de flecha 156">
+            <a:extLst>
+              <a:ext uri="{FF2B5EF4-FFF2-40B4-BE49-F238E27FC236}">
+                <a16:creationId xmlns:a16="http://schemas.microsoft.com/office/drawing/2014/main" id="{CA37D9F6-F255-0343-188A-6EFA65C166CE}"/>
+              </a:ext>
+            </a:extLst>
+          </p:cNvPr>
+          <p:cNvCxnSpPr>
+            <a:cxnSpLocks/>
+          </p:cNvCxnSpPr>
+          <p:nvPr/>
+        </p:nvCxnSpPr>
+        <p:spPr>
+          <a:xfrm>
+            <a:off x="4981765" y="3204883"/>
+            <a:ext cx="203010" cy="0"/>
+          </a:xfrm>
+          <a:prstGeom prst="straightConnector1">
+            <a:avLst/>
+          </a:prstGeom>
+          <a:ln>
+            <a:solidFill>
+              <a:schemeClr val="tx1">
+                <a:lumMod val="65000"/>
+                <a:lumOff val="35000"/>
+              </a:schemeClr>
+            </a:solidFill>
+            <a:tailEnd type="triangle"/>
+          </a:ln>
+        </p:spPr>
+        <p:style>
+          <a:lnRef idx="1">
+            <a:schemeClr val="dk1"/>
+          </a:lnRef>
+          <a:fillRef idx="0">
+            <a:schemeClr val="dk1"/>
+          </a:fillRef>
+          <a:effectRef idx="0">
+            <a:schemeClr val="dk1"/>
+          </a:effectRef>
+          <a:fontRef idx="minor">
+            <a:schemeClr val="tx1"/>
+          </a:fontRef>
+        </p:style>
+      </p:cxnSp>
+    </p:spTree>
+    <p:extLst>
+      <p:ext uri="{BB962C8B-B14F-4D97-AF65-F5344CB8AC3E}">
+        <p14:creationId xmlns:p14="http://schemas.microsoft.com/office/powerpoint/2010/main" val="358118321"/>
+      </p:ext>
+    </p:extLst>
+  </p:cSld>
+  <p:clrMapOvr>
+    <a:masterClrMapping/>
+  </p:clrMapOvr>
+</p:sld>
+</file>
+
+<file path=ppt/slides/slide3.xml><?xml version="1.0" encoding="utf-8"?>
+<p:sld xmlns:a="http://schemas.openxmlformats.org/drawingml/2006/main" xmlns:r="http://schemas.openxmlformats.org/officeDocument/2006/relationships" xmlns:p="http://schemas.openxmlformats.org/presentationml/2006/main">
+  <p:cSld>
+    <p:spTree>
+      <p:nvGrpSpPr>
+        <p:cNvPr id="1" name=""/>
+        <p:cNvGrpSpPr/>
+        <p:nvPr/>
+      </p:nvGrpSpPr>
+      <p:grpSpPr>
+        <a:xfrm>
+          <a:off x="0" y="0"/>
+          <a:ext cx="0" cy="0"/>
+          <a:chOff x="0" y="0"/>
+          <a:chExt cx="0" cy="0"/>
+        </a:xfrm>
+      </p:grpSpPr>
+      <p:sp>
+        <p:nvSpPr>
+          <p:cNvPr id="2" name="Título 1">
+            <a:extLst>
+              <a:ext uri="{FF2B5EF4-FFF2-40B4-BE49-F238E27FC236}">
+                <a16:creationId xmlns:a16="http://schemas.microsoft.com/office/drawing/2014/main" id="{3A7CC8C6-5BCE-E987-4D4C-D2ABF28C5C1A}"/>
+              </a:ext>
+            </a:extLst>
+          </p:cNvPr>
+          <p:cNvSpPr>
+            <a:spLocks noGrp="1"/>
+          </p:cNvSpPr>
+          <p:nvPr>
+            <p:ph type="title"/>
+          </p:nvPr>
+        </p:nvSpPr>
+        <p:spPr/>
+        <p:txBody>
+          <a:bodyPr/>
+          <a:lstStyle/>
+          <a:p>
+            <a:r>
+              <a:rPr lang="es-NL" dirty="0"/>
+              <a:t>Sample colors</a:t>
+            </a:r>
+          </a:p>
+        </p:txBody>
+      </p:sp>
+      <p:pic>
+        <p:nvPicPr>
+          <p:cNvPr id="6" name="Imagen 5" descr="Gráfico, Gráfico de líneas&#10;&#10;Descripción generada automáticamente">
+            <a:extLst>
+              <a:ext uri="{FF2B5EF4-FFF2-40B4-BE49-F238E27FC236}">
+                <a16:creationId xmlns:a16="http://schemas.microsoft.com/office/drawing/2014/main" id="{B977DEF4-23B9-EB8D-FC96-32FAF3180CB6}"/>
+              </a:ext>
+            </a:extLst>
+          </p:cNvPr>
+          <p:cNvPicPr>
+            <a:picLocks noChangeAspect="1"/>
+          </p:cNvPicPr>
+          <p:nvPr/>
+        </p:nvPicPr>
+        <p:blipFill>
+          <a:blip r:embed="rId2">
+            <a:extLst>
+              <a:ext uri="{28A0092B-C50C-407E-A947-70E740481C1C}">
+                <a14:useLocalDpi xmlns:a14="http://schemas.microsoft.com/office/drawing/2010/main" val="0"/>
+              </a:ext>
+            </a:extLst>
+          </a:blip>
+          <a:stretch>
+            <a:fillRect/>
+          </a:stretch>
+        </p:blipFill>
+        <p:spPr>
+          <a:xfrm>
+            <a:off x="3227774" y="1449267"/>
+            <a:ext cx="6007666" cy="4575069"/>
+          </a:xfrm>
+          <a:prstGeom prst="rect">
+            <a:avLst/>
+          </a:prstGeom>
+        </p:spPr>
+      </p:pic>
+    </p:spTree>
+    <p:extLst>
+      <p:ext uri="{BB962C8B-B14F-4D97-AF65-F5344CB8AC3E}">
+        <p14:creationId xmlns:p14="http://schemas.microsoft.com/office/powerpoint/2010/main" val="1699703570"/>
       </p:ext>
     </p:extLst>
   </p:cSld>
@@ -5930,4 +10703,299 @@
     </a:ext>
   </a:extLst>
 </a:theme>
+</file>
+
+<file path=ppt/theme/theme2.xml><?xml version="1.0" encoding="utf-8"?>
+<a:theme xmlns:a="http://schemas.openxmlformats.org/drawingml/2006/main" name="Tema de Office">
+  <a:themeElements>
+    <a:clrScheme name="Office">
+      <a:dk1>
+        <a:sysClr val="windowText" lastClr="000000"/>
+      </a:dk1>
+      <a:lt1>
+        <a:sysClr val="window" lastClr="FFFFFF"/>
+      </a:lt1>
+      <a:dk2>
+        <a:srgbClr val="44546A"/>
+      </a:dk2>
+      <a:lt2>
+        <a:srgbClr val="E7E6E6"/>
+      </a:lt2>
+      <a:accent1>
+        <a:srgbClr val="4472C4"/>
+      </a:accent1>
+      <a:accent2>
+        <a:srgbClr val="ED7D31"/>
+      </a:accent2>
+      <a:accent3>
+        <a:srgbClr val="A5A5A5"/>
+      </a:accent3>
+      <a:accent4>
+        <a:srgbClr val="FFC000"/>
+      </a:accent4>
+      <a:accent5>
+        <a:srgbClr val="5B9BD5"/>
+      </a:accent5>
+      <a:accent6>
+        <a:srgbClr val="70AD47"/>
+      </a:accent6>
+      <a:hlink>
+        <a:srgbClr val="0563C1"/>
+      </a:hlink>
+      <a:folHlink>
+        <a:srgbClr val="954F72"/>
+      </a:folHlink>
+    </a:clrScheme>
+    <a:fontScheme name="Office">
+      <a:majorFont>
+        <a:latin typeface="Calibri Light" panose="020F0302020204030204"/>
+        <a:ea typeface=""/>
+        <a:cs typeface=""/>
+        <a:font script="Jpan" typeface="游ゴシック Light"/>
+        <a:font script="Hang" typeface="맑은 고딕"/>
+        <a:font script="Hans" typeface="等线 Light"/>
+        <a:font script="Hant" typeface="新細明體"/>
+        <a:font script="Arab" typeface="Times New Roman"/>
+        <a:font script="Hebr" typeface="Times New Roman"/>
+        <a:font script="Thai" typeface="Angsana New"/>
+        <a:font script="Ethi" typeface="Nyala"/>
+        <a:font script="Beng" typeface="Vrinda"/>
+        <a:font script="Gujr" typeface="Shruti"/>
+        <a:font script="Khmr" typeface="MoolBoran"/>
+        <a:font script="Knda" typeface="Tunga"/>
+        <a:font script="Guru" typeface="Raavi"/>
+        <a:font script="Cans" typeface="Euphemia"/>
+        <a:font script="Cher" typeface="Plantagenet Cherokee"/>
+        <a:font script="Yiii" typeface="Microsoft Yi Baiti"/>
+        <a:font script="Tibt" typeface="Microsoft Himalaya"/>
+        <a:font script="Thaa" typeface="MV Boli"/>
+        <a:font script="Deva" typeface="Mangal"/>
+        <a:font script="Telu" typeface="Gautami"/>
+        <a:font script="Taml" typeface="Latha"/>
+        <a:font script="Syrc" typeface="Estrangelo Edessa"/>
+        <a:font script="Orya" typeface="Kalinga"/>
+        <a:font script="Mlym" typeface="Kartika"/>
+        <a:font script="Laoo" typeface="DokChampa"/>
+        <a:font script="Sinh" typeface="Iskoola Pota"/>
+        <a:font script="Mong" typeface="Mongolian Baiti"/>
+        <a:font script="Viet" typeface="Times New Roman"/>
+        <a:font script="Uigh" typeface="Microsoft Uighur"/>
+        <a:font script="Geor" typeface="Sylfaen"/>
+        <a:font script="Armn" typeface="Arial"/>
+        <a:font script="Bugi" typeface="Leelawadee UI"/>
+        <a:font script="Bopo" typeface="Microsoft JhengHei"/>
+        <a:font script="Java" typeface="Javanese Text"/>
+        <a:font script="Lisu" typeface="Segoe UI"/>
+        <a:font script="Mymr" typeface="Myanmar Text"/>
+        <a:font script="Nkoo" typeface="Ebrima"/>
+        <a:font script="Olck" typeface="Nirmala UI"/>
+        <a:font script="Osma" typeface="Ebrima"/>
+        <a:font script="Phag" typeface="Phagspa"/>
+        <a:font script="Syrn" typeface="Estrangelo Edessa"/>
+        <a:font script="Syrj" typeface="Estrangelo Edessa"/>
+        <a:font script="Syre" typeface="Estrangelo Edessa"/>
+        <a:font script="Sora" typeface="Nirmala UI"/>
+        <a:font script="Tale" typeface="Microsoft Tai Le"/>
+        <a:font script="Talu" typeface="Microsoft New Tai Lue"/>
+        <a:font script="Tfng" typeface="Ebrima"/>
+      </a:majorFont>
+      <a:minorFont>
+        <a:latin typeface="Calibri" panose="020F0502020204030204"/>
+        <a:ea typeface=""/>
+        <a:cs typeface=""/>
+        <a:font script="Jpan" typeface="游ゴシック"/>
+        <a:font script="Hang" typeface="맑은 고딕"/>
+        <a:font script="Hans" typeface="等线"/>
+        <a:font script="Hant" typeface="新細明體"/>
+        <a:font script="Arab" typeface="Arial"/>
+        <a:font script="Hebr" typeface="Arial"/>
+        <a:font script="Thai" typeface="Cordia New"/>
+        <a:font script="Ethi" typeface="Nyala"/>
+        <a:font script="Beng" typeface="Vrinda"/>
+        <a:font script="Gujr" typeface="Shruti"/>
+        <a:font script="Khmr" typeface="DaunPenh"/>
+        <a:font script="Knda" typeface="Tunga"/>
+        <a:font script="Guru" typeface="Raavi"/>
+        <a:font script="Cans" typeface="Euphemia"/>
+        <a:font script="Cher" typeface="Plantagenet Cherokee"/>
+        <a:font script="Yiii" typeface="Microsoft Yi Baiti"/>
+        <a:font script="Tibt" typeface="Microsoft Himalaya"/>
+        <a:font script="Thaa" typeface="MV Boli"/>
+        <a:font script="Deva" typeface="Mangal"/>
+        <a:font script="Telu" typeface="Gautami"/>
+        <a:font script="Taml" typeface="Latha"/>
+        <a:font script="Syrc" typeface="Estrangelo Edessa"/>
+        <a:font script="Orya" typeface="Kalinga"/>
+        <a:font script="Mlym" typeface="Kartika"/>
+        <a:font script="Laoo" typeface="DokChampa"/>
+        <a:font script="Sinh" typeface="Iskoola Pota"/>
+        <a:font script="Mong" typeface="Mongolian Baiti"/>
+        <a:font script="Viet" typeface="Arial"/>
+        <a:font script="Uigh" typeface="Microsoft Uighur"/>
+        <a:font script="Geor" typeface="Sylfaen"/>
+        <a:font script="Armn" typeface="Arial"/>
+        <a:font script="Bugi" typeface="Leelawadee UI"/>
+        <a:font script="Bopo" typeface="Microsoft JhengHei"/>
+        <a:font script="Java" typeface="Javanese Text"/>
+        <a:font script="Lisu" typeface="Segoe UI"/>
+        <a:font script="Mymr" typeface="Myanmar Text"/>
+        <a:font script="Nkoo" typeface="Ebrima"/>
+        <a:font script="Olck" typeface="Nirmala UI"/>
+        <a:font script="Osma" typeface="Ebrima"/>
+        <a:font script="Phag" typeface="Phagspa"/>
+        <a:font script="Syrn" typeface="Estrangelo Edessa"/>
+        <a:font script="Syrj" typeface="Estrangelo Edessa"/>
+        <a:font script="Syre" typeface="Estrangelo Edessa"/>
+        <a:font script="Sora" typeface="Nirmala UI"/>
+        <a:font script="Tale" typeface="Microsoft Tai Le"/>
+        <a:font script="Talu" typeface="Microsoft New Tai Lue"/>
+        <a:font script="Tfng" typeface="Ebrima"/>
+      </a:minorFont>
+    </a:fontScheme>
+    <a:fmtScheme name="Office">
+      <a:fillStyleLst>
+        <a:solidFill>
+          <a:schemeClr val="phClr"/>
+        </a:solidFill>
+        <a:gradFill rotWithShape="1">
+          <a:gsLst>
+            <a:gs pos="0">
+              <a:schemeClr val="phClr">
+                <a:lumMod val="110000"/>
+                <a:satMod val="105000"/>
+                <a:tint val="67000"/>
+              </a:schemeClr>
+            </a:gs>
+            <a:gs pos="50000">
+              <a:schemeClr val="phClr">
+                <a:lumMod val="105000"/>
+                <a:satMod val="103000"/>
+                <a:tint val="73000"/>
+              </a:schemeClr>
+            </a:gs>
+            <a:gs pos="100000">
+              <a:schemeClr val="phClr">
+                <a:lumMod val="105000"/>
+                <a:satMod val="109000"/>
+                <a:tint val="81000"/>
+              </a:schemeClr>
+            </a:gs>
+          </a:gsLst>
+          <a:lin ang="5400000" scaled="0"/>
+        </a:gradFill>
+        <a:gradFill rotWithShape="1">
+          <a:gsLst>
+            <a:gs pos="0">
+              <a:schemeClr val="phClr">
+                <a:satMod val="103000"/>
+                <a:lumMod val="102000"/>
+                <a:tint val="94000"/>
+              </a:schemeClr>
+            </a:gs>
+            <a:gs pos="50000">
+              <a:schemeClr val="phClr">
+                <a:satMod val="110000"/>
+                <a:lumMod val="100000"/>
+                <a:shade val="100000"/>
+              </a:schemeClr>
+            </a:gs>
+            <a:gs pos="100000">
+              <a:schemeClr val="phClr">
+                <a:lumMod val="99000"/>
+                <a:satMod val="120000"/>
+                <a:shade val="78000"/>
+              </a:schemeClr>
+            </a:gs>
+          </a:gsLst>
+          <a:lin ang="5400000" scaled="0"/>
+        </a:gradFill>
+      </a:fillStyleLst>
+      <a:lnStyleLst>
+        <a:ln w="6350" cap="flat" cmpd="sng" algn="ctr">
+          <a:solidFill>
+            <a:schemeClr val="phClr"/>
+          </a:solidFill>
+          <a:prstDash val="solid"/>
+          <a:miter lim="800000"/>
+        </a:ln>
+        <a:ln w="12700" cap="flat" cmpd="sng" algn="ctr">
+          <a:solidFill>
+            <a:schemeClr val="phClr"/>
+          </a:solidFill>
+          <a:prstDash val="solid"/>
+          <a:miter lim="800000"/>
+        </a:ln>
+        <a:ln w="19050" cap="flat" cmpd="sng" algn="ctr">
+          <a:solidFill>
+            <a:schemeClr val="phClr"/>
+          </a:solidFill>
+          <a:prstDash val="solid"/>
+          <a:miter lim="800000"/>
+        </a:ln>
+      </a:lnStyleLst>
+      <a:effectStyleLst>
+        <a:effectStyle>
+          <a:effectLst/>
+        </a:effectStyle>
+        <a:effectStyle>
+          <a:effectLst/>
+        </a:effectStyle>
+        <a:effectStyle>
+          <a:effectLst>
+            <a:outerShdw blurRad="57150" dist="19050" dir="5400000" algn="ctr" rotWithShape="0">
+              <a:srgbClr val="000000">
+                <a:alpha val="63000"/>
+              </a:srgbClr>
+            </a:outerShdw>
+          </a:effectLst>
+        </a:effectStyle>
+      </a:effectStyleLst>
+      <a:bgFillStyleLst>
+        <a:solidFill>
+          <a:schemeClr val="phClr"/>
+        </a:solidFill>
+        <a:solidFill>
+          <a:schemeClr val="phClr">
+            <a:tint val="95000"/>
+            <a:satMod val="170000"/>
+          </a:schemeClr>
+        </a:solidFill>
+        <a:gradFill rotWithShape="1">
+          <a:gsLst>
+            <a:gs pos="0">
+              <a:schemeClr val="phClr">
+                <a:tint val="93000"/>
+                <a:satMod val="150000"/>
+                <a:shade val="98000"/>
+                <a:lumMod val="102000"/>
+              </a:schemeClr>
+            </a:gs>
+            <a:gs pos="50000">
+              <a:schemeClr val="phClr">
+                <a:tint val="98000"/>
+                <a:satMod val="130000"/>
+                <a:shade val="90000"/>
+                <a:lumMod val="103000"/>
+              </a:schemeClr>
+            </a:gs>
+            <a:gs pos="100000">
+              <a:schemeClr val="phClr">
+                <a:shade val="63000"/>
+                <a:satMod val="120000"/>
+              </a:schemeClr>
+            </a:gs>
+          </a:gsLst>
+          <a:lin ang="5400000" scaled="0"/>
+        </a:gradFill>
+      </a:bgFillStyleLst>
+    </a:fmtScheme>
+  </a:themeElements>
+  <a:objectDefaults/>
+  <a:extraClrSchemeLst/>
+  <a:extLst>
+    <a:ext uri="{05A4C25C-085E-4340-85A3-A5531E510DB2}">
+      <thm15:themeFamily xmlns:thm15="http://schemas.microsoft.com/office/thememl/2012/main" name="Office Theme" id="{62F939B6-93AF-4DB8-9C6B-D6C7DFDC589F}" vid="{4A3C46E8-61CC-4603-A589-7422A47A8E4A}"/>
+    </a:ext>
+  </a:extLst>
+</a:theme>
 </file>
--- a/figures/ModuleWavenet.pptx
+++ b/figures/ModuleWavenet.pptx
@@ -199,7 +199,7 @@
           <a:p>
             <a:fld id="{8DA6EE67-C59E-F84B-AEA2-5C5587E50374}" type="datetimeFigureOut">
               <a:rPr lang="es-NL" smtClean="0"/>
-              <a:t>07-07-2024</a:t>
+              <a:t>08-07-2024</a:t>
             </a:fld>
             <a:endParaRPr lang="es-NL"/>
           </a:p>
@@ -700,7 +700,7 @@
           <a:p>
             <a:fld id="{290CD9FD-56AE-451A-AF89-2ACD237B8955}" type="datetimeFigureOut">
               <a:rPr lang="en-GB" smtClean="0"/>
-              <a:t>07/07/2024</a:t>
+              <a:t>08/07/2024</a:t>
             </a:fld>
             <a:endParaRPr lang="en-GB"/>
           </a:p>
@@ -900,7 +900,7 @@
           <a:p>
             <a:fld id="{290CD9FD-56AE-451A-AF89-2ACD237B8955}" type="datetimeFigureOut">
               <a:rPr lang="en-GB" smtClean="0"/>
-              <a:t>07/07/2024</a:t>
+              <a:t>08/07/2024</a:t>
             </a:fld>
             <a:endParaRPr lang="en-GB"/>
           </a:p>
@@ -1110,7 +1110,7 @@
           <a:p>
             <a:fld id="{290CD9FD-56AE-451A-AF89-2ACD237B8955}" type="datetimeFigureOut">
               <a:rPr lang="en-GB" smtClean="0"/>
-              <a:t>07/07/2024</a:t>
+              <a:t>08/07/2024</a:t>
             </a:fld>
             <a:endParaRPr lang="en-GB"/>
           </a:p>
@@ -1310,7 +1310,7 @@
           <a:p>
             <a:fld id="{290CD9FD-56AE-451A-AF89-2ACD237B8955}" type="datetimeFigureOut">
               <a:rPr lang="en-GB" smtClean="0"/>
-              <a:t>07/07/2024</a:t>
+              <a:t>08/07/2024</a:t>
             </a:fld>
             <a:endParaRPr lang="en-GB"/>
           </a:p>
@@ -1586,7 +1586,7 @@
           <a:p>
             <a:fld id="{290CD9FD-56AE-451A-AF89-2ACD237B8955}" type="datetimeFigureOut">
               <a:rPr lang="en-GB" smtClean="0"/>
-              <a:t>07/07/2024</a:t>
+              <a:t>08/07/2024</a:t>
             </a:fld>
             <a:endParaRPr lang="en-GB"/>
           </a:p>
@@ -1854,7 +1854,7 @@
           <a:p>
             <a:fld id="{290CD9FD-56AE-451A-AF89-2ACD237B8955}" type="datetimeFigureOut">
               <a:rPr lang="en-GB" smtClean="0"/>
-              <a:t>07/07/2024</a:t>
+              <a:t>08/07/2024</a:t>
             </a:fld>
             <a:endParaRPr lang="en-GB"/>
           </a:p>
@@ -2269,7 +2269,7 @@
           <a:p>
             <a:fld id="{290CD9FD-56AE-451A-AF89-2ACD237B8955}" type="datetimeFigureOut">
               <a:rPr lang="en-GB" smtClean="0"/>
-              <a:t>07/07/2024</a:t>
+              <a:t>08/07/2024</a:t>
             </a:fld>
             <a:endParaRPr lang="en-GB"/>
           </a:p>
@@ -2411,7 +2411,7 @@
           <a:p>
             <a:fld id="{290CD9FD-56AE-451A-AF89-2ACD237B8955}" type="datetimeFigureOut">
               <a:rPr lang="en-GB" smtClean="0"/>
-              <a:t>07/07/2024</a:t>
+              <a:t>08/07/2024</a:t>
             </a:fld>
             <a:endParaRPr lang="en-GB"/>
           </a:p>
@@ -2524,7 +2524,7 @@
           <a:p>
             <a:fld id="{290CD9FD-56AE-451A-AF89-2ACD237B8955}" type="datetimeFigureOut">
               <a:rPr lang="en-GB" smtClean="0"/>
-              <a:t>07/07/2024</a:t>
+              <a:t>08/07/2024</a:t>
             </a:fld>
             <a:endParaRPr lang="en-GB"/>
           </a:p>
@@ -2837,7 +2837,7 @@
           <a:p>
             <a:fld id="{290CD9FD-56AE-451A-AF89-2ACD237B8955}" type="datetimeFigureOut">
               <a:rPr lang="en-GB" smtClean="0"/>
-              <a:t>07/07/2024</a:t>
+              <a:t>08/07/2024</a:t>
             </a:fld>
             <a:endParaRPr lang="en-GB"/>
           </a:p>
@@ -3126,7 +3126,7 @@
           <a:p>
             <a:fld id="{290CD9FD-56AE-451A-AF89-2ACD237B8955}" type="datetimeFigureOut">
               <a:rPr lang="en-GB" smtClean="0"/>
-              <a:t>07/07/2024</a:t>
+              <a:t>08/07/2024</a:t>
             </a:fld>
             <a:endParaRPr lang="en-GB"/>
           </a:p>
@@ -3369,7 +3369,7 @@
           <a:p>
             <a:fld id="{290CD9FD-56AE-451A-AF89-2ACD237B8955}" type="datetimeFigureOut">
               <a:rPr lang="en-GB" smtClean="0"/>
-              <a:t>07/07/2024</a:t>
+              <a:t>08/07/2024</a:t>
             </a:fld>
             <a:endParaRPr lang="en-GB"/>
           </a:p>
@@ -6454,14 +6454,13 @@
           </p:cNvPr>
           <p:cNvCxnSpPr>
             <a:cxnSpLocks/>
-            <a:endCxn id="136" idx="3"/>
           </p:cNvCxnSpPr>
           <p:nvPr/>
         </p:nvCxnSpPr>
         <p:spPr>
           <a:xfrm flipV="1">
-            <a:off x="5178647" y="2833220"/>
-            <a:ext cx="4765635" cy="12518"/>
+            <a:off x="5178647" y="2838529"/>
+            <a:ext cx="4001929" cy="7209"/>
           </a:xfrm>
           <a:prstGeom prst="straightConnector1">
             <a:avLst/>
@@ -6485,8 +6484,8 @@
           </a:fontRef>
         </p:style>
       </p:cxnSp>
-      <mc:AlternateContent xmlns:mc="http://schemas.openxmlformats.org/markup-compatibility/2006">
-        <mc:Choice xmlns:a14="http://schemas.microsoft.com/office/drawing/2010/main" Requires="a14">
+      <mc:AlternateContent xmlns:mc="http://schemas.openxmlformats.org/markup-compatibility/2006" xmlns:a14="http://schemas.microsoft.com/office/drawing/2010/main">
+        <mc:Choice Requires="a14">
           <p:sp>
             <p:nvSpPr>
               <p:cNvPr id="113" name="CuadroTexto 112">
@@ -6566,7 +6565,7 @@
             </p:txBody>
           </p:sp>
         </mc:Choice>
-        <mc:Fallback>
+        <mc:Fallback xmlns="">
           <p:sp>
             <p:nvSpPr>
               <p:cNvPr id="113" name="CuadroTexto 112">
@@ -6670,8 +6669,8 @@
           </a:p>
         </p:txBody>
       </p:sp>
-      <mc:AlternateContent xmlns:mc="http://schemas.openxmlformats.org/markup-compatibility/2006">
-        <mc:Choice xmlns:a14="http://schemas.microsoft.com/office/drawing/2010/main" Requires="a14">
+      <mc:AlternateContent xmlns:mc="http://schemas.openxmlformats.org/markup-compatibility/2006" xmlns:a14="http://schemas.microsoft.com/office/drawing/2010/main">
+        <mc:Choice Requires="a14">
           <p:sp>
             <p:nvSpPr>
               <p:cNvPr id="12" name="CuadroTexto 11">
@@ -6687,7 +6686,7 @@
             <p:spPr>
               <a:xfrm>
                 <a:off x="2964789" y="4938462"/>
-                <a:ext cx="966611" cy="276999"/>
+                <a:ext cx="967957" cy="276999"/>
               </a:xfrm>
               <a:prstGeom prst="rect">
                 <a:avLst/>
@@ -6708,7 +6707,7 @@
                         <a:ea typeface="DEJAVU SANS" panose="020B0603030804020204" pitchFamily="34" charset="0"/>
                         <a:cs typeface="DEJAVU SANS" panose="020B0603030804020204" pitchFamily="34" charset="0"/>
                       </a:rPr>
-                      <m:t>𝑘</m:t>
+                      <m:t>𝑛</m:t>
                     </m:r>
                     <m:r>
                       <a:rPr lang="en-US" sz="1200" b="0" i="1" smtClean="0">
@@ -6732,7 +6731,7 @@
             </p:txBody>
           </p:sp>
         </mc:Choice>
-        <mc:Fallback>
+        <mc:Fallback xmlns="">
           <p:sp>
             <p:nvSpPr>
               <p:cNvPr id="12" name="CuadroTexto 11">
@@ -6750,7 +6749,7 @@
             <p:spPr>
               <a:xfrm>
                 <a:off x="2964789" y="4938462"/>
-                <a:ext cx="966611" cy="276999"/>
+                <a:ext cx="967957" cy="276999"/>
               </a:xfrm>
               <a:prstGeom prst="rect">
                 <a:avLst/>
@@ -6872,8 +6871,8 @@
           </a:p>
         </p:txBody>
       </p:sp>
-      <mc:AlternateContent xmlns:mc="http://schemas.openxmlformats.org/markup-compatibility/2006">
-        <mc:Choice xmlns:a14="http://schemas.microsoft.com/office/drawing/2010/main" Requires="a14">
+      <mc:AlternateContent xmlns:mc="http://schemas.openxmlformats.org/markup-compatibility/2006" xmlns:a14="http://schemas.microsoft.com/office/drawing/2010/main">
+        <mc:Choice Requires="a14">
           <p:sp>
             <p:nvSpPr>
               <p:cNvPr id="16" name="CuadroTexto 15">
@@ -6940,7 +6939,7 @@
             </p:txBody>
           </p:sp>
         </mc:Choice>
-        <mc:Fallback>
+        <mc:Fallback xmlns="">
           <p:sp>
             <p:nvSpPr>
               <p:cNvPr id="16" name="CuadroTexto 15">
@@ -7039,8 +7038,8 @@
           </a:p>
         </p:txBody>
       </p:sp>
-      <mc:AlternateContent xmlns:mc="http://schemas.openxmlformats.org/markup-compatibility/2006">
-        <mc:Choice xmlns:a14="http://schemas.microsoft.com/office/drawing/2010/main" Requires="a14">
+      <mc:AlternateContent xmlns:mc="http://schemas.openxmlformats.org/markup-compatibility/2006" xmlns:a14="http://schemas.microsoft.com/office/drawing/2010/main">
+        <mc:Choice Requires="a14">
           <p:sp>
             <p:nvSpPr>
               <p:cNvPr id="18" name="CuadroTexto 17">
@@ -7096,7 +7095,7 @@
             </p:txBody>
           </p:sp>
         </mc:Choice>
-        <mc:Fallback>
+        <mc:Fallback xmlns="">
           <p:sp>
             <p:nvSpPr>
               <p:cNvPr id="18" name="CuadroTexto 17">
@@ -7197,8 +7196,8 @@
           </a:p>
         </p:txBody>
       </p:sp>
-      <mc:AlternateContent xmlns:mc="http://schemas.openxmlformats.org/markup-compatibility/2006">
-        <mc:Choice xmlns:a14="http://schemas.microsoft.com/office/drawing/2010/main" Requires="a14">
+      <mc:AlternateContent xmlns:mc="http://schemas.openxmlformats.org/markup-compatibility/2006" xmlns:a14="http://schemas.microsoft.com/office/drawing/2010/main">
+        <mc:Choice Requires="a14">
           <p:sp>
             <p:nvSpPr>
               <p:cNvPr id="32" name="CuadroTexto 31">
@@ -7254,7 +7253,7 @@
             </p:txBody>
           </p:sp>
         </mc:Choice>
-        <mc:Fallback>
+        <mc:Fallback xmlns="">
           <p:sp>
             <p:nvSpPr>
               <p:cNvPr id="32" name="CuadroTexto 31">
@@ -7438,8 +7437,8 @@
           </a:fontRef>
         </p:style>
       </p:cxnSp>
-      <mc:AlternateContent xmlns:mc="http://schemas.openxmlformats.org/markup-compatibility/2006">
-        <mc:Choice xmlns:a14="http://schemas.microsoft.com/office/drawing/2010/main" Requires="a14">
+      <mc:AlternateContent xmlns:mc="http://schemas.openxmlformats.org/markup-compatibility/2006" xmlns:a14="http://schemas.microsoft.com/office/drawing/2010/main">
+        <mc:Choice Requires="a14">
           <p:sp>
             <p:nvSpPr>
               <p:cNvPr id="67" name="CuadroTexto 66">
@@ -7495,7 +7494,7 @@
             </p:txBody>
           </p:sp>
         </mc:Choice>
-        <mc:Fallback>
+        <mc:Fallback xmlns="">
           <p:sp>
             <p:nvSpPr>
               <p:cNvPr id="67" name="CuadroTexto 66">
@@ -7585,8 +7584,8 @@
           </a:fontRef>
         </p:style>
       </p:cxnSp>
-      <mc:AlternateContent xmlns:mc="http://schemas.openxmlformats.org/markup-compatibility/2006">
-        <mc:Choice xmlns:a14="http://schemas.microsoft.com/office/drawing/2010/main" Requires="a14">
+      <mc:AlternateContent xmlns:mc="http://schemas.openxmlformats.org/markup-compatibility/2006" xmlns:a14="http://schemas.microsoft.com/office/drawing/2010/main">
+        <mc:Choice Requires="a14">
           <p:sp>
             <p:nvSpPr>
               <p:cNvPr id="101" name="CuadroTexto 100">
@@ -7667,7 +7666,7 @@
             </p:txBody>
           </p:sp>
         </mc:Choice>
-        <mc:Fallback>
+        <mc:Fallback xmlns="">
           <p:sp>
             <p:nvSpPr>
               <p:cNvPr id="101" name="CuadroTexto 100">
@@ -7988,8 +7987,8 @@
           </a:p>
         </p:txBody>
       </p:sp>
-      <mc:AlternateContent xmlns:mc="http://schemas.openxmlformats.org/markup-compatibility/2006">
-        <mc:Choice xmlns:a14="http://schemas.microsoft.com/office/drawing/2010/main" Requires="a14">
+      <mc:AlternateContent xmlns:mc="http://schemas.openxmlformats.org/markup-compatibility/2006" xmlns:a14="http://schemas.microsoft.com/office/drawing/2010/main">
+        <mc:Choice Requires="a14">
           <p:sp>
             <p:nvSpPr>
               <p:cNvPr id="121" name="CuadroTexto 120">
@@ -8045,7 +8044,7 @@
             </p:txBody>
           </p:sp>
         </mc:Choice>
-        <mc:Fallback>
+        <mc:Fallback xmlns="">
           <p:sp>
             <p:nvSpPr>
               <p:cNvPr id="121" name="CuadroTexto 120">
@@ -8201,8 +8200,8 @@
           </a:p>
         </p:txBody>
       </p:sp>
-      <mc:AlternateContent xmlns:mc="http://schemas.openxmlformats.org/markup-compatibility/2006">
-        <mc:Choice xmlns:a14="http://schemas.microsoft.com/office/drawing/2010/main" Requires="a14">
+      <mc:AlternateContent xmlns:mc="http://schemas.openxmlformats.org/markup-compatibility/2006" xmlns:a14="http://schemas.microsoft.com/office/drawing/2010/main">
+        <mc:Choice Requires="a14">
           <p:sp>
             <p:nvSpPr>
               <p:cNvPr id="126" name="CuadroTexto 125">
@@ -8259,7 +8258,7 @@
             </p:txBody>
           </p:sp>
         </mc:Choice>
-        <mc:Fallback>
+        <mc:Fallback xmlns="">
           <p:sp>
             <p:nvSpPr>
               <p:cNvPr id="126" name="CuadroTexto 125">
@@ -8415,8 +8414,8 @@
           </a:p>
         </p:txBody>
       </p:sp>
-      <mc:AlternateContent xmlns:mc="http://schemas.openxmlformats.org/markup-compatibility/2006">
-        <mc:Choice xmlns:a14="http://schemas.microsoft.com/office/drawing/2010/main" Requires="a14">
+      <mc:AlternateContent xmlns:mc="http://schemas.openxmlformats.org/markup-compatibility/2006" xmlns:a14="http://schemas.microsoft.com/office/drawing/2010/main">
+        <mc:Choice Requires="a14">
           <p:sp>
             <p:nvSpPr>
               <p:cNvPr id="131" name="CuadroTexto 130">
@@ -8473,7 +8472,7 @@
             </p:txBody>
           </p:sp>
         </mc:Choice>
-        <mc:Fallback>
+        <mc:Fallback xmlns="">
           <p:sp>
             <p:nvSpPr>
               <p:cNvPr id="131" name="CuadroTexto 130">
@@ -8575,163 +8574,6 @@
           </a:p>
         </p:txBody>
       </p:sp>
-      <p:sp>
-        <p:nvSpPr>
-          <p:cNvPr id="137" name="Rectángulo 136">
-            <a:extLst>
-              <a:ext uri="{FF2B5EF4-FFF2-40B4-BE49-F238E27FC236}">
-                <a16:creationId xmlns:a16="http://schemas.microsoft.com/office/drawing/2014/main" id="{C83FC5DF-03E0-CA6B-316A-168851A2F211}"/>
-              </a:ext>
-            </a:extLst>
-          </p:cNvPr>
-          <p:cNvSpPr/>
-          <p:nvPr/>
-        </p:nvSpPr>
-        <p:spPr>
-          <a:xfrm>
-            <a:off x="9165015" y="2677074"/>
-            <a:ext cx="669508" cy="349096"/>
-          </a:xfrm>
-          <a:prstGeom prst="rect">
-            <a:avLst/>
-          </a:prstGeom>
-          <a:solidFill>
-            <a:srgbClr val="2FAE68"/>
-          </a:solidFill>
-          <a:ln>
-            <a:noFill/>
-          </a:ln>
-        </p:spPr>
-        <p:style>
-          <a:lnRef idx="1">
-            <a:schemeClr val="accent2"/>
-          </a:lnRef>
-          <a:fillRef idx="2">
-            <a:schemeClr val="accent2"/>
-          </a:fillRef>
-          <a:effectRef idx="1">
-            <a:schemeClr val="accent2"/>
-          </a:effectRef>
-          <a:fontRef idx="minor">
-            <a:schemeClr val="dk1"/>
-          </a:fontRef>
-        </p:style>
-        <p:txBody>
-          <a:bodyPr rtlCol="0" anchor="ctr"/>
-          <a:lstStyle/>
-          <a:p>
-            <a:pPr algn="ctr"/>
-            <a:endParaRPr lang="es-NL" sz="1400" dirty="0">
-              <a:latin typeface="DEJAVU SANS" panose="020B0603030804020204" pitchFamily="34" charset="0"/>
-              <a:ea typeface="DEJAVU SANS" panose="020B0603030804020204" pitchFamily="34" charset="0"/>
-              <a:cs typeface="DEJAVU SANS" panose="020B0603030804020204" pitchFamily="34" charset="0"/>
-            </a:endParaRPr>
-          </a:p>
-        </p:txBody>
-      </p:sp>
-      <mc:AlternateContent xmlns:mc="http://schemas.openxmlformats.org/markup-compatibility/2006">
-        <mc:Choice xmlns:a14="http://schemas.microsoft.com/office/drawing/2010/main" Requires="a14">
-          <p:sp>
-            <p:nvSpPr>
-              <p:cNvPr id="136" name="CuadroTexto 135">
-                <a:extLst>
-                  <a:ext uri="{FF2B5EF4-FFF2-40B4-BE49-F238E27FC236}">
-                    <a16:creationId xmlns:a16="http://schemas.microsoft.com/office/drawing/2014/main" id="{E15306AA-045A-F0A2-F5A9-D554E3AE7760}"/>
-                  </a:ext>
-                </a:extLst>
-              </p:cNvPr>
-              <p:cNvSpPr txBox="1"/>
-              <p:nvPr/>
-            </p:nvSpPr>
-            <p:spPr>
-              <a:xfrm>
-                <a:off x="9104052" y="2702415"/>
-                <a:ext cx="840230" cy="261610"/>
-              </a:xfrm>
-              <a:prstGeom prst="rect">
-                <a:avLst/>
-              </a:prstGeom>
-              <a:noFill/>
-            </p:spPr>
-            <p:txBody>
-              <a:bodyPr wrap="square" rtlCol="0">
-                <a:spAutoFit/>
-              </a:bodyPr>
-              <a:lstStyle/>
-              <a:p>
-                <a:r>
-                  <a:rPr lang="es-NL" sz="1100" dirty="0">
-                    <a:ea typeface="DEJAVU SANS" panose="020B0603030804020204" pitchFamily="34" charset="0"/>
-                    <a:cs typeface="DEJAVU SANS" panose="020B0603030804020204" pitchFamily="34" charset="0"/>
-                  </a:rPr>
-                  <a:t> Softmax</a:t>
-                </a:r>
-                <a14:m>
-                  <m:oMath xmlns:m="http://schemas.openxmlformats.org/officeDocument/2006/math">
-                    <m:r>
-                      <a:rPr lang="es-NL" sz="1100" i="1" dirty="0" smtClean="0">
-                        <a:latin typeface="DEJAVU SANS" panose="020B0603030804020204" pitchFamily="34" charset="0"/>
-                        <a:ea typeface="DEJAVU SANS" panose="020B0603030804020204" pitchFamily="34" charset="0"/>
-                        <a:cs typeface="DEJAVU SANS" panose="020B0603030804020204" pitchFamily="34" charset="0"/>
-                      </a:rPr>
-                      <m:t>⁡</m:t>
-                    </m:r>
-                  </m:oMath>
-                </a14:m>
-                <a:endParaRPr lang="es-NL" sz="1100" dirty="0">
-                  <a:latin typeface="DEJAVU SANS" panose="020B0603030804020204" pitchFamily="34" charset="0"/>
-                  <a:ea typeface="DEJAVU SANS" panose="020B0603030804020204" pitchFamily="34" charset="0"/>
-                  <a:cs typeface="DEJAVU SANS" panose="020B0603030804020204" pitchFamily="34" charset="0"/>
-                </a:endParaRPr>
-              </a:p>
-            </p:txBody>
-          </p:sp>
-        </mc:Choice>
-        <mc:Fallback>
-          <p:sp>
-            <p:nvSpPr>
-              <p:cNvPr id="136" name="CuadroTexto 135">
-                <a:extLst>
-                  <a:ext uri="{FF2B5EF4-FFF2-40B4-BE49-F238E27FC236}">
-                    <a16:creationId xmlns:a16="http://schemas.microsoft.com/office/drawing/2014/main" id="{E15306AA-045A-F0A2-F5A9-D554E3AE7760}"/>
-                  </a:ext>
-                </a:extLst>
-              </p:cNvPr>
-              <p:cNvSpPr txBox="1">
-                <a:spLocks noRot="1" noChangeAspect="1" noMove="1" noResize="1" noEditPoints="1" noAdjustHandles="1" noChangeArrowheads="1" noChangeShapeType="1" noTextEdit="1"/>
-              </p:cNvSpPr>
-              <p:nvPr/>
-            </p:nvSpPr>
-            <p:spPr>
-              <a:xfrm>
-                <a:off x="9104052" y="2702415"/>
-                <a:ext cx="840230" cy="261610"/>
-              </a:xfrm>
-              <a:prstGeom prst="rect">
-                <a:avLst/>
-              </a:prstGeom>
-              <a:blipFill>
-                <a:blip r:embed="rId12"/>
-                <a:stretch>
-                  <a:fillRect b="-13636"/>
-                </a:stretch>
-              </a:blipFill>
-            </p:spPr>
-            <p:txBody>
-              <a:bodyPr/>
-              <a:lstStyle/>
-              <a:p>
-                <a:r>
-                  <a:rPr lang="es-NL">
-                    <a:noFill/>
-                  </a:rPr>
-                  <a:t> </a:t>
-                </a:r>
-              </a:p>
-            </p:txBody>
-          </p:sp>
-        </mc:Fallback>
-      </mc:AlternateContent>
       <p:cxnSp>
         <p:nvCxnSpPr>
           <p:cNvPr id="99" name="Conector recto de flecha 98">
@@ -8820,8 +8662,8 @@
           </a:fontRef>
         </p:style>
       </p:cxnSp>
-      <mc:AlternateContent xmlns:mc="http://schemas.openxmlformats.org/markup-compatibility/2006">
-        <mc:Choice xmlns:a14="http://schemas.microsoft.com/office/drawing/2010/main" Requires="a14">
+      <mc:AlternateContent xmlns:mc="http://schemas.openxmlformats.org/markup-compatibility/2006" xmlns:a14="http://schemas.microsoft.com/office/drawing/2010/main">
+        <mc:Choice Requires="a14">
           <p:sp>
             <p:nvSpPr>
               <p:cNvPr id="35" name="Rectángulo 34">
@@ -8994,7 +8836,7 @@
                               <a:ea typeface="DEJAVU SANS" panose="020B0603030804020204" pitchFamily="34" charset="0"/>
                               <a:cs typeface="DEJAVU SANS" panose="020B0603030804020204" pitchFamily="34" charset="0"/>
                             </a:rPr>
-                            <m:t>𝑘</m:t>
+                            <m:t>𝑛</m:t>
                           </m:r>
                         </m:sup>
                       </m:sSup>
@@ -9088,7 +8930,7 @@
             </p:txBody>
           </p:sp>
         </mc:Choice>
-        <mc:Fallback>
+        <mc:Fallback xmlns="">
           <p:sp>
             <p:nvSpPr>
               <p:cNvPr id="35" name="Rectángulo 34">
@@ -9150,7 +8992,7 @@
         </p:nvSpPr>
         <p:spPr>
           <a:xfrm>
-            <a:off x="9925297" y="2715036"/>
+            <a:off x="9145309" y="2714933"/>
             <a:ext cx="808235" cy="261610"/>
           </a:xfrm>
           <a:prstGeom prst="rect">
@@ -9219,8 +9061,8 @@
           </a:fontRef>
         </p:style>
       </p:cxnSp>
-      <mc:AlternateContent xmlns:mc="http://schemas.openxmlformats.org/markup-compatibility/2006">
-        <mc:Choice xmlns:a14="http://schemas.microsoft.com/office/drawing/2010/main" Requires="a14">
+      <mc:AlternateContent xmlns:mc="http://schemas.openxmlformats.org/markup-compatibility/2006" xmlns:a14="http://schemas.microsoft.com/office/drawing/2010/main">
+        <mc:Choice Requires="a14">
           <p:sp>
             <p:nvSpPr>
               <p:cNvPr id="144" name="CuadroTexto 143">
@@ -9278,7 +9120,7 @@
             </p:txBody>
           </p:sp>
         </mc:Choice>
-        <mc:Fallback>
+        <mc:Fallback xmlns="">
           <p:sp>
             <p:nvSpPr>
               <p:cNvPr id="144" name="CuadroTexto 143">
@@ -9779,8 +9621,8 @@
           </a:fontRef>
         </p:style>
       </p:cxnSp>
-      <mc:AlternateContent xmlns:mc="http://schemas.openxmlformats.org/markup-compatibility/2006">
-        <mc:Choice xmlns:a14="http://schemas.microsoft.com/office/drawing/2010/main" Requires="a14">
+      <mc:AlternateContent xmlns:mc="http://schemas.openxmlformats.org/markup-compatibility/2006" xmlns:a14="http://schemas.microsoft.com/office/drawing/2010/main">
+        <mc:Choice Requires="a14">
           <p:sp>
             <p:nvSpPr>
               <p:cNvPr id="110" name="Rectángulo 109">
@@ -9953,7 +9795,7 @@
                               <a:ea typeface="DEJAVU SANS" panose="020B0603030804020204" pitchFamily="34" charset="0"/>
                               <a:cs typeface="DEJAVU SANS" panose="020B0603030804020204" pitchFamily="34" charset="0"/>
                             </a:rPr>
-                            <m:t>𝑘</m:t>
+                            <m:t>𝑛</m:t>
                           </m:r>
                         </m:sup>
                       </m:sSup>
@@ -10047,7 +9889,7 @@
             </p:txBody>
           </p:sp>
         </mc:Choice>
-        <mc:Fallback>
+        <mc:Fallback xmlns="">
           <p:sp>
             <p:nvSpPr>
               <p:cNvPr id="110" name="Rectángulo 109">
